--- a/Android/Android入门.pptx
+++ b/Android/Android入门.pptx
@@ -2,20 +2,25 @@
 <file path=ppt/presentation.xml><?xml version="1.0" encoding="utf-8"?>
 <p:presentation xmlns:a="http://schemas.openxmlformats.org/drawingml/2006/main" xmlns:r="http://schemas.openxmlformats.org/officeDocument/2006/relationships" xmlns:p="http://schemas.openxmlformats.org/presentationml/2006/main" saveSubsetFonts="1" autoCompressPictures="0">
   <p:sldMasterIdLst>
-    <p:sldMasterId id="2147483648" r:id="rId1"/>
+    <p:sldMasterId id="2147483765" r:id="rId1"/>
   </p:sldMasterIdLst>
   <p:sldIdLst>
-    <p:sldId id="258" r:id="rId2"/>
-    <p:sldId id="266" r:id="rId3"/>
-    <p:sldId id="259" r:id="rId4"/>
-    <p:sldId id="261" r:id="rId5"/>
-    <p:sldId id="262" r:id="rId6"/>
-    <p:sldId id="263" r:id="rId7"/>
-    <p:sldId id="264" r:id="rId8"/>
-    <p:sldId id="267" r:id="rId9"/>
-    <p:sldId id="268" r:id="rId10"/>
-    <p:sldId id="270" r:id="rId11"/>
-    <p:sldId id="271" r:id="rId12"/>
+    <p:sldId id="273" r:id="rId2"/>
+    <p:sldId id="275" r:id="rId3"/>
+    <p:sldId id="277" r:id="rId4"/>
+    <p:sldId id="276" r:id="rId5"/>
+    <p:sldId id="274" r:id="rId6"/>
+    <p:sldId id="258" r:id="rId7"/>
+    <p:sldId id="266" r:id="rId8"/>
+    <p:sldId id="259" r:id="rId9"/>
+    <p:sldId id="261" r:id="rId10"/>
+    <p:sldId id="262" r:id="rId11"/>
+    <p:sldId id="263" r:id="rId12"/>
+    <p:sldId id="264" r:id="rId13"/>
+    <p:sldId id="267" r:id="rId14"/>
+    <p:sldId id="268" r:id="rId15"/>
+    <p:sldId id="270" r:id="rId16"/>
+    <p:sldId id="271" r:id="rId17"/>
   </p:sldIdLst>
   <p:sldSz cx="9144000" cy="6858000" type="screen4x3"/>
   <p:notesSz cx="6858000" cy="9144000"/>
@@ -118,7 +123,7 @@
 </file>
 
 <file path=ppt/slideLayouts/slideLayout1.xml><?xml version="1.0" encoding="utf-8"?>
-<p:sldLayout xmlns:a="http://schemas.openxmlformats.org/drawingml/2006/main" xmlns:r="http://schemas.openxmlformats.org/officeDocument/2006/relationships" xmlns:p="http://schemas.openxmlformats.org/presentationml/2006/main" type="title" preserve="1">
+<p:sldLayout xmlns:a="http://schemas.openxmlformats.org/drawingml/2006/main" xmlns:r="http://schemas.openxmlformats.org/officeDocument/2006/relationships" xmlns:p="http://schemas.openxmlformats.org/presentationml/2006/main" showMasterSp="0" type="title" preserve="1">
   <p:cSld name="标题幻灯片">
     <p:spTree>
       <p:nvGrpSpPr>
@@ -136,35 +141,294 @@
       </p:grpSpPr>
       <p:sp>
         <p:nvSpPr>
-          <p:cNvPr id="2" name="标题 1"/>
-          <p:cNvSpPr>
-            <a:spLocks noGrp="1"/>
-          </p:cNvSpPr>
-          <p:nvPr>
-            <p:ph type="ctrTitle"/>
-          </p:nvPr>
+          <p:cNvPr id="7" name="Right Triangle 6"/>
+          <p:cNvSpPr/>
+          <p:nvPr/>
         </p:nvSpPr>
         <p:spPr>
           <a:xfrm>
-            <a:off x="685800" y="2130425"/>
-            <a:ext cx="7772400" cy="1470025"/>
+            <a:off x="0" y="2647950"/>
+            <a:ext cx="3571875" cy="4210050"/>
+          </a:xfrm>
+          <a:prstGeom prst="rtTriangle">
+            <a:avLst/>
+          </a:prstGeom>
+          <a:solidFill>
+            <a:schemeClr val="accent2"/>
+          </a:solidFill>
+          <a:ln>
+            <a:noFill/>
+          </a:ln>
+        </p:spPr>
+        <p:style>
+          <a:lnRef idx="2">
+            <a:schemeClr val="accent1">
+              <a:shade val="50000"/>
+            </a:schemeClr>
+          </a:lnRef>
+          <a:fillRef idx="1">
+            <a:schemeClr val="accent1"/>
+          </a:fillRef>
+          <a:effectRef idx="0">
+            <a:schemeClr val="accent1"/>
+          </a:effectRef>
+          <a:fontRef idx="minor">
+            <a:schemeClr val="lt1"/>
+          </a:fontRef>
+        </p:style>
+        <p:txBody>
+          <a:bodyPr rtlCol="0" anchor="ctr"/>
+          <a:lstStyle/>
+          <a:p>
+            <a:pPr algn="ctr"/>
+            <a:endParaRPr lang="en-US"/>
+          </a:p>
+        </p:txBody>
+      </p:sp>
+      <p:sp>
+        <p:nvSpPr>
+          <p:cNvPr id="8" name="Freeform 7"/>
+          <p:cNvSpPr/>
+          <p:nvPr/>
+        </p:nvSpPr>
+        <p:spPr>
+          <a:xfrm>
+            <a:off x="-2380" y="-925"/>
+            <a:ext cx="9146380" cy="6858925"/>
+          </a:xfrm>
+          <a:custGeom>
+            <a:avLst/>
+            <a:gdLst>
+              <a:gd name="connsiteX0" fmla="*/ 0 w 3350419"/>
+              <a:gd name="connsiteY0" fmla="*/ 2081213 h 2083594"/>
+              <a:gd name="connsiteX1" fmla="*/ 3031331 w 3350419"/>
+              <a:gd name="connsiteY1" fmla="*/ 0 h 2083594"/>
+              <a:gd name="connsiteX2" fmla="*/ 3350419 w 3350419"/>
+              <a:gd name="connsiteY2" fmla="*/ 80963 h 2083594"/>
+              <a:gd name="connsiteX3" fmla="*/ 3350419 w 3350419"/>
+              <a:gd name="connsiteY3" fmla="*/ 2083594 h 2083594"/>
+              <a:gd name="connsiteX4" fmla="*/ 0 w 3350419"/>
+              <a:gd name="connsiteY4" fmla="*/ 2081213 h 2083594"/>
+              <a:gd name="connsiteX0" fmla="*/ 0 w 3112294"/>
+              <a:gd name="connsiteY0" fmla="*/ 2019301 h 2083594"/>
+              <a:gd name="connsiteX1" fmla="*/ 2793206 w 3112294"/>
+              <a:gd name="connsiteY1" fmla="*/ 0 h 2083594"/>
+              <a:gd name="connsiteX2" fmla="*/ 3112294 w 3112294"/>
+              <a:gd name="connsiteY2" fmla="*/ 80963 h 2083594"/>
+              <a:gd name="connsiteX3" fmla="*/ 3112294 w 3112294"/>
+              <a:gd name="connsiteY3" fmla="*/ 2083594 h 2083594"/>
+              <a:gd name="connsiteX4" fmla="*/ 0 w 3112294"/>
+              <a:gd name="connsiteY4" fmla="*/ 2019301 h 2083594"/>
+              <a:gd name="connsiteX0" fmla="*/ 0 w 3345656"/>
+              <a:gd name="connsiteY0" fmla="*/ 2097882 h 2097882"/>
+              <a:gd name="connsiteX1" fmla="*/ 3026568 w 3345656"/>
+              <a:gd name="connsiteY1" fmla="*/ 0 h 2097882"/>
+              <a:gd name="connsiteX2" fmla="*/ 3345656 w 3345656"/>
+              <a:gd name="connsiteY2" fmla="*/ 80963 h 2097882"/>
+              <a:gd name="connsiteX3" fmla="*/ 3345656 w 3345656"/>
+              <a:gd name="connsiteY3" fmla="*/ 2083594 h 2097882"/>
+              <a:gd name="connsiteX4" fmla="*/ 0 w 3345656"/>
+              <a:gd name="connsiteY4" fmla="*/ 2097882 h 2097882"/>
+              <a:gd name="connsiteX0" fmla="*/ 0 w 2800350"/>
+              <a:gd name="connsiteY0" fmla="*/ 1935957 h 2083594"/>
+              <a:gd name="connsiteX1" fmla="*/ 2481262 w 2800350"/>
+              <a:gd name="connsiteY1" fmla="*/ 0 h 2083594"/>
+              <a:gd name="connsiteX2" fmla="*/ 2800350 w 2800350"/>
+              <a:gd name="connsiteY2" fmla="*/ 80963 h 2083594"/>
+              <a:gd name="connsiteX3" fmla="*/ 2800350 w 2800350"/>
+              <a:gd name="connsiteY3" fmla="*/ 2083594 h 2083594"/>
+              <a:gd name="connsiteX4" fmla="*/ 0 w 2800350"/>
+              <a:gd name="connsiteY4" fmla="*/ 1935957 h 2083594"/>
+              <a:gd name="connsiteX0" fmla="*/ 0 w 3352800"/>
+              <a:gd name="connsiteY0" fmla="*/ 2083594 h 2083594"/>
+              <a:gd name="connsiteX1" fmla="*/ 3033712 w 3352800"/>
+              <a:gd name="connsiteY1" fmla="*/ 0 h 2083594"/>
+              <a:gd name="connsiteX2" fmla="*/ 3352800 w 3352800"/>
+              <a:gd name="connsiteY2" fmla="*/ 80963 h 2083594"/>
+              <a:gd name="connsiteX3" fmla="*/ 3352800 w 3352800"/>
+              <a:gd name="connsiteY3" fmla="*/ 2083594 h 2083594"/>
+              <a:gd name="connsiteX4" fmla="*/ 0 w 3352800"/>
+              <a:gd name="connsiteY4" fmla="*/ 2083594 h 2083594"/>
+              <a:gd name="connsiteX0" fmla="*/ 0 w 3352800"/>
+              <a:gd name="connsiteY0" fmla="*/ 2002631 h 2002631"/>
+              <a:gd name="connsiteX1" fmla="*/ 3033712 w 3352800"/>
+              <a:gd name="connsiteY1" fmla="*/ 157162 h 2002631"/>
+              <a:gd name="connsiteX2" fmla="*/ 3352800 w 3352800"/>
+              <a:gd name="connsiteY2" fmla="*/ 0 h 2002631"/>
+              <a:gd name="connsiteX3" fmla="*/ 3352800 w 3352800"/>
+              <a:gd name="connsiteY3" fmla="*/ 2002631 h 2002631"/>
+              <a:gd name="connsiteX4" fmla="*/ 0 w 3352800"/>
+              <a:gd name="connsiteY4" fmla="*/ 2002631 h 2002631"/>
+              <a:gd name="connsiteX0" fmla="*/ 0 w 3352800"/>
+              <a:gd name="connsiteY0" fmla="*/ 2002631 h 2002631"/>
+              <a:gd name="connsiteX1" fmla="*/ 2988469 w 3352800"/>
+              <a:gd name="connsiteY1" fmla="*/ 59530 h 2002631"/>
+              <a:gd name="connsiteX2" fmla="*/ 3352800 w 3352800"/>
+              <a:gd name="connsiteY2" fmla="*/ 0 h 2002631"/>
+              <a:gd name="connsiteX3" fmla="*/ 3352800 w 3352800"/>
+              <a:gd name="connsiteY3" fmla="*/ 2002631 h 2002631"/>
+              <a:gd name="connsiteX4" fmla="*/ 0 w 3352800"/>
+              <a:gd name="connsiteY4" fmla="*/ 2002631 h 2002631"/>
+              <a:gd name="connsiteX0" fmla="*/ 0 w 3352800"/>
+              <a:gd name="connsiteY0" fmla="*/ 2002631 h 2002631"/>
+              <a:gd name="connsiteX1" fmla="*/ 2833966 w 3352800"/>
+              <a:gd name="connsiteY1" fmla="*/ 425 h 2002631"/>
+              <a:gd name="connsiteX2" fmla="*/ 3352800 w 3352800"/>
+              <a:gd name="connsiteY2" fmla="*/ 0 h 2002631"/>
+              <a:gd name="connsiteX3" fmla="*/ 3352800 w 3352800"/>
+              <a:gd name="connsiteY3" fmla="*/ 2002631 h 2002631"/>
+              <a:gd name="connsiteX4" fmla="*/ 0 w 3352800"/>
+              <a:gd name="connsiteY4" fmla="*/ 2002631 h 2002631"/>
+              <a:gd name="connsiteX0" fmla="*/ 0 w 3352800"/>
+              <a:gd name="connsiteY0" fmla="*/ 2002631 h 2002631"/>
+              <a:gd name="connsiteX1" fmla="*/ 2845314 w 3352800"/>
+              <a:gd name="connsiteY1" fmla="*/ 12246 h 2002631"/>
+              <a:gd name="connsiteX2" fmla="*/ 3352800 w 3352800"/>
+              <a:gd name="connsiteY2" fmla="*/ 0 h 2002631"/>
+              <a:gd name="connsiteX3" fmla="*/ 3352800 w 3352800"/>
+              <a:gd name="connsiteY3" fmla="*/ 2002631 h 2002631"/>
+              <a:gd name="connsiteX4" fmla="*/ 0 w 3352800"/>
+              <a:gd name="connsiteY4" fmla="*/ 2002631 h 2002631"/>
+              <a:gd name="connsiteX0" fmla="*/ 0 w 3352800"/>
+              <a:gd name="connsiteY0" fmla="*/ 2002631 h 2002631"/>
+              <a:gd name="connsiteX1" fmla="*/ 2834839 w 3352800"/>
+              <a:gd name="connsiteY1" fmla="*/ 425 h 2002631"/>
+              <a:gd name="connsiteX2" fmla="*/ 3352800 w 3352800"/>
+              <a:gd name="connsiteY2" fmla="*/ 0 h 2002631"/>
+              <a:gd name="connsiteX3" fmla="*/ 3352800 w 3352800"/>
+              <a:gd name="connsiteY3" fmla="*/ 2002631 h 2002631"/>
+              <a:gd name="connsiteX4" fmla="*/ 0 w 3352800"/>
+              <a:gd name="connsiteY4" fmla="*/ 2002631 h 2002631"/>
+              <a:gd name="connsiteX0" fmla="*/ 0 w 3352800"/>
+              <a:gd name="connsiteY0" fmla="*/ 2002631 h 2002631"/>
+              <a:gd name="connsiteX1" fmla="*/ 2875865 w 3352800"/>
+              <a:gd name="connsiteY1" fmla="*/ 81782 h 2002631"/>
+              <a:gd name="connsiteX2" fmla="*/ 3352800 w 3352800"/>
+              <a:gd name="connsiteY2" fmla="*/ 0 h 2002631"/>
+              <a:gd name="connsiteX3" fmla="*/ 3352800 w 3352800"/>
+              <a:gd name="connsiteY3" fmla="*/ 2002631 h 2002631"/>
+              <a:gd name="connsiteX4" fmla="*/ 0 w 3352800"/>
+              <a:gd name="connsiteY4" fmla="*/ 2002631 h 2002631"/>
+              <a:gd name="connsiteX0" fmla="*/ 0 w 3352800"/>
+              <a:gd name="connsiteY0" fmla="*/ 2002901 h 2002901"/>
+              <a:gd name="connsiteX1" fmla="*/ 2836585 w 3352800"/>
+              <a:gd name="connsiteY1" fmla="*/ 0 h 2002901"/>
+              <a:gd name="connsiteX2" fmla="*/ 3352800 w 3352800"/>
+              <a:gd name="connsiteY2" fmla="*/ 270 h 2002901"/>
+              <a:gd name="connsiteX3" fmla="*/ 3352800 w 3352800"/>
+              <a:gd name="connsiteY3" fmla="*/ 2002901 h 2002901"/>
+              <a:gd name="connsiteX4" fmla="*/ 0 w 3352800"/>
+              <a:gd name="connsiteY4" fmla="*/ 2002901 h 2002901"/>
+            </a:gdLst>
+            <a:ahLst/>
+            <a:cxnLst>
+              <a:cxn ang="0">
+                <a:pos x="connsiteX0" y="connsiteY0"/>
+              </a:cxn>
+              <a:cxn ang="0">
+                <a:pos x="connsiteX1" y="connsiteY1"/>
+              </a:cxn>
+              <a:cxn ang="0">
+                <a:pos x="connsiteX2" y="connsiteY2"/>
+              </a:cxn>
+              <a:cxn ang="0">
+                <a:pos x="connsiteX3" y="connsiteY3"/>
+              </a:cxn>
+              <a:cxn ang="0">
+                <a:pos x="connsiteX4" y="connsiteY4"/>
+              </a:cxn>
+            </a:cxnLst>
+            <a:rect l="l" t="t" r="r" b="b"/>
+            <a:pathLst>
+              <a:path w="3352800" h="2002901">
+                <a:moveTo>
+                  <a:pt x="0" y="2002901"/>
+                </a:moveTo>
+                <a:lnTo>
+                  <a:pt x="2836585" y="0"/>
+                </a:lnTo>
+                <a:lnTo>
+                  <a:pt x="3352800" y="270"/>
+                </a:lnTo>
+                <a:lnTo>
+                  <a:pt x="3352800" y="2002901"/>
+                </a:lnTo>
+                <a:lnTo>
+                  <a:pt x="0" y="2002901"/>
+                </a:lnTo>
+                <a:close/>
+              </a:path>
+            </a:pathLst>
+          </a:custGeom>
+          <a:solidFill>
+            <a:schemeClr val="accent3">
+              <a:alpha val="80000"/>
+            </a:schemeClr>
+          </a:solidFill>
+          <a:ln>
+            <a:noFill/>
+          </a:ln>
+        </p:spPr>
+        <p:style>
+          <a:lnRef idx="2">
+            <a:schemeClr val="accent1">
+              <a:shade val="50000"/>
+            </a:schemeClr>
+          </a:lnRef>
+          <a:fillRef idx="1">
+            <a:schemeClr val="accent1"/>
+          </a:fillRef>
+          <a:effectRef idx="0">
+            <a:schemeClr val="accent1"/>
+          </a:effectRef>
+          <a:fontRef idx="minor">
+            <a:schemeClr val="lt1"/>
+          </a:fontRef>
+        </p:style>
+        <p:txBody>
+          <a:bodyPr rtlCol="0" anchor="ctr"/>
+          <a:lstStyle/>
+          <a:p>
+            <a:pPr algn="ctr"/>
+            <a:endParaRPr lang="en-US"/>
+          </a:p>
+        </p:txBody>
+      </p:sp>
+      <p:sp>
+        <p:nvSpPr>
+          <p:cNvPr id="2" name="Title 1"/>
+          <p:cNvSpPr>
+            <a:spLocks noGrp="1"/>
+          </p:cNvSpPr>
+          <p:nvPr>
+            <p:ph type="ctrTitle"/>
+          </p:nvPr>
+        </p:nvSpPr>
+        <p:spPr>
+          <a:xfrm rot="19140000">
+            <a:off x="817112" y="1730403"/>
+            <a:ext cx="5648623" cy="1204306"/>
           </a:xfrm>
         </p:spPr>
         <p:txBody>
-          <a:bodyPr/>
-          <a:lstStyle/>
-          <a:p>
-            <a:r>
-              <a:rPr kumimoji="1" lang="zh-CN" altLang="en-US" smtClean="0"/>
+          <a:bodyPr bIns="9144" anchor="b"/>
+          <a:lstStyle>
+            <a:lvl1pPr>
+              <a:defRPr sz="3200"/>
+            </a:lvl1pPr>
+          </a:lstStyle>
+          <a:p>
+            <a:r>
+              <a:rPr lang="zh-CN" altLang="en-US" smtClean="0"/>
               <a:t>单击此处编辑母版标题样式</a:t>
             </a:r>
-            <a:endParaRPr kumimoji="1" lang="zh-CN" altLang="en-US"/>
-          </a:p>
-        </p:txBody>
-      </p:sp>
-      <p:sp>
-        <p:nvSpPr>
-          <p:cNvPr id="3" name="副标题 2"/>
+            <a:endParaRPr lang="en-US" dirty="0"/>
+          </a:p>
+        </p:txBody>
+      </p:sp>
+      <p:sp>
+        <p:nvSpPr>
+          <p:cNvPr id="3" name="Subtitle 2"/>
           <p:cNvSpPr>
             <a:spLocks noGrp="1"/>
           </p:cNvSpPr>
@@ -173,22 +437,31 @@
           </p:nvPr>
         </p:nvSpPr>
         <p:spPr>
-          <a:xfrm>
-            <a:off x="1371600" y="3886200"/>
-            <a:ext cx="6400800" cy="1752600"/>
+          <a:xfrm rot="19140000">
+            <a:off x="1212277" y="2470925"/>
+            <a:ext cx="6511131" cy="329259"/>
           </a:xfrm>
         </p:spPr>
         <p:txBody>
-          <a:bodyPr/>
+          <a:bodyPr tIns="9144">
+            <a:normAutofit/>
+          </a:bodyPr>
           <a:lstStyle>
-            <a:lvl1pPr marL="0" indent="0" algn="ctr">
-              <a:buNone/>
-              <a:defRPr>
+            <a:lvl1pPr marL="0" indent="0" algn="l">
+              <a:buNone/>
+              <a:defRPr kumimoji="0" lang="en-US" sz="1400" b="0" i="0" u="none" strike="noStrike" kern="1200" cap="all" spc="400" normalizeH="0" baseline="0" noProof="0" dirty="0" smtClean="0">
+                <a:ln>
+                  <a:noFill/>
+                </a:ln>
                 <a:solidFill>
-                  <a:schemeClr val="tx1">
-                    <a:tint val="75000"/>
-                  </a:schemeClr>
+                  <a:schemeClr val="tx1"/>
                 </a:solidFill>
+                <a:effectLst/>
+                <a:uLnTx/>
+                <a:uFillTx/>
+                <a:latin typeface="+mn-lt"/>
+                <a:ea typeface="+mj-ea"/>
+                <a:cs typeface="Tunga" pitchFamily="2"/>
               </a:defRPr>
             </a:lvl1pPr>
             <a:lvl2pPr marL="457200" indent="0" algn="ctr">
@@ -273,17 +546,36 @@
             </a:lvl9pPr>
           </a:lstStyle>
           <a:p>
-            <a:r>
-              <a:rPr kumimoji="1" lang="zh-CN" altLang="en-US" smtClean="0"/>
+            <a:pPr marL="0" marR="0" lvl="0" indent="0" algn="l" defTabSz="914400" rtl="0" eaLnBrk="1" fontAlgn="auto" latinLnBrk="0" hangingPunct="1">
+              <a:lnSpc>
+                <a:spcPct val="100000"/>
+              </a:lnSpc>
+              <a:spcBef>
+                <a:spcPts val="0"/>
+              </a:spcBef>
+              <a:spcAft>
+                <a:spcPts val="0"/>
+              </a:spcAft>
+              <a:buClr>
+                <a:schemeClr val="accent1"/>
+              </a:buClr>
+              <a:buSzPct val="100000"/>
+              <a:buFont typeface="Arial" pitchFamily="34" charset="0"/>
+              <a:buNone/>
+              <a:tabLst/>
+              <a:defRPr/>
+            </a:pPr>
+            <a:r>
+              <a:rPr lang="zh-CN" altLang="en-US" smtClean="0"/>
               <a:t>单击此处编辑母版副标题样式</a:t>
             </a:r>
-            <a:endParaRPr kumimoji="1" lang="zh-CN" altLang="en-US"/>
-          </a:p>
-        </p:txBody>
-      </p:sp>
-      <p:sp>
-        <p:nvSpPr>
-          <p:cNvPr id="4" name="日期占位符 3"/>
+            <a:endParaRPr lang="en-US" dirty="0"/>
+          </a:p>
+        </p:txBody>
+      </p:sp>
+      <p:sp>
+        <p:nvSpPr>
+          <p:cNvPr id="4" name="Date Placeholder 3"/>
           <p:cNvSpPr>
             <a:spLocks noGrp="1"/>
           </p:cNvSpPr>
@@ -298,7 +590,7 @@
           <a:p>
             <a:fld id="{DEC4F04F-B178-5440-A5CE-39A350E1E3DD}" type="datetimeFigureOut">
               <a:rPr kumimoji="1" lang="zh-CN" altLang="en-US" smtClean="0"/>
-              <a:t>15/12/15</a:t>
+              <a:t>15/12/16</a:t>
             </a:fld>
             <a:endParaRPr kumimoji="1" lang="zh-CN" altLang="en-US"/>
           </a:p>
@@ -306,7 +598,7 @@
       </p:sp>
       <p:sp>
         <p:nvSpPr>
-          <p:cNvPr id="5" name="页脚占位符 4"/>
+          <p:cNvPr id="5" name="Footer Placeholder 4"/>
           <p:cNvSpPr>
             <a:spLocks noGrp="1"/>
           </p:cNvSpPr>
@@ -325,7 +617,7 @@
       </p:sp>
       <p:sp>
         <p:nvSpPr>
-          <p:cNvPr id="6" name="幻灯片编号占位符 5"/>
+          <p:cNvPr id="6" name="Slide Number Placeholder 5"/>
           <p:cNvSpPr>
             <a:spLocks noGrp="1"/>
           </p:cNvSpPr>
@@ -338,20 +630,16 @@
           <a:bodyPr/>
           <a:lstStyle/>
           <a:p>
-            <a:fld id="{1B01A4D7-7334-6A4E-8C07-7D25B44F6D51}" type="slidenum">
-              <a:rPr kumimoji="1" lang="zh-CN" altLang="en-US" smtClean="0"/>
+            <a:fld id="{2754ED01-E2A0-4C1E-8E21-014B99041579}" type="slidenum">
+              <a:rPr lang="en-US" smtClean="0"/>
+              <a:pPr/>
               <a:t>‹#›</a:t>
             </a:fld>
-            <a:endParaRPr kumimoji="1" lang="zh-CN" altLang="en-US"/>
+            <a:endParaRPr lang="en-US"/>
           </a:p>
         </p:txBody>
       </p:sp>
     </p:spTree>
-    <p:extLst>
-      <p:ext uri="{BB962C8B-B14F-4D97-AF65-F5344CB8AC3E}">
-        <p14:creationId xmlns:p14="http://schemas.microsoft.com/office/powerpoint/2010/main" val="3910124006"/>
-      </p:ext>
-    </p:extLst>
   </p:cSld>
   <p:clrMapOvr>
     <a:masterClrMapping/>
@@ -378,7 +666,7 @@
       </p:grpSpPr>
       <p:sp>
         <p:nvSpPr>
-          <p:cNvPr id="2" name="标题 1"/>
+          <p:cNvPr id="2" name="Title 1"/>
           <p:cNvSpPr>
             <a:spLocks noGrp="1"/>
           </p:cNvSpPr>
@@ -392,16 +680,16 @@
           <a:lstStyle/>
           <a:p>
             <a:r>
-              <a:rPr kumimoji="1" lang="zh-CN" altLang="en-US" smtClean="0"/>
+              <a:rPr lang="zh-CN" altLang="en-US" smtClean="0"/>
               <a:t>单击此处编辑母版标题样式</a:t>
             </a:r>
-            <a:endParaRPr kumimoji="1" lang="zh-CN" altLang="en-US"/>
-          </a:p>
-        </p:txBody>
-      </p:sp>
-      <p:sp>
-        <p:nvSpPr>
-          <p:cNvPr id="3" name="竖排文本占位符 2"/>
+            <a:endParaRPr lang="en-US"/>
+          </a:p>
+        </p:txBody>
+      </p:sp>
+      <p:sp>
+        <p:nvSpPr>
+          <p:cNvPr id="3" name="Vertical Text Placeholder 2"/>
           <p:cNvSpPr>
             <a:spLocks noGrp="1"/>
           </p:cNvSpPr>
@@ -416,44 +704,44 @@
           <a:p>
             <a:pPr lvl="0"/>
             <a:r>
-              <a:rPr kumimoji="1" lang="zh-CN" altLang="en-US" smtClean="0"/>
+              <a:rPr lang="zh-CN" altLang="en-US" smtClean="0"/>
               <a:t>单击此处编辑母版文本样式</a:t>
             </a:r>
           </a:p>
           <a:p>
             <a:pPr lvl="1"/>
             <a:r>
-              <a:rPr kumimoji="1" lang="zh-CN" altLang="en-US" smtClean="0"/>
+              <a:rPr lang="zh-CN" altLang="en-US" smtClean="0"/>
               <a:t>二级</a:t>
             </a:r>
           </a:p>
           <a:p>
             <a:pPr lvl="2"/>
             <a:r>
-              <a:rPr kumimoji="1" lang="zh-CN" altLang="en-US" smtClean="0"/>
+              <a:rPr lang="zh-CN" altLang="en-US" smtClean="0"/>
               <a:t>三级</a:t>
             </a:r>
           </a:p>
           <a:p>
             <a:pPr lvl="3"/>
             <a:r>
-              <a:rPr kumimoji="1" lang="zh-CN" altLang="en-US" smtClean="0"/>
+              <a:rPr lang="zh-CN" altLang="en-US" smtClean="0"/>
               <a:t>四级</a:t>
             </a:r>
           </a:p>
           <a:p>
             <a:pPr lvl="4"/>
             <a:r>
-              <a:rPr kumimoji="1" lang="zh-CN" altLang="en-US" smtClean="0"/>
+              <a:rPr lang="zh-CN" altLang="en-US" smtClean="0"/>
               <a:t>五级</a:t>
             </a:r>
-            <a:endParaRPr kumimoji="1" lang="zh-CN" altLang="en-US"/>
-          </a:p>
-        </p:txBody>
-      </p:sp>
-      <p:sp>
-        <p:nvSpPr>
-          <p:cNvPr id="4" name="日期占位符 3"/>
+            <a:endParaRPr lang="en-US"/>
+          </a:p>
+        </p:txBody>
+      </p:sp>
+      <p:sp>
+        <p:nvSpPr>
+          <p:cNvPr id="4" name="Date Placeholder 3"/>
           <p:cNvSpPr>
             <a:spLocks noGrp="1"/>
           </p:cNvSpPr>
@@ -468,7 +756,7 @@
           <a:p>
             <a:fld id="{DEC4F04F-B178-5440-A5CE-39A350E1E3DD}" type="datetimeFigureOut">
               <a:rPr kumimoji="1" lang="zh-CN" altLang="en-US" smtClean="0"/>
-              <a:t>15/12/15</a:t>
+              <a:t>15/12/16</a:t>
             </a:fld>
             <a:endParaRPr kumimoji="1" lang="zh-CN" altLang="en-US"/>
           </a:p>
@@ -476,7 +764,7 @@
       </p:sp>
       <p:sp>
         <p:nvSpPr>
-          <p:cNvPr id="5" name="页脚占位符 4"/>
+          <p:cNvPr id="5" name="Footer Placeholder 4"/>
           <p:cNvSpPr>
             <a:spLocks noGrp="1"/>
           </p:cNvSpPr>
@@ -495,7 +783,7 @@
       </p:sp>
       <p:sp>
         <p:nvSpPr>
-          <p:cNvPr id="6" name="幻灯片编号占位符 5"/>
+          <p:cNvPr id="6" name="Slide Number Placeholder 5"/>
           <p:cNvSpPr>
             <a:spLocks noGrp="1"/>
           </p:cNvSpPr>
@@ -517,11 +805,6 @@
         </p:txBody>
       </p:sp>
     </p:spTree>
-    <p:extLst>
-      <p:ext uri="{BB962C8B-B14F-4D97-AF65-F5344CB8AC3E}">
-        <p14:creationId xmlns:p14="http://schemas.microsoft.com/office/powerpoint/2010/main" val="136540077"/>
-      </p:ext>
-    </p:extLst>
   </p:cSld>
   <p:clrMapOvr>
     <a:masterClrMapping/>
@@ -548,7 +831,7 @@
       </p:grpSpPr>
       <p:sp>
         <p:nvSpPr>
-          <p:cNvPr id="2" name="竖排标题 1"/>
+          <p:cNvPr id="2" name="Vertical Title 1"/>
           <p:cNvSpPr>
             <a:spLocks noGrp="1"/>
           </p:cNvSpPr>
@@ -558,8 +841,8 @@
         </p:nvSpPr>
         <p:spPr>
           <a:xfrm>
-            <a:off x="6629400" y="274638"/>
-            <a:ext cx="2057400" cy="5851525"/>
+            <a:off x="6629400" y="274639"/>
+            <a:ext cx="2057400" cy="4678362"/>
           </a:xfrm>
         </p:spPr>
         <p:txBody>
@@ -567,16 +850,16 @@
           <a:lstStyle/>
           <a:p>
             <a:r>
-              <a:rPr kumimoji="1" lang="zh-CN" altLang="en-US" smtClean="0"/>
+              <a:rPr lang="zh-CN" altLang="en-US" smtClean="0"/>
               <a:t>单击此处编辑母版标题样式</a:t>
             </a:r>
-            <a:endParaRPr kumimoji="1" lang="zh-CN" altLang="en-US"/>
-          </a:p>
-        </p:txBody>
-      </p:sp>
-      <p:sp>
-        <p:nvSpPr>
-          <p:cNvPr id="3" name="竖排文本占位符 2"/>
+            <a:endParaRPr lang="en-US" dirty="0"/>
+          </a:p>
+        </p:txBody>
+      </p:sp>
+      <p:sp>
+        <p:nvSpPr>
+          <p:cNvPr id="3" name="Vertical Text Placeholder 2"/>
           <p:cNvSpPr>
             <a:spLocks noGrp="1"/>
           </p:cNvSpPr>
@@ -586,8 +869,8 @@
         </p:nvSpPr>
         <p:spPr>
           <a:xfrm>
-            <a:off x="457200" y="274638"/>
-            <a:ext cx="6019800" cy="5851525"/>
+            <a:off x="457200" y="274639"/>
+            <a:ext cx="6019800" cy="4678362"/>
           </a:xfrm>
         </p:spPr>
         <p:txBody>
@@ -596,44 +879,44 @@
           <a:p>
             <a:pPr lvl="0"/>
             <a:r>
-              <a:rPr kumimoji="1" lang="zh-CN" altLang="en-US" smtClean="0"/>
+              <a:rPr lang="zh-CN" altLang="en-US" smtClean="0"/>
               <a:t>单击此处编辑母版文本样式</a:t>
             </a:r>
           </a:p>
           <a:p>
             <a:pPr lvl="1"/>
             <a:r>
-              <a:rPr kumimoji="1" lang="zh-CN" altLang="en-US" smtClean="0"/>
+              <a:rPr lang="zh-CN" altLang="en-US" smtClean="0"/>
               <a:t>二级</a:t>
             </a:r>
           </a:p>
           <a:p>
             <a:pPr lvl="2"/>
             <a:r>
-              <a:rPr kumimoji="1" lang="zh-CN" altLang="en-US" smtClean="0"/>
+              <a:rPr lang="zh-CN" altLang="en-US" smtClean="0"/>
               <a:t>三级</a:t>
             </a:r>
           </a:p>
           <a:p>
             <a:pPr lvl="3"/>
             <a:r>
-              <a:rPr kumimoji="1" lang="zh-CN" altLang="en-US" smtClean="0"/>
+              <a:rPr lang="zh-CN" altLang="en-US" smtClean="0"/>
               <a:t>四级</a:t>
             </a:r>
           </a:p>
           <a:p>
             <a:pPr lvl="4"/>
             <a:r>
-              <a:rPr kumimoji="1" lang="zh-CN" altLang="en-US" smtClean="0"/>
+              <a:rPr lang="zh-CN" altLang="en-US" smtClean="0"/>
               <a:t>五级</a:t>
             </a:r>
-            <a:endParaRPr kumimoji="1" lang="zh-CN" altLang="en-US"/>
-          </a:p>
-        </p:txBody>
-      </p:sp>
-      <p:sp>
-        <p:nvSpPr>
-          <p:cNvPr id="4" name="日期占位符 3"/>
+            <a:endParaRPr lang="en-US"/>
+          </a:p>
+        </p:txBody>
+      </p:sp>
+      <p:sp>
+        <p:nvSpPr>
+          <p:cNvPr id="4" name="Date Placeholder 3"/>
           <p:cNvSpPr>
             <a:spLocks noGrp="1"/>
           </p:cNvSpPr>
@@ -648,7 +931,7 @@
           <a:p>
             <a:fld id="{DEC4F04F-B178-5440-A5CE-39A350E1E3DD}" type="datetimeFigureOut">
               <a:rPr kumimoji="1" lang="zh-CN" altLang="en-US" smtClean="0"/>
-              <a:t>15/12/15</a:t>
+              <a:t>15/12/16</a:t>
             </a:fld>
             <a:endParaRPr kumimoji="1" lang="zh-CN" altLang="en-US"/>
           </a:p>
@@ -656,7 +939,7 @@
       </p:sp>
       <p:sp>
         <p:nvSpPr>
-          <p:cNvPr id="5" name="页脚占位符 4"/>
+          <p:cNvPr id="5" name="Footer Placeholder 4"/>
           <p:cNvSpPr>
             <a:spLocks noGrp="1"/>
           </p:cNvSpPr>
@@ -675,7 +958,7 @@
       </p:sp>
       <p:sp>
         <p:nvSpPr>
-          <p:cNvPr id="6" name="幻灯片编号占位符 5"/>
+          <p:cNvPr id="6" name="Slide Number Placeholder 5"/>
           <p:cNvSpPr>
             <a:spLocks noGrp="1"/>
           </p:cNvSpPr>
@@ -697,11 +980,6 @@
         </p:txBody>
       </p:sp>
     </p:spTree>
-    <p:extLst>
-      <p:ext uri="{BB962C8B-B14F-4D97-AF65-F5344CB8AC3E}">
-        <p14:creationId xmlns:p14="http://schemas.microsoft.com/office/powerpoint/2010/main" val="871536829"/>
-      </p:ext>
-    </p:extLst>
   </p:cSld>
   <p:clrMapOvr>
     <a:masterClrMapping/>
@@ -728,7 +1006,7 @@
       </p:grpSpPr>
       <p:sp>
         <p:nvSpPr>
-          <p:cNvPr id="2" name="标题 1"/>
+          <p:cNvPr id="2" name="Title 1"/>
           <p:cNvSpPr>
             <a:spLocks noGrp="1"/>
           </p:cNvSpPr>
@@ -742,16 +1020,16 @@
           <a:lstStyle/>
           <a:p>
             <a:r>
-              <a:rPr kumimoji="1" lang="zh-CN" altLang="en-US" smtClean="0"/>
+              <a:rPr lang="zh-CN" altLang="en-US" smtClean="0"/>
               <a:t>单击此处编辑母版标题样式</a:t>
             </a:r>
-            <a:endParaRPr kumimoji="1" lang="zh-CN" altLang="en-US"/>
-          </a:p>
-        </p:txBody>
-      </p:sp>
-      <p:sp>
-        <p:nvSpPr>
-          <p:cNvPr id="3" name="内容占位符 2"/>
+            <a:endParaRPr lang="en-US"/>
+          </a:p>
+        </p:txBody>
+      </p:sp>
+      <p:sp>
+        <p:nvSpPr>
+          <p:cNvPr id="3" name="Content Placeholder 2"/>
           <p:cNvSpPr>
             <a:spLocks noGrp="1"/>
           </p:cNvSpPr>
@@ -766,44 +1044,44 @@
           <a:p>
             <a:pPr lvl="0"/>
             <a:r>
-              <a:rPr kumimoji="1" lang="zh-CN" altLang="en-US" smtClean="0"/>
+              <a:rPr lang="zh-CN" altLang="en-US" smtClean="0"/>
               <a:t>单击此处编辑母版文本样式</a:t>
             </a:r>
           </a:p>
           <a:p>
             <a:pPr lvl="1"/>
             <a:r>
-              <a:rPr kumimoji="1" lang="zh-CN" altLang="en-US" smtClean="0"/>
+              <a:rPr lang="zh-CN" altLang="en-US" smtClean="0"/>
               <a:t>二级</a:t>
             </a:r>
           </a:p>
           <a:p>
             <a:pPr lvl="2"/>
             <a:r>
-              <a:rPr kumimoji="1" lang="zh-CN" altLang="en-US" smtClean="0"/>
+              <a:rPr lang="zh-CN" altLang="en-US" smtClean="0"/>
               <a:t>三级</a:t>
             </a:r>
           </a:p>
           <a:p>
             <a:pPr lvl="3"/>
             <a:r>
-              <a:rPr kumimoji="1" lang="zh-CN" altLang="en-US" smtClean="0"/>
+              <a:rPr lang="zh-CN" altLang="en-US" smtClean="0"/>
               <a:t>四级</a:t>
             </a:r>
           </a:p>
           <a:p>
             <a:pPr lvl="4"/>
             <a:r>
-              <a:rPr kumimoji="1" lang="zh-CN" altLang="en-US" smtClean="0"/>
+              <a:rPr lang="zh-CN" altLang="en-US" smtClean="0"/>
               <a:t>五级</a:t>
             </a:r>
-            <a:endParaRPr kumimoji="1" lang="zh-CN" altLang="en-US"/>
-          </a:p>
-        </p:txBody>
-      </p:sp>
-      <p:sp>
-        <p:nvSpPr>
-          <p:cNvPr id="4" name="日期占位符 3"/>
+            <a:endParaRPr lang="en-US" dirty="0"/>
+          </a:p>
+        </p:txBody>
+      </p:sp>
+      <p:sp>
+        <p:nvSpPr>
+          <p:cNvPr id="4" name="Date Placeholder 3"/>
           <p:cNvSpPr>
             <a:spLocks noGrp="1"/>
           </p:cNvSpPr>
@@ -818,7 +1096,7 @@
           <a:p>
             <a:fld id="{DEC4F04F-B178-5440-A5CE-39A350E1E3DD}" type="datetimeFigureOut">
               <a:rPr kumimoji="1" lang="zh-CN" altLang="en-US" smtClean="0"/>
-              <a:t>15/12/15</a:t>
+              <a:t>15/12/16</a:t>
             </a:fld>
             <a:endParaRPr kumimoji="1" lang="zh-CN" altLang="en-US"/>
           </a:p>
@@ -826,7 +1104,7 @@
       </p:sp>
       <p:sp>
         <p:nvSpPr>
-          <p:cNvPr id="5" name="页脚占位符 4"/>
+          <p:cNvPr id="5" name="Footer Placeholder 4"/>
           <p:cNvSpPr>
             <a:spLocks noGrp="1"/>
           </p:cNvSpPr>
@@ -845,7 +1123,7 @@
       </p:sp>
       <p:sp>
         <p:nvSpPr>
-          <p:cNvPr id="6" name="幻灯片编号占位符 5"/>
+          <p:cNvPr id="6" name="Slide Number Placeholder 5"/>
           <p:cNvSpPr>
             <a:spLocks noGrp="1"/>
           </p:cNvSpPr>
@@ -867,11 +1145,6 @@
         </p:txBody>
       </p:sp>
     </p:spTree>
-    <p:extLst>
-      <p:ext uri="{BB962C8B-B14F-4D97-AF65-F5344CB8AC3E}">
-        <p14:creationId xmlns:p14="http://schemas.microsoft.com/office/powerpoint/2010/main" val="388482925"/>
-      </p:ext>
-    </p:extLst>
   </p:cSld>
   <p:clrMapOvr>
     <a:masterClrMapping/>
@@ -880,7 +1153,7 @@
 </file>
 
 <file path=ppt/slideLayouts/slideLayout3.xml><?xml version="1.0" encoding="utf-8"?>
-<p:sldLayout xmlns:a="http://schemas.openxmlformats.org/drawingml/2006/main" xmlns:r="http://schemas.openxmlformats.org/officeDocument/2006/relationships" xmlns:p="http://schemas.openxmlformats.org/presentationml/2006/main" type="secHead" preserve="1">
+<p:sldLayout xmlns:a="http://schemas.openxmlformats.org/drawingml/2006/main" xmlns:r="http://schemas.openxmlformats.org/officeDocument/2006/relationships" xmlns:p="http://schemas.openxmlformats.org/presentationml/2006/main" showMasterSp="0" type="secHead" preserve="1">
   <p:cSld name="节标题">
     <p:spTree>
       <p:nvGrpSpPr>
@@ -898,39 +1171,324 @@
       </p:grpSpPr>
       <p:sp>
         <p:nvSpPr>
-          <p:cNvPr id="2" name="标题 1"/>
-          <p:cNvSpPr>
-            <a:spLocks noGrp="1"/>
-          </p:cNvSpPr>
-          <p:nvPr>
-            <p:ph type="title"/>
-          </p:nvPr>
+          <p:cNvPr id="8" name="Freeform 7"/>
+          <p:cNvSpPr/>
+          <p:nvPr/>
         </p:nvSpPr>
         <p:spPr>
           <a:xfrm>
-            <a:off x="722313" y="4406900"/>
-            <a:ext cx="7772400" cy="1362075"/>
+            <a:off x="-2380" y="-925"/>
+            <a:ext cx="9146380" cy="6858925"/>
+          </a:xfrm>
+          <a:custGeom>
+            <a:avLst/>
+            <a:gdLst>
+              <a:gd name="connsiteX0" fmla="*/ 0 w 3350419"/>
+              <a:gd name="connsiteY0" fmla="*/ 2081213 h 2083594"/>
+              <a:gd name="connsiteX1" fmla="*/ 3031331 w 3350419"/>
+              <a:gd name="connsiteY1" fmla="*/ 0 h 2083594"/>
+              <a:gd name="connsiteX2" fmla="*/ 3350419 w 3350419"/>
+              <a:gd name="connsiteY2" fmla="*/ 80963 h 2083594"/>
+              <a:gd name="connsiteX3" fmla="*/ 3350419 w 3350419"/>
+              <a:gd name="connsiteY3" fmla="*/ 2083594 h 2083594"/>
+              <a:gd name="connsiteX4" fmla="*/ 0 w 3350419"/>
+              <a:gd name="connsiteY4" fmla="*/ 2081213 h 2083594"/>
+              <a:gd name="connsiteX0" fmla="*/ 0 w 3112294"/>
+              <a:gd name="connsiteY0" fmla="*/ 2019301 h 2083594"/>
+              <a:gd name="connsiteX1" fmla="*/ 2793206 w 3112294"/>
+              <a:gd name="connsiteY1" fmla="*/ 0 h 2083594"/>
+              <a:gd name="connsiteX2" fmla="*/ 3112294 w 3112294"/>
+              <a:gd name="connsiteY2" fmla="*/ 80963 h 2083594"/>
+              <a:gd name="connsiteX3" fmla="*/ 3112294 w 3112294"/>
+              <a:gd name="connsiteY3" fmla="*/ 2083594 h 2083594"/>
+              <a:gd name="connsiteX4" fmla="*/ 0 w 3112294"/>
+              <a:gd name="connsiteY4" fmla="*/ 2019301 h 2083594"/>
+              <a:gd name="connsiteX0" fmla="*/ 0 w 3345656"/>
+              <a:gd name="connsiteY0" fmla="*/ 2097882 h 2097882"/>
+              <a:gd name="connsiteX1" fmla="*/ 3026568 w 3345656"/>
+              <a:gd name="connsiteY1" fmla="*/ 0 h 2097882"/>
+              <a:gd name="connsiteX2" fmla="*/ 3345656 w 3345656"/>
+              <a:gd name="connsiteY2" fmla="*/ 80963 h 2097882"/>
+              <a:gd name="connsiteX3" fmla="*/ 3345656 w 3345656"/>
+              <a:gd name="connsiteY3" fmla="*/ 2083594 h 2097882"/>
+              <a:gd name="connsiteX4" fmla="*/ 0 w 3345656"/>
+              <a:gd name="connsiteY4" fmla="*/ 2097882 h 2097882"/>
+              <a:gd name="connsiteX0" fmla="*/ 0 w 2800350"/>
+              <a:gd name="connsiteY0" fmla="*/ 1935957 h 2083594"/>
+              <a:gd name="connsiteX1" fmla="*/ 2481262 w 2800350"/>
+              <a:gd name="connsiteY1" fmla="*/ 0 h 2083594"/>
+              <a:gd name="connsiteX2" fmla="*/ 2800350 w 2800350"/>
+              <a:gd name="connsiteY2" fmla="*/ 80963 h 2083594"/>
+              <a:gd name="connsiteX3" fmla="*/ 2800350 w 2800350"/>
+              <a:gd name="connsiteY3" fmla="*/ 2083594 h 2083594"/>
+              <a:gd name="connsiteX4" fmla="*/ 0 w 2800350"/>
+              <a:gd name="connsiteY4" fmla="*/ 1935957 h 2083594"/>
+              <a:gd name="connsiteX0" fmla="*/ 0 w 3352800"/>
+              <a:gd name="connsiteY0" fmla="*/ 2083594 h 2083594"/>
+              <a:gd name="connsiteX1" fmla="*/ 3033712 w 3352800"/>
+              <a:gd name="connsiteY1" fmla="*/ 0 h 2083594"/>
+              <a:gd name="connsiteX2" fmla="*/ 3352800 w 3352800"/>
+              <a:gd name="connsiteY2" fmla="*/ 80963 h 2083594"/>
+              <a:gd name="connsiteX3" fmla="*/ 3352800 w 3352800"/>
+              <a:gd name="connsiteY3" fmla="*/ 2083594 h 2083594"/>
+              <a:gd name="connsiteX4" fmla="*/ 0 w 3352800"/>
+              <a:gd name="connsiteY4" fmla="*/ 2083594 h 2083594"/>
+              <a:gd name="connsiteX0" fmla="*/ 0 w 3352800"/>
+              <a:gd name="connsiteY0" fmla="*/ 2002631 h 2002631"/>
+              <a:gd name="connsiteX1" fmla="*/ 3033712 w 3352800"/>
+              <a:gd name="connsiteY1" fmla="*/ 157162 h 2002631"/>
+              <a:gd name="connsiteX2" fmla="*/ 3352800 w 3352800"/>
+              <a:gd name="connsiteY2" fmla="*/ 0 h 2002631"/>
+              <a:gd name="connsiteX3" fmla="*/ 3352800 w 3352800"/>
+              <a:gd name="connsiteY3" fmla="*/ 2002631 h 2002631"/>
+              <a:gd name="connsiteX4" fmla="*/ 0 w 3352800"/>
+              <a:gd name="connsiteY4" fmla="*/ 2002631 h 2002631"/>
+              <a:gd name="connsiteX0" fmla="*/ 0 w 3352800"/>
+              <a:gd name="connsiteY0" fmla="*/ 2002631 h 2002631"/>
+              <a:gd name="connsiteX1" fmla="*/ 2988469 w 3352800"/>
+              <a:gd name="connsiteY1" fmla="*/ 59530 h 2002631"/>
+              <a:gd name="connsiteX2" fmla="*/ 3352800 w 3352800"/>
+              <a:gd name="connsiteY2" fmla="*/ 0 h 2002631"/>
+              <a:gd name="connsiteX3" fmla="*/ 3352800 w 3352800"/>
+              <a:gd name="connsiteY3" fmla="*/ 2002631 h 2002631"/>
+              <a:gd name="connsiteX4" fmla="*/ 0 w 3352800"/>
+              <a:gd name="connsiteY4" fmla="*/ 2002631 h 2002631"/>
+              <a:gd name="connsiteX0" fmla="*/ 0 w 3352800"/>
+              <a:gd name="connsiteY0" fmla="*/ 2002631 h 2002631"/>
+              <a:gd name="connsiteX1" fmla="*/ 2833966 w 3352800"/>
+              <a:gd name="connsiteY1" fmla="*/ 425 h 2002631"/>
+              <a:gd name="connsiteX2" fmla="*/ 3352800 w 3352800"/>
+              <a:gd name="connsiteY2" fmla="*/ 0 h 2002631"/>
+              <a:gd name="connsiteX3" fmla="*/ 3352800 w 3352800"/>
+              <a:gd name="connsiteY3" fmla="*/ 2002631 h 2002631"/>
+              <a:gd name="connsiteX4" fmla="*/ 0 w 3352800"/>
+              <a:gd name="connsiteY4" fmla="*/ 2002631 h 2002631"/>
+              <a:gd name="connsiteX0" fmla="*/ 0 w 3352800"/>
+              <a:gd name="connsiteY0" fmla="*/ 2002631 h 2002631"/>
+              <a:gd name="connsiteX1" fmla="*/ 2845314 w 3352800"/>
+              <a:gd name="connsiteY1" fmla="*/ 12246 h 2002631"/>
+              <a:gd name="connsiteX2" fmla="*/ 3352800 w 3352800"/>
+              <a:gd name="connsiteY2" fmla="*/ 0 h 2002631"/>
+              <a:gd name="connsiteX3" fmla="*/ 3352800 w 3352800"/>
+              <a:gd name="connsiteY3" fmla="*/ 2002631 h 2002631"/>
+              <a:gd name="connsiteX4" fmla="*/ 0 w 3352800"/>
+              <a:gd name="connsiteY4" fmla="*/ 2002631 h 2002631"/>
+              <a:gd name="connsiteX0" fmla="*/ 0 w 3352800"/>
+              <a:gd name="connsiteY0" fmla="*/ 2002631 h 2002631"/>
+              <a:gd name="connsiteX1" fmla="*/ 2834839 w 3352800"/>
+              <a:gd name="connsiteY1" fmla="*/ 425 h 2002631"/>
+              <a:gd name="connsiteX2" fmla="*/ 3352800 w 3352800"/>
+              <a:gd name="connsiteY2" fmla="*/ 0 h 2002631"/>
+              <a:gd name="connsiteX3" fmla="*/ 3352800 w 3352800"/>
+              <a:gd name="connsiteY3" fmla="*/ 2002631 h 2002631"/>
+              <a:gd name="connsiteX4" fmla="*/ 0 w 3352800"/>
+              <a:gd name="connsiteY4" fmla="*/ 2002631 h 2002631"/>
+              <a:gd name="connsiteX0" fmla="*/ 0 w 3352800"/>
+              <a:gd name="connsiteY0" fmla="*/ 2002631 h 2002631"/>
+              <a:gd name="connsiteX1" fmla="*/ 2875865 w 3352800"/>
+              <a:gd name="connsiteY1" fmla="*/ 81782 h 2002631"/>
+              <a:gd name="connsiteX2" fmla="*/ 3352800 w 3352800"/>
+              <a:gd name="connsiteY2" fmla="*/ 0 h 2002631"/>
+              <a:gd name="connsiteX3" fmla="*/ 3352800 w 3352800"/>
+              <a:gd name="connsiteY3" fmla="*/ 2002631 h 2002631"/>
+              <a:gd name="connsiteX4" fmla="*/ 0 w 3352800"/>
+              <a:gd name="connsiteY4" fmla="*/ 2002631 h 2002631"/>
+              <a:gd name="connsiteX0" fmla="*/ 0 w 3352800"/>
+              <a:gd name="connsiteY0" fmla="*/ 2002901 h 2002901"/>
+              <a:gd name="connsiteX1" fmla="*/ 2836585 w 3352800"/>
+              <a:gd name="connsiteY1" fmla="*/ 0 h 2002901"/>
+              <a:gd name="connsiteX2" fmla="*/ 3352800 w 3352800"/>
+              <a:gd name="connsiteY2" fmla="*/ 270 h 2002901"/>
+              <a:gd name="connsiteX3" fmla="*/ 3352800 w 3352800"/>
+              <a:gd name="connsiteY3" fmla="*/ 2002901 h 2002901"/>
+              <a:gd name="connsiteX4" fmla="*/ 0 w 3352800"/>
+              <a:gd name="connsiteY4" fmla="*/ 2002901 h 2002901"/>
+            </a:gdLst>
+            <a:ahLst/>
+            <a:cxnLst>
+              <a:cxn ang="0">
+                <a:pos x="connsiteX0" y="connsiteY0"/>
+              </a:cxn>
+              <a:cxn ang="0">
+                <a:pos x="connsiteX1" y="connsiteY1"/>
+              </a:cxn>
+              <a:cxn ang="0">
+                <a:pos x="connsiteX2" y="connsiteY2"/>
+              </a:cxn>
+              <a:cxn ang="0">
+                <a:pos x="connsiteX3" y="connsiteY3"/>
+              </a:cxn>
+              <a:cxn ang="0">
+                <a:pos x="connsiteX4" y="connsiteY4"/>
+              </a:cxn>
+            </a:cxnLst>
+            <a:rect l="l" t="t" r="r" b="b"/>
+            <a:pathLst>
+              <a:path w="3352800" h="2002901">
+                <a:moveTo>
+                  <a:pt x="0" y="2002901"/>
+                </a:moveTo>
+                <a:lnTo>
+                  <a:pt x="2836585" y="0"/>
+                </a:lnTo>
+                <a:lnTo>
+                  <a:pt x="3352800" y="270"/>
+                </a:lnTo>
+                <a:lnTo>
+                  <a:pt x="3352800" y="2002901"/>
+                </a:lnTo>
+                <a:lnTo>
+                  <a:pt x="0" y="2002901"/>
+                </a:lnTo>
+                <a:close/>
+              </a:path>
+            </a:pathLst>
+          </a:custGeom>
+          <a:solidFill>
+            <a:schemeClr val="accent2"/>
+          </a:solidFill>
+          <a:ln>
+            <a:noFill/>
+          </a:ln>
+        </p:spPr>
+        <p:style>
+          <a:lnRef idx="2">
+            <a:schemeClr val="accent1">
+              <a:shade val="50000"/>
+            </a:schemeClr>
+          </a:lnRef>
+          <a:fillRef idx="1">
+            <a:schemeClr val="accent1"/>
+          </a:fillRef>
+          <a:effectRef idx="0">
+            <a:schemeClr val="accent1"/>
+          </a:effectRef>
+          <a:fontRef idx="minor">
+            <a:schemeClr val="lt1"/>
+          </a:fontRef>
+        </p:style>
+        <p:txBody>
+          <a:bodyPr rtlCol="0" anchor="ctr"/>
+          <a:lstStyle/>
+          <a:p>
+            <a:pPr algn="ctr"/>
+            <a:endParaRPr lang="en-US"/>
+          </a:p>
+        </p:txBody>
+      </p:sp>
+      <p:sp>
+        <p:nvSpPr>
+          <p:cNvPr id="7" name="Right Triangle 6"/>
+          <p:cNvSpPr/>
+          <p:nvPr/>
+        </p:nvSpPr>
+        <p:spPr>
+          <a:xfrm>
+            <a:off x="0" y="2647950"/>
+            <a:ext cx="3571875" cy="4210050"/>
+          </a:xfrm>
+          <a:prstGeom prst="rtTriangle">
+            <a:avLst/>
+          </a:prstGeom>
+          <a:solidFill>
+            <a:schemeClr val="accent3">
+              <a:alpha val="80000"/>
+            </a:schemeClr>
+          </a:solidFill>
+          <a:ln>
+            <a:noFill/>
+          </a:ln>
+        </p:spPr>
+        <p:style>
+          <a:lnRef idx="2">
+            <a:schemeClr val="accent1">
+              <a:shade val="50000"/>
+            </a:schemeClr>
+          </a:lnRef>
+          <a:fillRef idx="1">
+            <a:schemeClr val="accent1"/>
+          </a:fillRef>
+          <a:effectRef idx="0">
+            <a:schemeClr val="accent1"/>
+          </a:effectRef>
+          <a:fontRef idx="minor">
+            <a:schemeClr val="lt1"/>
+          </a:fontRef>
+        </p:style>
+        <p:txBody>
+          <a:bodyPr rtlCol="0" anchor="ctr"/>
+          <a:lstStyle/>
+          <a:p>
+            <a:pPr algn="ctr"/>
+            <a:endParaRPr lang="en-US"/>
+          </a:p>
+        </p:txBody>
+      </p:sp>
+      <p:sp>
+        <p:nvSpPr>
+          <p:cNvPr id="2" name="Title 1"/>
+          <p:cNvSpPr>
+            <a:spLocks noGrp="1"/>
+          </p:cNvSpPr>
+          <p:nvPr>
+            <p:ph type="title"/>
+          </p:nvPr>
+        </p:nvSpPr>
+        <p:spPr>
+          <a:xfrm rot="19140000">
+            <a:off x="819399" y="1726737"/>
+            <a:ext cx="5650992" cy="1207509"/>
           </a:xfrm>
         </p:spPr>
         <p:txBody>
-          <a:bodyPr anchor="t"/>
+          <a:bodyPr bIns="9144" anchor="b"/>
           <a:lstStyle>
             <a:lvl1pPr algn="l">
-              <a:defRPr sz="4000" b="1" cap="all"/>
+              <a:defRPr kumimoji="0" lang="en-US" sz="3200" b="0" i="0" u="none" strike="noStrike" kern="1200" cap="all" spc="0" normalizeH="0" baseline="0" noProof="0" dirty="0" smtClean="0">
+                <a:ln>
+                  <a:noFill/>
+                </a:ln>
+                <a:solidFill>
+                  <a:schemeClr val="tx1"/>
+                </a:solidFill>
+                <a:effectLst/>
+                <a:uLnTx/>
+                <a:uFillTx/>
+                <a:latin typeface="+mj-lt"/>
+                <a:ea typeface="+mj-ea"/>
+                <a:cs typeface="+mj-cs"/>
+              </a:defRPr>
             </a:lvl1pPr>
           </a:lstStyle>
           <a:p>
-            <a:r>
-              <a:rPr kumimoji="1" lang="zh-CN" altLang="en-US" smtClean="0"/>
+            <a:pPr marL="0" marR="0" lvl="0" indent="0" algn="l" defTabSz="914400" rtl="0" eaLnBrk="1" fontAlgn="auto" latinLnBrk="0" hangingPunct="1">
+              <a:lnSpc>
+                <a:spcPct val="100000"/>
+              </a:lnSpc>
+              <a:spcBef>
+                <a:spcPct val="0"/>
+              </a:spcBef>
+              <a:spcAft>
+                <a:spcPts val="0"/>
+              </a:spcAft>
+              <a:buClrTx/>
+              <a:buSzTx/>
+              <a:buFontTx/>
+              <a:buNone/>
+              <a:tabLst/>
+              <a:defRPr/>
+            </a:pPr>
+            <a:r>
+              <a:rPr lang="zh-CN" altLang="en-US" smtClean="0"/>
               <a:t>单击此处编辑母版标题样式</a:t>
             </a:r>
-            <a:endParaRPr kumimoji="1" lang="zh-CN" altLang="en-US"/>
-          </a:p>
-        </p:txBody>
-      </p:sp>
-      <p:sp>
-        <p:nvSpPr>
-          <p:cNvPr id="3" name="文本占位符 2"/>
+            <a:endParaRPr lang="en-US" dirty="0"/>
+          </a:p>
+        </p:txBody>
+      </p:sp>
+      <p:sp>
+        <p:nvSpPr>
+          <p:cNvPr id="3" name="Text Placeholder 2"/>
           <p:cNvSpPr>
             <a:spLocks noGrp="1"/>
           </p:cNvSpPr>
@@ -939,22 +1497,31 @@
           </p:nvPr>
         </p:nvSpPr>
         <p:spPr>
-          <a:xfrm>
-            <a:off x="722313" y="2906713"/>
-            <a:ext cx="7772400" cy="1500187"/>
+          <a:xfrm rot="19140000">
+            <a:off x="1216152" y="2468304"/>
+            <a:ext cx="6510528" cy="329184"/>
           </a:xfrm>
         </p:spPr>
         <p:txBody>
-          <a:bodyPr anchor="b"/>
+          <a:bodyPr anchor="t">
+            <a:normAutofit/>
+          </a:bodyPr>
           <a:lstStyle>
             <a:lvl1pPr marL="0" indent="0">
               <a:buNone/>
-              <a:defRPr sz="2000">
+              <a:defRPr kumimoji="0" lang="en-US" sz="1400" b="0" i="0" u="none" strike="noStrike" kern="1200" cap="all" spc="400" normalizeH="0" baseline="0" noProof="0" dirty="0" smtClean="0">
+                <a:ln>
+                  <a:noFill/>
+                </a:ln>
                 <a:solidFill>
-                  <a:schemeClr val="tx1">
-                    <a:tint val="75000"/>
-                  </a:schemeClr>
+                  <a:schemeClr val="tx1"/>
                 </a:solidFill>
+                <a:effectLst/>
+                <a:uLnTx/>
+                <a:uFillTx/>
+                <a:latin typeface="+mn-lt"/>
+                <a:ea typeface="+mj-ea"/>
+                <a:cs typeface="Tunga" pitchFamily="2"/>
               </a:defRPr>
             </a:lvl1pPr>
             <a:lvl2pPr marL="457200" indent="0">
@@ -1039,9 +1606,27 @@
             </a:lvl9pPr>
           </a:lstStyle>
           <a:p>
-            <a:pPr lvl="0"/>
-            <a:r>
-              <a:rPr kumimoji="1" lang="zh-CN" altLang="en-US" smtClean="0"/>
+            <a:pPr marL="0" marR="0" lvl="0" indent="0" algn="l" defTabSz="914400" rtl="0" eaLnBrk="1" fontAlgn="auto" latinLnBrk="0" hangingPunct="1">
+              <a:lnSpc>
+                <a:spcPct val="100000"/>
+              </a:lnSpc>
+              <a:spcBef>
+                <a:spcPts val="0"/>
+              </a:spcBef>
+              <a:spcAft>
+                <a:spcPts val="0"/>
+              </a:spcAft>
+              <a:buClr>
+                <a:schemeClr val="accent1"/>
+              </a:buClr>
+              <a:buSzPct val="100000"/>
+              <a:buFont typeface="Arial" pitchFamily="34" charset="0"/>
+              <a:buNone/>
+              <a:tabLst/>
+              <a:defRPr/>
+            </a:pPr>
+            <a:r>
+              <a:rPr lang="zh-CN" altLang="en-US" smtClean="0"/>
               <a:t>单击此处编辑母版文本样式</a:t>
             </a:r>
           </a:p>
@@ -1049,7 +1634,7 @@
       </p:sp>
       <p:sp>
         <p:nvSpPr>
-          <p:cNvPr id="4" name="日期占位符 3"/>
+          <p:cNvPr id="4" name="Date Placeholder 3"/>
           <p:cNvSpPr>
             <a:spLocks noGrp="1"/>
           </p:cNvSpPr>
@@ -1064,7 +1649,7 @@
           <a:p>
             <a:fld id="{DEC4F04F-B178-5440-A5CE-39A350E1E3DD}" type="datetimeFigureOut">
               <a:rPr kumimoji="1" lang="zh-CN" altLang="en-US" smtClean="0"/>
-              <a:t>15/12/15</a:t>
+              <a:t>15/12/16</a:t>
             </a:fld>
             <a:endParaRPr kumimoji="1" lang="zh-CN" altLang="en-US"/>
           </a:p>
@@ -1072,7 +1657,7 @@
       </p:sp>
       <p:sp>
         <p:nvSpPr>
-          <p:cNvPr id="5" name="页脚占位符 4"/>
+          <p:cNvPr id="5" name="Footer Placeholder 4"/>
           <p:cNvSpPr>
             <a:spLocks noGrp="1"/>
           </p:cNvSpPr>
@@ -1091,7 +1676,7 @@
       </p:sp>
       <p:sp>
         <p:nvSpPr>
-          <p:cNvPr id="6" name="幻灯片编号占位符 5"/>
+          <p:cNvPr id="6" name="Slide Number Placeholder 5"/>
           <p:cNvSpPr>
             <a:spLocks noGrp="1"/>
           </p:cNvSpPr>
@@ -1113,11 +1698,6 @@
         </p:txBody>
       </p:sp>
     </p:spTree>
-    <p:extLst>
-      <p:ext uri="{BB962C8B-B14F-4D97-AF65-F5344CB8AC3E}">
-        <p14:creationId xmlns:p14="http://schemas.microsoft.com/office/powerpoint/2010/main" val="1248915695"/>
-      </p:ext>
-    </p:extLst>
   </p:cSld>
   <p:clrMapOvr>
     <a:masterClrMapping/>
@@ -1144,30 +1724,7 @@
       </p:grpSpPr>
       <p:sp>
         <p:nvSpPr>
-          <p:cNvPr id="2" name="标题 1"/>
-          <p:cNvSpPr>
-            <a:spLocks noGrp="1"/>
-          </p:cNvSpPr>
-          <p:nvPr>
-            <p:ph type="title"/>
-          </p:nvPr>
-        </p:nvSpPr>
-        <p:spPr/>
-        <p:txBody>
-          <a:bodyPr/>
-          <a:lstStyle/>
-          <a:p>
-            <a:r>
-              <a:rPr kumimoji="1" lang="zh-CN" altLang="en-US" smtClean="0"/>
-              <a:t>单击此处编辑母版标题样式</a:t>
-            </a:r>
-            <a:endParaRPr kumimoji="1" lang="zh-CN" altLang="en-US"/>
-          </a:p>
-        </p:txBody>
-      </p:sp>
-      <p:sp>
-        <p:nvSpPr>
-          <p:cNvPr id="3" name="内容占位符 2"/>
+          <p:cNvPr id="3" name="Content Placeholder 2"/>
           <p:cNvSpPr>
             <a:spLocks noGrp="1"/>
           </p:cNvSpPr>
@@ -1177,8 +1734,8 @@
         </p:nvSpPr>
         <p:spPr>
           <a:xfrm>
-            <a:off x="457200" y="1600200"/>
-            <a:ext cx="4038600" cy="4525963"/>
+            <a:off x="822960" y="1097280"/>
+            <a:ext cx="3200400" cy="3712464"/>
           </a:xfrm>
         </p:spPr>
         <p:txBody>
@@ -1215,44 +1772,44 @@
           <a:p>
             <a:pPr lvl="0"/>
             <a:r>
-              <a:rPr kumimoji="1" lang="zh-CN" altLang="en-US" smtClean="0"/>
+              <a:rPr lang="zh-CN" altLang="en-US" smtClean="0"/>
               <a:t>单击此处编辑母版文本样式</a:t>
             </a:r>
           </a:p>
           <a:p>
             <a:pPr lvl="1"/>
             <a:r>
-              <a:rPr kumimoji="1" lang="zh-CN" altLang="en-US" smtClean="0"/>
+              <a:rPr lang="zh-CN" altLang="en-US" smtClean="0"/>
               <a:t>二级</a:t>
             </a:r>
           </a:p>
           <a:p>
             <a:pPr lvl="2"/>
             <a:r>
-              <a:rPr kumimoji="1" lang="zh-CN" altLang="en-US" smtClean="0"/>
+              <a:rPr lang="zh-CN" altLang="en-US" smtClean="0"/>
               <a:t>三级</a:t>
             </a:r>
           </a:p>
           <a:p>
             <a:pPr lvl="3"/>
             <a:r>
-              <a:rPr kumimoji="1" lang="zh-CN" altLang="en-US" smtClean="0"/>
+              <a:rPr lang="zh-CN" altLang="en-US" smtClean="0"/>
               <a:t>四级</a:t>
             </a:r>
           </a:p>
           <a:p>
             <a:pPr lvl="4"/>
             <a:r>
-              <a:rPr kumimoji="1" lang="zh-CN" altLang="en-US" smtClean="0"/>
+              <a:rPr lang="zh-CN" altLang="en-US" smtClean="0"/>
               <a:t>五级</a:t>
             </a:r>
-            <a:endParaRPr kumimoji="1" lang="zh-CN" altLang="en-US"/>
-          </a:p>
-        </p:txBody>
-      </p:sp>
-      <p:sp>
-        <p:nvSpPr>
-          <p:cNvPr id="4" name="内容占位符 3"/>
+            <a:endParaRPr lang="en-US" dirty="0"/>
+          </a:p>
+        </p:txBody>
+      </p:sp>
+      <p:sp>
+        <p:nvSpPr>
+          <p:cNvPr id="4" name="Content Placeholder 3"/>
           <p:cNvSpPr>
             <a:spLocks noGrp="1"/>
           </p:cNvSpPr>
@@ -1262,8 +1819,8 @@
         </p:nvSpPr>
         <p:spPr>
           <a:xfrm>
-            <a:off x="4648200" y="1600200"/>
-            <a:ext cx="4038600" cy="4525963"/>
+            <a:off x="4700016" y="1097280"/>
+            <a:ext cx="3200400" cy="3712464"/>
           </a:xfrm>
         </p:spPr>
         <p:txBody>
@@ -1300,44 +1857,44 @@
           <a:p>
             <a:pPr lvl="0"/>
             <a:r>
-              <a:rPr kumimoji="1" lang="zh-CN" altLang="en-US" smtClean="0"/>
+              <a:rPr lang="zh-CN" altLang="en-US" smtClean="0"/>
               <a:t>单击此处编辑母版文本样式</a:t>
             </a:r>
           </a:p>
           <a:p>
             <a:pPr lvl="1"/>
             <a:r>
-              <a:rPr kumimoji="1" lang="zh-CN" altLang="en-US" smtClean="0"/>
+              <a:rPr lang="zh-CN" altLang="en-US" smtClean="0"/>
               <a:t>二级</a:t>
             </a:r>
           </a:p>
           <a:p>
             <a:pPr lvl="2"/>
             <a:r>
-              <a:rPr kumimoji="1" lang="zh-CN" altLang="en-US" smtClean="0"/>
+              <a:rPr lang="zh-CN" altLang="en-US" smtClean="0"/>
               <a:t>三级</a:t>
             </a:r>
           </a:p>
           <a:p>
             <a:pPr lvl="3"/>
             <a:r>
-              <a:rPr kumimoji="1" lang="zh-CN" altLang="en-US" smtClean="0"/>
+              <a:rPr lang="zh-CN" altLang="en-US" smtClean="0"/>
               <a:t>四级</a:t>
             </a:r>
           </a:p>
           <a:p>
             <a:pPr lvl="4"/>
             <a:r>
-              <a:rPr kumimoji="1" lang="zh-CN" altLang="en-US" smtClean="0"/>
+              <a:rPr lang="zh-CN" altLang="en-US" smtClean="0"/>
               <a:t>五级</a:t>
             </a:r>
-            <a:endParaRPr kumimoji="1" lang="zh-CN" altLang="en-US"/>
-          </a:p>
-        </p:txBody>
-      </p:sp>
-      <p:sp>
-        <p:nvSpPr>
-          <p:cNvPr id="5" name="日期占位符 4"/>
+            <a:endParaRPr lang="en-US" dirty="0"/>
+          </a:p>
+        </p:txBody>
+      </p:sp>
+      <p:sp>
+        <p:nvSpPr>
+          <p:cNvPr id="5" name="Date Placeholder 4"/>
           <p:cNvSpPr>
             <a:spLocks noGrp="1"/>
           </p:cNvSpPr>
@@ -1352,7 +1909,7 @@
           <a:p>
             <a:fld id="{DEC4F04F-B178-5440-A5CE-39A350E1E3DD}" type="datetimeFigureOut">
               <a:rPr kumimoji="1" lang="zh-CN" altLang="en-US" smtClean="0"/>
-              <a:t>15/12/15</a:t>
+              <a:t>15/12/16</a:t>
             </a:fld>
             <a:endParaRPr kumimoji="1" lang="zh-CN" altLang="en-US"/>
           </a:p>
@@ -1360,7 +1917,7 @@
       </p:sp>
       <p:sp>
         <p:nvSpPr>
-          <p:cNvPr id="6" name="页脚占位符 5"/>
+          <p:cNvPr id="6" name="Footer Placeholder 5"/>
           <p:cNvSpPr>
             <a:spLocks noGrp="1"/>
           </p:cNvSpPr>
@@ -1379,7 +1936,7 @@
       </p:sp>
       <p:sp>
         <p:nvSpPr>
-          <p:cNvPr id="7" name="幻灯片编号占位符 6"/>
+          <p:cNvPr id="7" name="Slide Number Placeholder 6"/>
           <p:cNvSpPr>
             <a:spLocks noGrp="1"/>
           </p:cNvSpPr>
@@ -1400,12 +1957,30 @@
           </a:p>
         </p:txBody>
       </p:sp>
+      <p:sp>
+        <p:nvSpPr>
+          <p:cNvPr id="8" name="Title 7"/>
+          <p:cNvSpPr>
+            <a:spLocks noGrp="1"/>
+          </p:cNvSpPr>
+          <p:nvPr>
+            <p:ph type="title"/>
+          </p:nvPr>
+        </p:nvSpPr>
+        <p:spPr/>
+        <p:txBody>
+          <a:bodyPr/>
+          <a:lstStyle/>
+          <a:p>
+            <a:r>
+              <a:rPr lang="zh-CN" altLang="en-US" smtClean="0"/>
+              <a:t>单击此处编辑母版标题样式</a:t>
+            </a:r>
+            <a:endParaRPr lang="en-US"/>
+          </a:p>
+        </p:txBody>
+      </p:sp>
     </p:spTree>
-    <p:extLst>
-      <p:ext uri="{BB962C8B-B14F-4D97-AF65-F5344CB8AC3E}">
-        <p14:creationId xmlns:p14="http://schemas.microsoft.com/office/powerpoint/2010/main" val="1231138150"/>
-      </p:ext>
-    </p:extLst>
   </p:cSld>
   <p:clrMapOvr>
     <a:masterClrMapping/>
@@ -1432,7 +2007,7 @@
       </p:grpSpPr>
       <p:sp>
         <p:nvSpPr>
-          <p:cNvPr id="2" name="标题 1"/>
+          <p:cNvPr id="2" name="Title 1"/>
           <p:cNvSpPr>
             <a:spLocks noGrp="1"/>
           </p:cNvSpPr>
@@ -1450,16 +2025,16 @@
           </a:lstStyle>
           <a:p>
             <a:r>
-              <a:rPr kumimoji="1" lang="zh-CN" altLang="en-US" smtClean="0"/>
+              <a:rPr lang="zh-CN" altLang="en-US" smtClean="0"/>
               <a:t>单击此处编辑母版标题样式</a:t>
             </a:r>
-            <a:endParaRPr kumimoji="1" lang="zh-CN" altLang="en-US"/>
-          </a:p>
-        </p:txBody>
-      </p:sp>
-      <p:sp>
-        <p:nvSpPr>
-          <p:cNvPr id="3" name="文本占位符 2"/>
+            <a:endParaRPr lang="en-US"/>
+          </a:p>
+        </p:txBody>
+      </p:sp>
+      <p:sp>
+        <p:nvSpPr>
+          <p:cNvPr id="3" name="Text Placeholder 2"/>
           <p:cNvSpPr>
             <a:spLocks noGrp="1"/>
           </p:cNvSpPr>
@@ -1469,16 +2044,25 @@
         </p:nvSpPr>
         <p:spPr>
           <a:xfrm>
-            <a:off x="457200" y="1535113"/>
-            <a:ext cx="4040188" cy="639762"/>
+            <a:off x="822960" y="1097280"/>
+            <a:ext cx="3200400" cy="548640"/>
           </a:xfrm>
         </p:spPr>
         <p:txBody>
-          <a:bodyPr anchor="b"/>
+          <a:bodyPr anchor="b">
+            <a:normAutofit/>
+          </a:bodyPr>
           <a:lstStyle>
             <a:lvl1pPr marL="0" indent="0">
               <a:buNone/>
-              <a:defRPr sz="2400" b="1"/>
+              <a:defRPr lang="en-US" sz="1400" b="0" kern="1200" cap="all" spc="400" baseline="0" dirty="0" smtClean="0">
+                <a:solidFill>
+                  <a:schemeClr val="tx1"/>
+                </a:solidFill>
+                <a:latin typeface="+mn-lt"/>
+                <a:ea typeface="+mj-ea"/>
+                <a:cs typeface="Tunga" pitchFamily="2"/>
+              </a:defRPr>
             </a:lvl1pPr>
             <a:lvl2pPr marL="457200" indent="0">
               <a:buNone/>
@@ -1514,9 +2098,24 @@
             </a:lvl9pPr>
           </a:lstStyle>
           <a:p>
-            <a:pPr lvl="0"/>
-            <a:r>
-              <a:rPr kumimoji="1" lang="zh-CN" altLang="en-US" smtClean="0"/>
+            <a:pPr marL="0" lvl="0" indent="0" algn="l" defTabSz="914400" rtl="0" eaLnBrk="1" latinLnBrk="0" hangingPunct="1">
+              <a:lnSpc>
+                <a:spcPct val="100000"/>
+              </a:lnSpc>
+              <a:spcBef>
+                <a:spcPts val="0"/>
+              </a:spcBef>
+              <a:spcAft>
+                <a:spcPts val="0"/>
+              </a:spcAft>
+              <a:buClr>
+                <a:schemeClr val="accent1"/>
+              </a:buClr>
+              <a:buFont typeface="Arial" pitchFamily="34" charset="0"/>
+              <a:buNone/>
+            </a:pPr>
+            <a:r>
+              <a:rPr lang="zh-CN" altLang="en-US" smtClean="0"/>
               <a:t>单击此处编辑母版文本样式</a:t>
             </a:r>
           </a:p>
@@ -1524,7 +2123,7 @@
       </p:sp>
       <p:sp>
         <p:nvSpPr>
-          <p:cNvPr id="4" name="内容占位符 3"/>
+          <p:cNvPr id="4" name="Content Placeholder 3"/>
           <p:cNvSpPr>
             <a:spLocks noGrp="1"/>
           </p:cNvSpPr>
@@ -1534,8 +2133,8 @@
         </p:nvSpPr>
         <p:spPr>
           <a:xfrm>
-            <a:off x="457200" y="2174875"/>
-            <a:ext cx="4040188" cy="3951288"/>
+            <a:off x="819150" y="1701848"/>
+            <a:ext cx="3200400" cy="3108960"/>
           </a:xfrm>
         </p:spPr>
         <p:txBody>
@@ -1572,44 +2171,44 @@
           <a:p>
             <a:pPr lvl="0"/>
             <a:r>
-              <a:rPr kumimoji="1" lang="zh-CN" altLang="en-US" smtClean="0"/>
+              <a:rPr lang="zh-CN" altLang="en-US" smtClean="0"/>
               <a:t>单击此处编辑母版文本样式</a:t>
             </a:r>
           </a:p>
           <a:p>
             <a:pPr lvl="1"/>
             <a:r>
-              <a:rPr kumimoji="1" lang="zh-CN" altLang="en-US" smtClean="0"/>
+              <a:rPr lang="zh-CN" altLang="en-US" smtClean="0"/>
               <a:t>二级</a:t>
             </a:r>
           </a:p>
           <a:p>
             <a:pPr lvl="2"/>
             <a:r>
-              <a:rPr kumimoji="1" lang="zh-CN" altLang="en-US" smtClean="0"/>
+              <a:rPr lang="zh-CN" altLang="en-US" smtClean="0"/>
               <a:t>三级</a:t>
             </a:r>
           </a:p>
           <a:p>
             <a:pPr lvl="3"/>
             <a:r>
-              <a:rPr kumimoji="1" lang="zh-CN" altLang="en-US" smtClean="0"/>
+              <a:rPr lang="zh-CN" altLang="en-US" smtClean="0"/>
               <a:t>四级</a:t>
             </a:r>
           </a:p>
           <a:p>
             <a:pPr lvl="4"/>
             <a:r>
-              <a:rPr kumimoji="1" lang="zh-CN" altLang="en-US" smtClean="0"/>
+              <a:rPr lang="zh-CN" altLang="en-US" smtClean="0"/>
               <a:t>五级</a:t>
             </a:r>
-            <a:endParaRPr kumimoji="1" lang="zh-CN" altLang="en-US"/>
-          </a:p>
-        </p:txBody>
-      </p:sp>
-      <p:sp>
-        <p:nvSpPr>
-          <p:cNvPr id="5" name="文本占位符 4"/>
+            <a:endParaRPr lang="en-US" dirty="0"/>
+          </a:p>
+        </p:txBody>
+      </p:sp>
+      <p:sp>
+        <p:nvSpPr>
+          <p:cNvPr id="5" name="Text Placeholder 4"/>
           <p:cNvSpPr>
             <a:spLocks noGrp="1"/>
           </p:cNvSpPr>
@@ -1619,16 +2218,25 @@
         </p:nvSpPr>
         <p:spPr>
           <a:xfrm>
-            <a:off x="4645025" y="1535113"/>
-            <a:ext cx="4041775" cy="639762"/>
+            <a:off x="4700016" y="1097280"/>
+            <a:ext cx="3200400" cy="548640"/>
           </a:xfrm>
         </p:spPr>
         <p:txBody>
-          <a:bodyPr anchor="b"/>
+          <a:bodyPr anchor="b">
+            <a:normAutofit/>
+          </a:bodyPr>
           <a:lstStyle>
             <a:lvl1pPr marL="0" indent="0">
               <a:buNone/>
-              <a:defRPr sz="2400" b="1"/>
+              <a:defRPr lang="en-US" sz="1400" b="0" kern="1200" cap="all" spc="400" baseline="0" dirty="0" smtClean="0">
+                <a:solidFill>
+                  <a:schemeClr val="tx1"/>
+                </a:solidFill>
+                <a:latin typeface="+mn-lt"/>
+                <a:ea typeface="+mj-ea"/>
+                <a:cs typeface="Tunga" pitchFamily="2"/>
+              </a:defRPr>
             </a:lvl1pPr>
             <a:lvl2pPr marL="457200" indent="0">
               <a:buNone/>
@@ -1664,9 +2272,24 @@
             </a:lvl9pPr>
           </a:lstStyle>
           <a:p>
-            <a:pPr lvl="0"/>
-            <a:r>
-              <a:rPr kumimoji="1" lang="zh-CN" altLang="en-US" smtClean="0"/>
+            <a:pPr marL="0" lvl="0" indent="0" algn="l" defTabSz="914400" rtl="0" eaLnBrk="1" latinLnBrk="0" hangingPunct="1">
+              <a:lnSpc>
+                <a:spcPct val="100000"/>
+              </a:lnSpc>
+              <a:spcBef>
+                <a:spcPts val="0"/>
+              </a:spcBef>
+              <a:spcAft>
+                <a:spcPts val="0"/>
+              </a:spcAft>
+              <a:buClr>
+                <a:schemeClr val="accent1"/>
+              </a:buClr>
+              <a:buFont typeface="Arial" pitchFamily="34" charset="0"/>
+              <a:buNone/>
+            </a:pPr>
+            <a:r>
+              <a:rPr lang="zh-CN" altLang="en-US" smtClean="0"/>
               <a:t>单击此处编辑母版文本样式</a:t>
             </a:r>
           </a:p>
@@ -1674,7 +2297,7 @@
       </p:sp>
       <p:sp>
         <p:nvSpPr>
-          <p:cNvPr id="6" name="内容占位符 5"/>
+          <p:cNvPr id="6" name="Content Placeholder 5"/>
           <p:cNvSpPr>
             <a:spLocks noGrp="1"/>
           </p:cNvSpPr>
@@ -1684,8 +2307,8 @@
         </p:nvSpPr>
         <p:spPr>
           <a:xfrm>
-            <a:off x="4645025" y="2174875"/>
-            <a:ext cx="4041775" cy="3951288"/>
+            <a:off x="4700016" y="1701848"/>
+            <a:ext cx="3200400" cy="3108960"/>
           </a:xfrm>
         </p:spPr>
         <p:txBody>
@@ -1722,44 +2345,44 @@
           <a:p>
             <a:pPr lvl="0"/>
             <a:r>
-              <a:rPr kumimoji="1" lang="zh-CN" altLang="en-US" smtClean="0"/>
+              <a:rPr lang="zh-CN" altLang="en-US" smtClean="0"/>
               <a:t>单击此处编辑母版文本样式</a:t>
             </a:r>
           </a:p>
           <a:p>
             <a:pPr lvl="1"/>
             <a:r>
-              <a:rPr kumimoji="1" lang="zh-CN" altLang="en-US" smtClean="0"/>
+              <a:rPr lang="zh-CN" altLang="en-US" smtClean="0"/>
               <a:t>二级</a:t>
             </a:r>
           </a:p>
           <a:p>
             <a:pPr lvl="2"/>
             <a:r>
-              <a:rPr kumimoji="1" lang="zh-CN" altLang="en-US" smtClean="0"/>
+              <a:rPr lang="zh-CN" altLang="en-US" smtClean="0"/>
               <a:t>三级</a:t>
             </a:r>
           </a:p>
           <a:p>
             <a:pPr lvl="3"/>
             <a:r>
-              <a:rPr kumimoji="1" lang="zh-CN" altLang="en-US" smtClean="0"/>
+              <a:rPr lang="zh-CN" altLang="en-US" smtClean="0"/>
               <a:t>四级</a:t>
             </a:r>
           </a:p>
           <a:p>
             <a:pPr lvl="4"/>
             <a:r>
-              <a:rPr kumimoji="1" lang="zh-CN" altLang="en-US" smtClean="0"/>
+              <a:rPr lang="zh-CN" altLang="en-US" smtClean="0"/>
               <a:t>五级</a:t>
             </a:r>
-            <a:endParaRPr kumimoji="1" lang="zh-CN" altLang="en-US"/>
-          </a:p>
-        </p:txBody>
-      </p:sp>
-      <p:sp>
-        <p:nvSpPr>
-          <p:cNvPr id="7" name="日期占位符 6"/>
+            <a:endParaRPr lang="en-US" dirty="0"/>
+          </a:p>
+        </p:txBody>
+      </p:sp>
+      <p:sp>
+        <p:nvSpPr>
+          <p:cNvPr id="7" name="Date Placeholder 6"/>
           <p:cNvSpPr>
             <a:spLocks noGrp="1"/>
           </p:cNvSpPr>
@@ -1774,7 +2397,7 @@
           <a:p>
             <a:fld id="{DEC4F04F-B178-5440-A5CE-39A350E1E3DD}" type="datetimeFigureOut">
               <a:rPr kumimoji="1" lang="zh-CN" altLang="en-US" smtClean="0"/>
-              <a:t>15/12/15</a:t>
+              <a:t>15/12/16</a:t>
             </a:fld>
             <a:endParaRPr kumimoji="1" lang="zh-CN" altLang="en-US"/>
           </a:p>
@@ -1782,7 +2405,7 @@
       </p:sp>
       <p:sp>
         <p:nvSpPr>
-          <p:cNvPr id="8" name="页脚占位符 7"/>
+          <p:cNvPr id="8" name="Footer Placeholder 7"/>
           <p:cNvSpPr>
             <a:spLocks noGrp="1"/>
           </p:cNvSpPr>
@@ -1801,7 +2424,7 @@
       </p:sp>
       <p:sp>
         <p:nvSpPr>
-          <p:cNvPr id="9" name="幻灯片编号占位符 8"/>
+          <p:cNvPr id="9" name="Slide Number Placeholder 8"/>
           <p:cNvSpPr>
             <a:spLocks noGrp="1"/>
           </p:cNvSpPr>
@@ -1823,11 +2446,6 @@
         </p:txBody>
       </p:sp>
     </p:spTree>
-    <p:extLst>
-      <p:ext uri="{BB962C8B-B14F-4D97-AF65-F5344CB8AC3E}">
-        <p14:creationId xmlns:p14="http://schemas.microsoft.com/office/powerpoint/2010/main" val="2136003970"/>
-      </p:ext>
-    </p:extLst>
   </p:cSld>
   <p:clrMapOvr>
     <a:masterClrMapping/>
@@ -1854,7 +2472,7 @@
       </p:grpSpPr>
       <p:sp>
         <p:nvSpPr>
-          <p:cNvPr id="2" name="标题 1"/>
+          <p:cNvPr id="2" name="Title 1"/>
           <p:cNvSpPr>
             <a:spLocks noGrp="1"/>
           </p:cNvSpPr>
@@ -1868,16 +2486,16 @@
           <a:lstStyle/>
           <a:p>
             <a:r>
-              <a:rPr kumimoji="1" lang="zh-CN" altLang="en-US" smtClean="0"/>
+              <a:rPr lang="zh-CN" altLang="en-US" smtClean="0"/>
               <a:t>单击此处编辑母版标题样式</a:t>
             </a:r>
-            <a:endParaRPr kumimoji="1" lang="zh-CN" altLang="en-US"/>
-          </a:p>
-        </p:txBody>
-      </p:sp>
-      <p:sp>
-        <p:nvSpPr>
-          <p:cNvPr id="3" name="日期占位符 2"/>
+            <a:endParaRPr lang="en-US"/>
+          </a:p>
+        </p:txBody>
+      </p:sp>
+      <p:sp>
+        <p:nvSpPr>
+          <p:cNvPr id="3" name="Date Placeholder 2"/>
           <p:cNvSpPr>
             <a:spLocks noGrp="1"/>
           </p:cNvSpPr>
@@ -1892,7 +2510,7 @@
           <a:p>
             <a:fld id="{DEC4F04F-B178-5440-A5CE-39A350E1E3DD}" type="datetimeFigureOut">
               <a:rPr kumimoji="1" lang="zh-CN" altLang="en-US" smtClean="0"/>
-              <a:t>15/12/15</a:t>
+              <a:t>15/12/16</a:t>
             </a:fld>
             <a:endParaRPr kumimoji="1" lang="zh-CN" altLang="en-US"/>
           </a:p>
@@ -1900,7 +2518,7 @@
       </p:sp>
       <p:sp>
         <p:nvSpPr>
-          <p:cNvPr id="4" name="页脚占位符 3"/>
+          <p:cNvPr id="4" name="Footer Placeholder 3"/>
           <p:cNvSpPr>
             <a:spLocks noGrp="1"/>
           </p:cNvSpPr>
@@ -1919,7 +2537,7 @@
       </p:sp>
       <p:sp>
         <p:nvSpPr>
-          <p:cNvPr id="5" name="幻灯片编号占位符 4"/>
+          <p:cNvPr id="5" name="Slide Number Placeholder 4"/>
           <p:cNvSpPr>
             <a:spLocks noGrp="1"/>
           </p:cNvSpPr>
@@ -1941,11 +2559,6 @@
         </p:txBody>
       </p:sp>
     </p:spTree>
-    <p:extLst>
-      <p:ext uri="{BB962C8B-B14F-4D97-AF65-F5344CB8AC3E}">
-        <p14:creationId xmlns:p14="http://schemas.microsoft.com/office/powerpoint/2010/main" val="1153377728"/>
-      </p:ext>
-    </p:extLst>
   </p:cSld>
   <p:clrMapOvr>
     <a:masterClrMapping/>
@@ -1972,7 +2585,7 @@
       </p:grpSpPr>
       <p:sp>
         <p:nvSpPr>
-          <p:cNvPr id="2" name="日期占位符 1"/>
+          <p:cNvPr id="2" name="Date Placeholder 1"/>
           <p:cNvSpPr>
             <a:spLocks noGrp="1"/>
           </p:cNvSpPr>
@@ -1987,7 +2600,7 @@
           <a:p>
             <a:fld id="{DEC4F04F-B178-5440-A5CE-39A350E1E3DD}" type="datetimeFigureOut">
               <a:rPr kumimoji="1" lang="zh-CN" altLang="en-US" smtClean="0"/>
-              <a:t>15/12/15</a:t>
+              <a:t>15/12/16</a:t>
             </a:fld>
             <a:endParaRPr kumimoji="1" lang="zh-CN" altLang="en-US"/>
           </a:p>
@@ -1995,7 +2608,7 @@
       </p:sp>
       <p:sp>
         <p:nvSpPr>
-          <p:cNvPr id="3" name="页脚占位符 2"/>
+          <p:cNvPr id="3" name="Footer Placeholder 2"/>
           <p:cNvSpPr>
             <a:spLocks noGrp="1"/>
           </p:cNvSpPr>
@@ -2014,7 +2627,7 @@
       </p:sp>
       <p:sp>
         <p:nvSpPr>
-          <p:cNvPr id="4" name="幻灯片编号占位符 3"/>
+          <p:cNvPr id="4" name="Slide Number Placeholder 3"/>
           <p:cNvSpPr>
             <a:spLocks noGrp="1"/>
           </p:cNvSpPr>
@@ -2036,11 +2649,6 @@
         </p:txBody>
       </p:sp>
     </p:spTree>
-    <p:extLst>
-      <p:ext uri="{BB962C8B-B14F-4D97-AF65-F5344CB8AC3E}">
-        <p14:creationId xmlns:p14="http://schemas.microsoft.com/office/powerpoint/2010/main" val="2574622774"/>
-      </p:ext>
-    </p:extLst>
   </p:cSld>
   <p:clrMapOvr>
     <a:masterClrMapping/>
@@ -2049,7 +2657,7 @@
 </file>
 
 <file path=ppt/slideLayouts/slideLayout8.xml><?xml version="1.0" encoding="utf-8"?>
-<p:sldLayout xmlns:a="http://schemas.openxmlformats.org/drawingml/2006/main" xmlns:r="http://schemas.openxmlformats.org/officeDocument/2006/relationships" xmlns:p="http://schemas.openxmlformats.org/presentationml/2006/main" type="objTx" preserve="1">
+<p:sldLayout xmlns:a="http://schemas.openxmlformats.org/drawingml/2006/main" xmlns:r="http://schemas.openxmlformats.org/officeDocument/2006/relationships" xmlns:p="http://schemas.openxmlformats.org/presentationml/2006/main" showMasterSp="0" type="objTx" preserve="1">
   <p:cSld name="内容与标题">
     <p:spTree>
       <p:nvGrpSpPr>
@@ -2067,39 +2675,170 @@
       </p:grpSpPr>
       <p:sp>
         <p:nvSpPr>
-          <p:cNvPr id="2" name="标题 1"/>
-          <p:cNvSpPr>
-            <a:spLocks noGrp="1"/>
-          </p:cNvSpPr>
-          <p:nvPr>
-            <p:ph type="title"/>
-          </p:nvPr>
+          <p:cNvPr id="17" name="Right Triangle 16"/>
+          <p:cNvSpPr/>
+          <p:nvPr/>
         </p:nvSpPr>
         <p:spPr>
           <a:xfrm>
-            <a:off x="457200" y="273050"/>
-            <a:ext cx="3008313" cy="1162050"/>
+            <a:off x="0" y="2647950"/>
+            <a:ext cx="3571875" cy="4210050"/>
+          </a:xfrm>
+          <a:prstGeom prst="rtTriangle">
+            <a:avLst/>
+          </a:prstGeom>
+          <a:solidFill>
+            <a:schemeClr val="accent2"/>
+          </a:solidFill>
+          <a:ln>
+            <a:noFill/>
+          </a:ln>
+        </p:spPr>
+        <p:style>
+          <a:lnRef idx="2">
+            <a:schemeClr val="accent1">
+              <a:shade val="50000"/>
+            </a:schemeClr>
+          </a:lnRef>
+          <a:fillRef idx="1">
+            <a:schemeClr val="accent1"/>
+          </a:fillRef>
+          <a:effectRef idx="0">
+            <a:schemeClr val="accent1"/>
+          </a:effectRef>
+          <a:fontRef idx="minor">
+            <a:schemeClr val="lt1"/>
+          </a:fontRef>
+        </p:style>
+        <p:txBody>
+          <a:bodyPr rtlCol="0" anchor="ctr"/>
+          <a:lstStyle/>
+          <a:p>
+            <a:pPr algn="ctr"/>
+            <a:endParaRPr lang="en-US"/>
+          </a:p>
+        </p:txBody>
+      </p:sp>
+      <p:sp>
+        <p:nvSpPr>
+          <p:cNvPr id="18" name="Right Triangle 17"/>
+          <p:cNvSpPr/>
+          <p:nvPr/>
+        </p:nvSpPr>
+        <p:spPr>
+          <a:xfrm rot="5400000">
+            <a:off x="433389" y="-433387"/>
+            <a:ext cx="6858000" cy="7724778"/>
+          </a:xfrm>
+          <a:prstGeom prst="rtTriangle">
+            <a:avLst/>
+          </a:prstGeom>
+          <a:solidFill>
+            <a:schemeClr val="accent3">
+              <a:alpha val="80000"/>
+            </a:schemeClr>
+          </a:solidFill>
+          <a:ln>
+            <a:noFill/>
+          </a:ln>
+        </p:spPr>
+        <p:style>
+          <a:lnRef idx="2">
+            <a:schemeClr val="accent1">
+              <a:shade val="50000"/>
+            </a:schemeClr>
+          </a:lnRef>
+          <a:fillRef idx="1">
+            <a:schemeClr val="accent1"/>
+          </a:fillRef>
+          <a:effectRef idx="0">
+            <a:schemeClr val="accent1"/>
+          </a:effectRef>
+          <a:fontRef idx="minor">
+            <a:schemeClr val="lt1"/>
+          </a:fontRef>
+        </p:style>
+        <p:txBody>
+          <a:bodyPr rtlCol="0" anchor="ctr"/>
+          <a:lstStyle/>
+          <a:p>
+            <a:pPr marL="0" algn="ctr" defTabSz="914400" rtl="0" eaLnBrk="1" latinLnBrk="0" hangingPunct="1"/>
+            <a:endParaRPr lang="en-US" sz="1800" kern="1200">
+              <a:solidFill>
+                <a:schemeClr val="lt1"/>
+              </a:solidFill>
+              <a:latin typeface="+mn-lt"/>
+              <a:ea typeface="+mn-ea"/>
+              <a:cs typeface="+mn-cs"/>
+            </a:endParaRPr>
+          </a:p>
+        </p:txBody>
+      </p:sp>
+      <p:sp>
+        <p:nvSpPr>
+          <p:cNvPr id="2" name="Title 1"/>
+          <p:cNvSpPr>
+            <a:spLocks noGrp="1"/>
+          </p:cNvSpPr>
+          <p:nvPr>
+            <p:ph type="title"/>
+          </p:nvPr>
+        </p:nvSpPr>
+        <p:spPr>
+          <a:xfrm rot="19140000">
+            <a:off x="784930" y="1576103"/>
+            <a:ext cx="5212080" cy="1089427"/>
           </a:xfrm>
         </p:spPr>
         <p:txBody>
-          <a:bodyPr anchor="b"/>
+          <a:bodyPr bIns="0" anchor="b"/>
           <a:lstStyle>
             <a:lvl1pPr algn="l">
-              <a:defRPr sz="2000" b="1"/>
+              <a:defRPr kumimoji="0" lang="en-US" sz="2800" b="0" i="0" u="none" strike="noStrike" kern="1200" cap="all" spc="0" normalizeH="0" baseline="0" noProof="0" dirty="0" smtClean="0">
+                <a:ln>
+                  <a:noFill/>
+                </a:ln>
+                <a:solidFill>
+                  <a:srgbClr val="FFFFFF"/>
+                </a:solidFill>
+                <a:effectLst/>
+                <a:uLnTx/>
+                <a:uFillTx/>
+                <a:latin typeface="+mj-lt"/>
+                <a:ea typeface="+mj-ea"/>
+                <a:cs typeface="+mj-cs"/>
+              </a:defRPr>
             </a:lvl1pPr>
           </a:lstStyle>
           <a:p>
-            <a:r>
-              <a:rPr kumimoji="1" lang="zh-CN" altLang="en-US" smtClean="0"/>
+            <a:pPr marL="0" marR="0" lvl="0" indent="0" algn="l" defTabSz="914400" rtl="0" eaLnBrk="1" fontAlgn="auto" latinLnBrk="0" hangingPunct="1">
+              <a:lnSpc>
+                <a:spcPct val="100000"/>
+              </a:lnSpc>
+              <a:spcBef>
+                <a:spcPct val="0"/>
+              </a:spcBef>
+              <a:spcAft>
+                <a:spcPts val="0"/>
+              </a:spcAft>
+              <a:buClrTx/>
+              <a:buSzTx/>
+              <a:buFontTx/>
+              <a:buNone/>
+              <a:tabLst/>
+              <a:defRPr/>
+            </a:pPr>
+            <a:r>
+              <a:rPr lang="zh-CN" altLang="en-US" smtClean="0"/>
               <a:t>单击此处编辑母版标题样式</a:t>
             </a:r>
-            <a:endParaRPr kumimoji="1" lang="zh-CN" altLang="en-US"/>
-          </a:p>
-        </p:txBody>
-      </p:sp>
-      <p:sp>
-        <p:nvSpPr>
-          <p:cNvPr id="3" name="内容占位符 2"/>
+            <a:endParaRPr lang="en-US" dirty="0"/>
+          </a:p>
+        </p:txBody>
+      </p:sp>
+      <p:sp>
+        <p:nvSpPr>
+          <p:cNvPr id="3" name="Content Placeholder 2"/>
           <p:cNvSpPr>
             <a:spLocks noGrp="1"/>
           </p:cNvSpPr>
@@ -2109,8 +2848,8 @@
         </p:nvSpPr>
         <p:spPr>
           <a:xfrm>
-            <a:off x="3575050" y="273050"/>
-            <a:ext cx="5111750" cy="5853113"/>
+            <a:off x="4749552" y="2618912"/>
+            <a:ext cx="3807779" cy="3324687"/>
           </a:xfrm>
         </p:spPr>
         <p:txBody>
@@ -2147,44 +2886,44 @@
           <a:p>
             <a:pPr lvl="0"/>
             <a:r>
-              <a:rPr kumimoji="1" lang="zh-CN" altLang="en-US" smtClean="0"/>
+              <a:rPr lang="zh-CN" altLang="en-US" smtClean="0"/>
               <a:t>单击此处编辑母版文本样式</a:t>
             </a:r>
           </a:p>
           <a:p>
             <a:pPr lvl="1"/>
             <a:r>
-              <a:rPr kumimoji="1" lang="zh-CN" altLang="en-US" smtClean="0"/>
+              <a:rPr lang="zh-CN" altLang="en-US" smtClean="0"/>
               <a:t>二级</a:t>
             </a:r>
           </a:p>
           <a:p>
             <a:pPr lvl="2"/>
             <a:r>
-              <a:rPr kumimoji="1" lang="zh-CN" altLang="en-US" smtClean="0"/>
+              <a:rPr lang="zh-CN" altLang="en-US" smtClean="0"/>
               <a:t>三级</a:t>
             </a:r>
           </a:p>
           <a:p>
             <a:pPr lvl="3"/>
             <a:r>
-              <a:rPr kumimoji="1" lang="zh-CN" altLang="en-US" smtClean="0"/>
+              <a:rPr lang="zh-CN" altLang="en-US" smtClean="0"/>
               <a:t>四级</a:t>
             </a:r>
           </a:p>
           <a:p>
             <a:pPr lvl="4"/>
             <a:r>
-              <a:rPr kumimoji="1" lang="zh-CN" altLang="en-US" smtClean="0"/>
+              <a:rPr lang="zh-CN" altLang="en-US" smtClean="0"/>
               <a:t>五级</a:t>
             </a:r>
-            <a:endParaRPr kumimoji="1" lang="zh-CN" altLang="en-US"/>
-          </a:p>
-        </p:txBody>
-      </p:sp>
-      <p:sp>
-        <p:nvSpPr>
-          <p:cNvPr id="4" name="文本占位符 3"/>
+            <a:endParaRPr lang="en-US" dirty="0"/>
+          </a:p>
+        </p:txBody>
+      </p:sp>
+      <p:sp>
+        <p:nvSpPr>
+          <p:cNvPr id="4" name="Text Placeholder 3"/>
           <p:cNvSpPr>
             <a:spLocks noGrp="1"/>
           </p:cNvSpPr>
@@ -2193,17 +2932,26 @@
           </p:nvPr>
         </p:nvSpPr>
         <p:spPr>
-          <a:xfrm>
-            <a:off x="457200" y="1435100"/>
-            <a:ext cx="3008313" cy="4691063"/>
+          <a:xfrm rot="19140000">
+            <a:off x="1297954" y="2253385"/>
+            <a:ext cx="5794760" cy="623314"/>
           </a:xfrm>
         </p:spPr>
         <p:txBody>
-          <a:bodyPr/>
+          <a:bodyPr>
+            <a:normAutofit/>
+          </a:bodyPr>
           <a:lstStyle>
             <a:lvl1pPr marL="0" indent="0">
               <a:buNone/>
-              <a:defRPr sz="1400"/>
+              <a:defRPr lang="en-US" sz="1400" b="1" kern="1200" dirty="0" smtClean="0">
+                <a:solidFill>
+                  <a:srgbClr val="FFFFFF"/>
+                </a:solidFill>
+                <a:latin typeface="+mn-lt"/>
+                <a:ea typeface="+mn-ea"/>
+                <a:cs typeface="+mn-cs"/>
+              </a:defRPr>
             </a:lvl1pPr>
             <a:lvl2pPr marL="457200" indent="0">
               <a:buNone/>
@@ -2239,9 +2987,27 @@
             </a:lvl9pPr>
           </a:lstStyle>
           <a:p>
-            <a:pPr lvl="0"/>
-            <a:r>
-              <a:rPr kumimoji="1" lang="zh-CN" altLang="en-US" smtClean="0"/>
+            <a:pPr marL="0" marR="0" lvl="0" indent="0" algn="l" defTabSz="914400" rtl="0" eaLnBrk="1" fontAlgn="auto" latinLnBrk="0" hangingPunct="1">
+              <a:lnSpc>
+                <a:spcPct val="100000"/>
+              </a:lnSpc>
+              <a:spcBef>
+                <a:spcPts val="300"/>
+              </a:spcBef>
+              <a:spcAft>
+                <a:spcPts val="0"/>
+              </a:spcAft>
+              <a:buClr>
+                <a:schemeClr val="accent1"/>
+              </a:buClr>
+              <a:buSzPct val="100000"/>
+              <a:buFont typeface="Arial" pitchFamily="34" charset="0"/>
+              <a:buNone/>
+              <a:tabLst/>
+              <a:defRPr/>
+            </a:pPr>
+            <a:r>
+              <a:rPr lang="zh-CN" altLang="en-US" smtClean="0"/>
               <a:t>单击此处编辑母版文本样式</a:t>
             </a:r>
           </a:p>
@@ -2249,7 +3015,7 @@
       </p:sp>
       <p:sp>
         <p:nvSpPr>
-          <p:cNvPr id="5" name="日期占位符 4"/>
+          <p:cNvPr id="5" name="Date Placeholder 4"/>
           <p:cNvSpPr>
             <a:spLocks noGrp="1"/>
           </p:cNvSpPr>
@@ -2264,7 +3030,7 @@
           <a:p>
             <a:fld id="{DEC4F04F-B178-5440-A5CE-39A350E1E3DD}" type="datetimeFigureOut">
               <a:rPr kumimoji="1" lang="zh-CN" altLang="en-US" smtClean="0"/>
-              <a:t>15/12/15</a:t>
+              <a:t>15/12/16</a:t>
             </a:fld>
             <a:endParaRPr kumimoji="1" lang="zh-CN" altLang="en-US"/>
           </a:p>
@@ -2272,7 +3038,7 @@
       </p:sp>
       <p:sp>
         <p:nvSpPr>
-          <p:cNvPr id="6" name="页脚占位符 5"/>
+          <p:cNvPr id="6" name="Footer Placeholder 5"/>
           <p:cNvSpPr>
             <a:spLocks noGrp="1"/>
           </p:cNvSpPr>
@@ -2283,7 +3049,15 @@
         <p:spPr/>
         <p:txBody>
           <a:bodyPr/>
-          <a:lstStyle/>
+          <a:lstStyle>
+            <a:lvl1pPr>
+              <a:defRPr>
+                <a:solidFill>
+                  <a:schemeClr val="tx2"/>
+                </a:solidFill>
+              </a:defRPr>
+            </a:lvl1pPr>
+          </a:lstStyle>
           <a:p>
             <a:endParaRPr kumimoji="1" lang="zh-CN" altLang="en-US"/>
           </a:p>
@@ -2291,7 +3065,7 @@
       </p:sp>
       <p:sp>
         <p:nvSpPr>
-          <p:cNvPr id="7" name="幻灯片编号占位符 6"/>
+          <p:cNvPr id="7" name="Slide Number Placeholder 6"/>
           <p:cNvSpPr>
             <a:spLocks noGrp="1"/>
           </p:cNvSpPr>
@@ -2299,10 +3073,24 @@
             <p:ph type="sldNum" sz="quarter" idx="12"/>
           </p:nvPr>
         </p:nvSpPr>
-        <p:spPr/>
+        <p:spPr>
+          <a:ln>
+            <a:solidFill>
+              <a:schemeClr val="tx2"/>
+            </a:solidFill>
+          </a:ln>
+        </p:spPr>
         <p:txBody>
           <a:bodyPr/>
-          <a:lstStyle/>
+          <a:lstStyle>
+            <a:lvl1pPr>
+              <a:defRPr>
+                <a:solidFill>
+                  <a:schemeClr val="tx2"/>
+                </a:solidFill>
+              </a:defRPr>
+            </a:lvl1pPr>
+          </a:lstStyle>
           <a:p>
             <a:fld id="{1B01A4D7-7334-6A4E-8C07-7D25B44F6D51}" type="slidenum">
               <a:rPr kumimoji="1" lang="zh-CN" altLang="en-US" smtClean="0"/>
@@ -2313,11 +3101,6 @@
         </p:txBody>
       </p:sp>
     </p:spTree>
-    <p:extLst>
-      <p:ext uri="{BB962C8B-B14F-4D97-AF65-F5344CB8AC3E}">
-        <p14:creationId xmlns:p14="http://schemas.microsoft.com/office/powerpoint/2010/main" val="2920531360"/>
-      </p:ext>
-    </p:extLst>
   </p:cSld>
   <p:clrMapOvr>
     <a:masterClrMapping/>
@@ -2326,7 +3109,7 @@
 </file>
 
 <file path=ppt/slideLayouts/slideLayout9.xml><?xml version="1.0" encoding="utf-8"?>
-<p:sldLayout xmlns:a="http://schemas.openxmlformats.org/drawingml/2006/main" xmlns:r="http://schemas.openxmlformats.org/officeDocument/2006/relationships" xmlns:p="http://schemas.openxmlformats.org/presentationml/2006/main" type="picTx" preserve="1">
+<p:sldLayout xmlns:a="http://schemas.openxmlformats.org/drawingml/2006/main" xmlns:r="http://schemas.openxmlformats.org/officeDocument/2006/relationships" xmlns:p="http://schemas.openxmlformats.org/presentationml/2006/main" showMasterSp="0" type="picTx" preserve="1">
   <p:cSld name="图片与标题">
     <p:spTree>
       <p:nvGrpSpPr>
@@ -2344,50 +3127,370 @@
       </p:grpSpPr>
       <p:sp>
         <p:nvSpPr>
-          <p:cNvPr id="2" name="标题 1"/>
-          <p:cNvSpPr>
-            <a:spLocks noGrp="1"/>
-          </p:cNvSpPr>
-          <p:nvPr>
-            <p:ph type="title"/>
+          <p:cNvPr id="11" name="Picture Placeholder 10"/>
+          <p:cNvSpPr>
+            <a:spLocks noGrp="1"/>
+          </p:cNvSpPr>
+          <p:nvPr>
+            <p:ph type="pic" sz="quarter" idx="14"/>
           </p:nvPr>
         </p:nvSpPr>
         <p:spPr>
           <a:xfrm>
-            <a:off x="1792288" y="4800600"/>
-            <a:ext cx="5486400" cy="566738"/>
+            <a:off x="2028825" y="0"/>
+            <a:ext cx="7115175" cy="6858000"/>
+          </a:xfrm>
+          <a:custGeom>
+            <a:avLst/>
+            <a:gdLst>
+              <a:gd name="connsiteX0" fmla="*/ 0 w 7104888"/>
+              <a:gd name="connsiteY0" fmla="*/ 0 h 6858000"/>
+              <a:gd name="connsiteX1" fmla="*/ 7104888 w 7104888"/>
+              <a:gd name="connsiteY1" fmla="*/ 0 h 6858000"/>
+              <a:gd name="connsiteX2" fmla="*/ 7104888 w 7104888"/>
+              <a:gd name="connsiteY2" fmla="*/ 6858000 h 6858000"/>
+              <a:gd name="connsiteX3" fmla="*/ 0 w 7104888"/>
+              <a:gd name="connsiteY3" fmla="*/ 6858000 h 6858000"/>
+              <a:gd name="connsiteX4" fmla="*/ 0 w 7104888"/>
+              <a:gd name="connsiteY4" fmla="*/ 0 h 6858000"/>
+              <a:gd name="connsiteX0" fmla="*/ 0 w 7104888"/>
+              <a:gd name="connsiteY0" fmla="*/ 0 h 6858000"/>
+              <a:gd name="connsiteX1" fmla="*/ 5695188 w 7104888"/>
+              <a:gd name="connsiteY1" fmla="*/ 0 h 6858000"/>
+              <a:gd name="connsiteX2" fmla="*/ 7104888 w 7104888"/>
+              <a:gd name="connsiteY2" fmla="*/ 0 h 6858000"/>
+              <a:gd name="connsiteX3" fmla="*/ 7104888 w 7104888"/>
+              <a:gd name="connsiteY3" fmla="*/ 6858000 h 6858000"/>
+              <a:gd name="connsiteX4" fmla="*/ 0 w 7104888"/>
+              <a:gd name="connsiteY4" fmla="*/ 6858000 h 6858000"/>
+              <a:gd name="connsiteX5" fmla="*/ 0 w 7104888"/>
+              <a:gd name="connsiteY5" fmla="*/ 0 h 6858000"/>
+              <a:gd name="connsiteX0" fmla="*/ 10287 w 7115175"/>
+              <a:gd name="connsiteY0" fmla="*/ 0 h 6858000"/>
+              <a:gd name="connsiteX1" fmla="*/ 5705475 w 7115175"/>
+              <a:gd name="connsiteY1" fmla="*/ 0 h 6858000"/>
+              <a:gd name="connsiteX2" fmla="*/ 7115175 w 7115175"/>
+              <a:gd name="connsiteY2" fmla="*/ 0 h 6858000"/>
+              <a:gd name="connsiteX3" fmla="*/ 7115175 w 7115175"/>
+              <a:gd name="connsiteY3" fmla="*/ 6858000 h 6858000"/>
+              <a:gd name="connsiteX4" fmla="*/ 10287 w 7115175"/>
+              <a:gd name="connsiteY4" fmla="*/ 6858000 h 6858000"/>
+              <a:gd name="connsiteX5" fmla="*/ 0 w 7115175"/>
+              <a:gd name="connsiteY5" fmla="*/ 5048250 h 6858000"/>
+              <a:gd name="connsiteX6" fmla="*/ 10287 w 7115175"/>
+              <a:gd name="connsiteY6" fmla="*/ 0 h 6858000"/>
+              <a:gd name="connsiteX0" fmla="*/ 10287 w 7115175"/>
+              <a:gd name="connsiteY0" fmla="*/ 0 h 6858000"/>
+              <a:gd name="connsiteX1" fmla="*/ 5705475 w 7115175"/>
+              <a:gd name="connsiteY1" fmla="*/ 0 h 6858000"/>
+              <a:gd name="connsiteX2" fmla="*/ 7115175 w 7115175"/>
+              <a:gd name="connsiteY2" fmla="*/ 0 h 6858000"/>
+              <a:gd name="connsiteX3" fmla="*/ 7115175 w 7115175"/>
+              <a:gd name="connsiteY3" fmla="*/ 6858000 h 6858000"/>
+              <a:gd name="connsiteX4" fmla="*/ 1533526 w 7115175"/>
+              <a:gd name="connsiteY4" fmla="*/ 6848475 h 6858000"/>
+              <a:gd name="connsiteX5" fmla="*/ 10287 w 7115175"/>
+              <a:gd name="connsiteY5" fmla="*/ 6858000 h 6858000"/>
+              <a:gd name="connsiteX6" fmla="*/ 0 w 7115175"/>
+              <a:gd name="connsiteY6" fmla="*/ 5048250 h 6858000"/>
+              <a:gd name="connsiteX7" fmla="*/ 10287 w 7115175"/>
+              <a:gd name="connsiteY7" fmla="*/ 0 h 6858000"/>
+              <a:gd name="connsiteX0" fmla="*/ 10287 w 7115175"/>
+              <a:gd name="connsiteY0" fmla="*/ 0 h 6858000"/>
+              <a:gd name="connsiteX1" fmla="*/ 5705475 w 7115175"/>
+              <a:gd name="connsiteY1" fmla="*/ 0 h 6858000"/>
+              <a:gd name="connsiteX2" fmla="*/ 7115175 w 7115175"/>
+              <a:gd name="connsiteY2" fmla="*/ 0 h 6858000"/>
+              <a:gd name="connsiteX3" fmla="*/ 7115175 w 7115175"/>
+              <a:gd name="connsiteY3" fmla="*/ 6858000 h 6858000"/>
+              <a:gd name="connsiteX4" fmla="*/ 1533526 w 7115175"/>
+              <a:gd name="connsiteY4" fmla="*/ 6848475 h 6858000"/>
+              <a:gd name="connsiteX5" fmla="*/ 0 w 7115175"/>
+              <a:gd name="connsiteY5" fmla="*/ 5048250 h 6858000"/>
+              <a:gd name="connsiteX6" fmla="*/ 10287 w 7115175"/>
+              <a:gd name="connsiteY6" fmla="*/ 0 h 6858000"/>
+              <a:gd name="connsiteX0" fmla="*/ 0 w 7115175"/>
+              <a:gd name="connsiteY0" fmla="*/ 5048250 h 6858000"/>
+              <a:gd name="connsiteX1" fmla="*/ 5705475 w 7115175"/>
+              <a:gd name="connsiteY1" fmla="*/ 0 h 6858000"/>
+              <a:gd name="connsiteX2" fmla="*/ 7115175 w 7115175"/>
+              <a:gd name="connsiteY2" fmla="*/ 0 h 6858000"/>
+              <a:gd name="connsiteX3" fmla="*/ 7115175 w 7115175"/>
+              <a:gd name="connsiteY3" fmla="*/ 6858000 h 6858000"/>
+              <a:gd name="connsiteX4" fmla="*/ 1533526 w 7115175"/>
+              <a:gd name="connsiteY4" fmla="*/ 6848475 h 6858000"/>
+              <a:gd name="connsiteX5" fmla="*/ 0 w 7115175"/>
+              <a:gd name="connsiteY5" fmla="*/ 5048250 h 6858000"/>
+            </a:gdLst>
+            <a:ahLst/>
+            <a:cxnLst>
+              <a:cxn ang="0">
+                <a:pos x="connsiteX0" y="connsiteY0"/>
+              </a:cxn>
+              <a:cxn ang="0">
+                <a:pos x="connsiteX1" y="connsiteY1"/>
+              </a:cxn>
+              <a:cxn ang="0">
+                <a:pos x="connsiteX2" y="connsiteY2"/>
+              </a:cxn>
+              <a:cxn ang="0">
+                <a:pos x="connsiteX3" y="connsiteY3"/>
+              </a:cxn>
+              <a:cxn ang="0">
+                <a:pos x="connsiteX4" y="connsiteY4"/>
+              </a:cxn>
+              <a:cxn ang="0">
+                <a:pos x="connsiteX5" y="connsiteY5"/>
+              </a:cxn>
+            </a:cxnLst>
+            <a:rect l="l" t="t" r="r" b="b"/>
+            <a:pathLst>
+              <a:path w="7115175" h="6858000">
+                <a:moveTo>
+                  <a:pt x="0" y="5048250"/>
+                </a:moveTo>
+                <a:lnTo>
+                  <a:pt x="5705475" y="0"/>
+                </a:lnTo>
+                <a:lnTo>
+                  <a:pt x="7115175" y="0"/>
+                </a:lnTo>
+                <a:lnTo>
+                  <a:pt x="7115175" y="6858000"/>
+                </a:lnTo>
+                <a:lnTo>
+                  <a:pt x="1533526" y="6848475"/>
+                </a:lnTo>
+                <a:lnTo>
+                  <a:pt x="0" y="5048250"/>
+                </a:lnTo>
+                <a:close/>
+              </a:path>
+            </a:pathLst>
+          </a:custGeom>
+          <a:solidFill>
+            <a:schemeClr val="accent3">
+              <a:alpha val="80000"/>
+            </a:schemeClr>
+          </a:solidFill>
+        </p:spPr>
+        <p:txBody>
+          <a:bodyPr rIns="182880" anchor="ctr"/>
+          <a:lstStyle>
+            <a:lvl1pPr algn="r">
+              <a:defRPr/>
+            </a:lvl1pPr>
+          </a:lstStyle>
+          <a:p>
+            <a:r>
+              <a:rPr lang="zh-CN" altLang="en-US" smtClean="0"/>
+              <a:t>将图片拖动到占位符，或单击添加图标</a:t>
+            </a:r>
+            <a:endParaRPr lang="en-US" dirty="0"/>
+          </a:p>
+        </p:txBody>
+      </p:sp>
+      <p:sp>
+        <p:nvSpPr>
+          <p:cNvPr id="9" name="Right Triangle 8"/>
+          <p:cNvSpPr/>
+          <p:nvPr/>
+        </p:nvSpPr>
+        <p:spPr>
+          <a:xfrm>
+            <a:off x="0" y="2647950"/>
+            <a:ext cx="3571875" cy="4210050"/>
+          </a:xfrm>
+          <a:prstGeom prst="rtTriangle">
+            <a:avLst/>
+          </a:prstGeom>
+          <a:solidFill>
+            <a:schemeClr val="accent2"/>
+          </a:solidFill>
+          <a:ln>
+            <a:noFill/>
+          </a:ln>
+        </p:spPr>
+        <p:style>
+          <a:lnRef idx="2">
+            <a:schemeClr val="accent1">
+              <a:shade val="50000"/>
+            </a:schemeClr>
+          </a:lnRef>
+          <a:fillRef idx="1">
+            <a:schemeClr val="accent1"/>
+          </a:fillRef>
+          <a:effectRef idx="0">
+            <a:schemeClr val="accent1"/>
+          </a:effectRef>
+          <a:fontRef idx="minor">
+            <a:schemeClr val="lt1"/>
+          </a:fontRef>
+        </p:style>
+        <p:txBody>
+          <a:bodyPr rtlCol="0" anchor="ctr"/>
+          <a:lstStyle/>
+          <a:p>
+            <a:pPr algn="ctr"/>
+            <a:endParaRPr lang="en-US"/>
+          </a:p>
+        </p:txBody>
+      </p:sp>
+      <p:sp>
+        <p:nvSpPr>
+          <p:cNvPr id="10" name="Freeform 9"/>
+          <p:cNvSpPr/>
+          <p:nvPr/>
+        </p:nvSpPr>
+        <p:spPr>
+          <a:xfrm>
+            <a:off x="0" y="5048250"/>
+            <a:ext cx="3571875" cy="1809750"/>
+          </a:xfrm>
+          <a:custGeom>
+            <a:avLst/>
+            <a:gdLst>
+              <a:gd name="connsiteX0" fmla="*/ 0 w 3571875"/>
+              <a:gd name="connsiteY0" fmla="*/ 4210050 h 4210050"/>
+              <a:gd name="connsiteX1" fmla="*/ 0 w 3571875"/>
+              <a:gd name="connsiteY1" fmla="*/ 0 h 4210050"/>
+              <a:gd name="connsiteX2" fmla="*/ 3571875 w 3571875"/>
+              <a:gd name="connsiteY2" fmla="*/ 4210050 h 4210050"/>
+              <a:gd name="connsiteX3" fmla="*/ 0 w 3571875"/>
+              <a:gd name="connsiteY3" fmla="*/ 4210050 h 4210050"/>
+              <a:gd name="connsiteX0" fmla="*/ 0 w 3571875"/>
+              <a:gd name="connsiteY0" fmla="*/ 1809750 h 1809750"/>
+              <a:gd name="connsiteX1" fmla="*/ 1895475 w 3571875"/>
+              <a:gd name="connsiteY1" fmla="*/ 0 h 1809750"/>
+              <a:gd name="connsiteX2" fmla="*/ 3571875 w 3571875"/>
+              <a:gd name="connsiteY2" fmla="*/ 1809750 h 1809750"/>
+              <a:gd name="connsiteX3" fmla="*/ 0 w 3571875"/>
+              <a:gd name="connsiteY3" fmla="*/ 1809750 h 1809750"/>
+              <a:gd name="connsiteX0" fmla="*/ 0 w 3571875"/>
+              <a:gd name="connsiteY0" fmla="*/ 1809750 h 1809750"/>
+              <a:gd name="connsiteX1" fmla="*/ 2038350 w 3571875"/>
+              <a:gd name="connsiteY1" fmla="*/ 0 h 1809750"/>
+              <a:gd name="connsiteX2" fmla="*/ 3571875 w 3571875"/>
+              <a:gd name="connsiteY2" fmla="*/ 1809750 h 1809750"/>
+              <a:gd name="connsiteX3" fmla="*/ 0 w 3571875"/>
+              <a:gd name="connsiteY3" fmla="*/ 1809750 h 1809750"/>
+            </a:gdLst>
+            <a:ahLst/>
+            <a:cxnLst>
+              <a:cxn ang="0">
+                <a:pos x="connsiteX0" y="connsiteY0"/>
+              </a:cxn>
+              <a:cxn ang="0">
+                <a:pos x="connsiteX1" y="connsiteY1"/>
+              </a:cxn>
+              <a:cxn ang="0">
+                <a:pos x="connsiteX2" y="connsiteY2"/>
+              </a:cxn>
+              <a:cxn ang="0">
+                <a:pos x="connsiteX3" y="connsiteY3"/>
+              </a:cxn>
+            </a:cxnLst>
+            <a:rect l="l" t="t" r="r" b="b"/>
+            <a:pathLst>
+              <a:path w="3571875" h="1809750">
+                <a:moveTo>
+                  <a:pt x="0" y="1809750"/>
+                </a:moveTo>
+                <a:lnTo>
+                  <a:pt x="2038350" y="0"/>
+                </a:lnTo>
+                <a:lnTo>
+                  <a:pt x="3571875" y="1809750"/>
+                </a:lnTo>
+                <a:lnTo>
+                  <a:pt x="0" y="1809750"/>
+                </a:lnTo>
+                <a:close/>
+              </a:path>
+            </a:pathLst>
+          </a:custGeom>
+          <a:solidFill>
+            <a:schemeClr val="accent3">
+              <a:alpha val="80000"/>
+            </a:schemeClr>
+          </a:solidFill>
+          <a:ln>
+            <a:noFill/>
+          </a:ln>
+        </p:spPr>
+        <p:style>
+          <a:lnRef idx="2">
+            <a:schemeClr val="accent1">
+              <a:shade val="50000"/>
+            </a:schemeClr>
+          </a:lnRef>
+          <a:fillRef idx="1">
+            <a:schemeClr val="accent1"/>
+          </a:fillRef>
+          <a:effectRef idx="0">
+            <a:schemeClr val="accent1"/>
+          </a:effectRef>
+          <a:fontRef idx="minor">
+            <a:schemeClr val="lt1"/>
+          </a:fontRef>
+        </p:style>
+        <p:txBody>
+          <a:bodyPr rtlCol="0" anchor="ctr"/>
+          <a:lstStyle/>
+          <a:p>
+            <a:pPr algn="ctr"/>
+            <a:endParaRPr lang="en-US"/>
+          </a:p>
+        </p:txBody>
+      </p:sp>
+      <p:sp>
+        <p:nvSpPr>
+          <p:cNvPr id="2" name="Title 1"/>
+          <p:cNvSpPr>
+            <a:spLocks noGrp="1"/>
+          </p:cNvSpPr>
+          <p:nvPr>
+            <p:ph type="title"/>
+          </p:nvPr>
+        </p:nvSpPr>
+        <p:spPr>
+          <a:xfrm rot="19140000">
+            <a:off x="671197" y="1717501"/>
+            <a:ext cx="5486400" cy="867444"/>
           </a:xfrm>
         </p:spPr>
         <p:txBody>
           <a:bodyPr anchor="b"/>
           <a:lstStyle>
             <a:lvl1pPr algn="l">
-              <a:defRPr sz="2000" b="1"/>
+              <a:defRPr sz="2800" b="0">
+                <a:latin typeface="+mj-lt"/>
+              </a:defRPr>
             </a:lvl1pPr>
           </a:lstStyle>
           <a:p>
             <a:r>
-              <a:rPr kumimoji="1" lang="zh-CN" altLang="en-US" smtClean="0"/>
+              <a:rPr lang="zh-CN" altLang="en-US" smtClean="0"/>
               <a:t>单击此处编辑母版标题样式</a:t>
             </a:r>
-            <a:endParaRPr kumimoji="1" lang="zh-CN" altLang="en-US"/>
-          </a:p>
-        </p:txBody>
-      </p:sp>
-      <p:sp>
-        <p:nvSpPr>
-          <p:cNvPr id="3" name="图片占位符 2"/>
-          <p:cNvSpPr>
-            <a:spLocks noGrp="1"/>
-          </p:cNvSpPr>
-          <p:nvPr>
-            <p:ph type="pic" idx="1"/>
+            <a:endParaRPr lang="en-US" dirty="0"/>
+          </a:p>
+        </p:txBody>
+      </p:sp>
+      <p:sp>
+        <p:nvSpPr>
+          <p:cNvPr id="4" name="Text Placeholder 3"/>
+          <p:cNvSpPr>
+            <a:spLocks noGrp="1"/>
+          </p:cNvSpPr>
+          <p:nvPr>
+            <p:ph type="body" sz="half" idx="2"/>
           </p:nvPr>
         </p:nvSpPr>
         <p:spPr>
-          <a:xfrm>
-            <a:off x="1792288" y="612775"/>
-            <a:ext cx="5486400" cy="4114800"/>
+          <a:xfrm rot="19140000">
+            <a:off x="1143479" y="2180529"/>
+            <a:ext cx="6096545" cy="740664"/>
           </a:xfrm>
         </p:spPr>
         <p:txBody>
@@ -2395,68 +3498,11 @@
           <a:lstStyle>
             <a:lvl1pPr marL="0" indent="0">
               <a:buNone/>
-              <a:defRPr sz="3200"/>
-            </a:lvl1pPr>
-            <a:lvl2pPr marL="457200" indent="0">
-              <a:buNone/>
-              <a:defRPr sz="2800"/>
-            </a:lvl2pPr>
-            <a:lvl3pPr marL="914400" indent="0">
-              <a:buNone/>
-              <a:defRPr sz="2400"/>
-            </a:lvl3pPr>
-            <a:lvl4pPr marL="1371600" indent="0">
-              <a:buNone/>
-              <a:defRPr sz="2000"/>
-            </a:lvl4pPr>
-            <a:lvl5pPr marL="1828800" indent="0">
-              <a:buNone/>
-              <a:defRPr sz="2000"/>
-            </a:lvl5pPr>
-            <a:lvl6pPr marL="2286000" indent="0">
-              <a:buNone/>
-              <a:defRPr sz="2000"/>
-            </a:lvl6pPr>
-            <a:lvl7pPr marL="2743200" indent="0">
-              <a:buNone/>
-              <a:defRPr sz="2000"/>
-            </a:lvl7pPr>
-            <a:lvl8pPr marL="3200400" indent="0">
-              <a:buNone/>
-              <a:defRPr sz="2000"/>
-            </a:lvl8pPr>
-            <a:lvl9pPr marL="3657600" indent="0">
-              <a:buNone/>
-              <a:defRPr sz="2000"/>
-            </a:lvl9pPr>
-          </a:lstStyle>
-          <a:p>
-            <a:endParaRPr kumimoji="1" lang="zh-CN" altLang="en-US"/>
-          </a:p>
-        </p:txBody>
-      </p:sp>
-      <p:sp>
-        <p:nvSpPr>
-          <p:cNvPr id="4" name="文本占位符 3"/>
-          <p:cNvSpPr>
-            <a:spLocks noGrp="1"/>
-          </p:cNvSpPr>
-          <p:nvPr>
-            <p:ph type="body" sz="half" idx="2"/>
-          </p:nvPr>
-        </p:nvSpPr>
-        <p:spPr>
-          <a:xfrm>
-            <a:off x="1792288" y="5367338"/>
-            <a:ext cx="5486400" cy="804862"/>
-          </a:xfrm>
-        </p:spPr>
-        <p:txBody>
-          <a:bodyPr/>
-          <a:lstStyle>
-            <a:lvl1pPr marL="0" indent="0">
-              <a:buNone/>
-              <a:defRPr sz="1400"/>
+              <a:defRPr sz="1400">
+                <a:solidFill>
+                  <a:schemeClr val="tx2"/>
+                </a:solidFill>
+              </a:defRPr>
             </a:lvl1pPr>
             <a:lvl2pPr marL="457200" indent="0">
               <a:buNone/>
@@ -2494,7 +3540,7 @@
           <a:p>
             <a:pPr lvl="0"/>
             <a:r>
-              <a:rPr kumimoji="1" lang="zh-CN" altLang="en-US" smtClean="0"/>
+              <a:rPr lang="zh-CN" altLang="en-US" smtClean="0"/>
               <a:t>单击此处编辑母版文本样式</a:t>
             </a:r>
           </a:p>
@@ -2502,7 +3548,7 @@
       </p:sp>
       <p:sp>
         <p:nvSpPr>
-          <p:cNvPr id="5" name="日期占位符 4"/>
+          <p:cNvPr id="5" name="Date Placeholder 4"/>
           <p:cNvSpPr>
             <a:spLocks noGrp="1"/>
           </p:cNvSpPr>
@@ -2517,7 +3563,7 @@
           <a:p>
             <a:fld id="{DEC4F04F-B178-5440-A5CE-39A350E1E3DD}" type="datetimeFigureOut">
               <a:rPr kumimoji="1" lang="zh-CN" altLang="en-US" smtClean="0"/>
-              <a:t>15/12/15</a:t>
+              <a:t>15/12/16</a:t>
             </a:fld>
             <a:endParaRPr kumimoji="1" lang="zh-CN" altLang="en-US"/>
           </a:p>
@@ -2525,7 +3571,7 @@
       </p:sp>
       <p:sp>
         <p:nvSpPr>
-          <p:cNvPr id="6" name="页脚占位符 5"/>
+          <p:cNvPr id="6" name="Footer Placeholder 5"/>
           <p:cNvSpPr>
             <a:spLocks noGrp="1"/>
           </p:cNvSpPr>
@@ -2544,7 +3590,7 @@
       </p:sp>
       <p:sp>
         <p:nvSpPr>
-          <p:cNvPr id="7" name="幻灯片编号占位符 6"/>
+          <p:cNvPr id="7" name="Slide Number Placeholder 6"/>
           <p:cNvSpPr>
             <a:spLocks noGrp="1"/>
           </p:cNvSpPr>
@@ -2566,11 +3612,6 @@
         </p:txBody>
       </p:sp>
     </p:spTree>
-    <p:extLst>
-      <p:ext uri="{BB962C8B-B14F-4D97-AF65-F5344CB8AC3E}">
-        <p14:creationId xmlns:p14="http://schemas.microsoft.com/office/powerpoint/2010/main" val="3883580828"/>
-      </p:ext>
-    </p:extLst>
   </p:cSld>
   <p:clrMapOvr>
     <a:masterClrMapping/>
@@ -2602,18 +3643,652 @@
       </p:grpSpPr>
       <p:sp>
         <p:nvSpPr>
-          <p:cNvPr id="2" name="标题占位符 1"/>
-          <p:cNvSpPr>
-            <a:spLocks noGrp="1"/>
-          </p:cNvSpPr>
-          <p:nvPr>
-            <p:ph type="title"/>
-          </p:nvPr>
+          <p:cNvPr id="7" name="Freeform 6"/>
+          <p:cNvSpPr/>
+          <p:nvPr/>
         </p:nvSpPr>
         <p:spPr>
           <a:xfrm>
-            <a:off x="457200" y="274638"/>
-            <a:ext cx="8229600" cy="1143000"/>
+            <a:off x="-2382" y="5050633"/>
+            <a:ext cx="3574257" cy="1807368"/>
+          </a:xfrm>
+          <a:custGeom>
+            <a:avLst/>
+            <a:gdLst>
+              <a:gd name="connsiteX0" fmla="*/ 0 w 3571875"/>
+              <a:gd name="connsiteY0" fmla="*/ 4210050 h 4210050"/>
+              <a:gd name="connsiteX1" fmla="*/ 0 w 3571875"/>
+              <a:gd name="connsiteY1" fmla="*/ 0 h 4210050"/>
+              <a:gd name="connsiteX2" fmla="*/ 3571875 w 3571875"/>
+              <a:gd name="connsiteY2" fmla="*/ 4210050 h 4210050"/>
+              <a:gd name="connsiteX3" fmla="*/ 0 w 3571875"/>
+              <a:gd name="connsiteY3" fmla="*/ 4210050 h 4210050"/>
+              <a:gd name="connsiteX0" fmla="*/ 0 w 3571875"/>
+              <a:gd name="connsiteY0" fmla="*/ 4210050 h 4210050"/>
+              <a:gd name="connsiteX1" fmla="*/ 0 w 3571875"/>
+              <a:gd name="connsiteY1" fmla="*/ 0 h 4210050"/>
+              <a:gd name="connsiteX2" fmla="*/ 2028825 w 3571875"/>
+              <a:gd name="connsiteY2" fmla="*/ 2388394 h 4210050"/>
+              <a:gd name="connsiteX3" fmla="*/ 3571875 w 3571875"/>
+              <a:gd name="connsiteY3" fmla="*/ 4210050 h 4210050"/>
+              <a:gd name="connsiteX4" fmla="*/ 0 w 3571875"/>
+              <a:gd name="connsiteY4" fmla="*/ 4210050 h 4210050"/>
+              <a:gd name="connsiteX0" fmla="*/ 0 w 3571875"/>
+              <a:gd name="connsiteY0" fmla="*/ 4210050 h 4210050"/>
+              <a:gd name="connsiteX1" fmla="*/ 0 w 3571875"/>
+              <a:gd name="connsiteY1" fmla="*/ 0 h 4210050"/>
+              <a:gd name="connsiteX2" fmla="*/ 2028825 w 3571875"/>
+              <a:gd name="connsiteY2" fmla="*/ 2205038 h 4210050"/>
+              <a:gd name="connsiteX3" fmla="*/ 3571875 w 3571875"/>
+              <a:gd name="connsiteY3" fmla="*/ 4210050 h 4210050"/>
+              <a:gd name="connsiteX4" fmla="*/ 0 w 3571875"/>
+              <a:gd name="connsiteY4" fmla="*/ 4210050 h 4210050"/>
+              <a:gd name="connsiteX0" fmla="*/ 0 w 3571875"/>
+              <a:gd name="connsiteY0" fmla="*/ 4210050 h 4210050"/>
+              <a:gd name="connsiteX1" fmla="*/ 0 w 3571875"/>
+              <a:gd name="connsiteY1" fmla="*/ 0 h 4210050"/>
+              <a:gd name="connsiteX2" fmla="*/ 2028825 w 3571875"/>
+              <a:gd name="connsiteY2" fmla="*/ 2393157 h 4210050"/>
+              <a:gd name="connsiteX3" fmla="*/ 3571875 w 3571875"/>
+              <a:gd name="connsiteY3" fmla="*/ 4210050 h 4210050"/>
+              <a:gd name="connsiteX4" fmla="*/ 0 w 3571875"/>
+              <a:gd name="connsiteY4" fmla="*/ 4210050 h 4210050"/>
+              <a:gd name="connsiteX0" fmla="*/ 0 w 3571875"/>
+              <a:gd name="connsiteY0" fmla="*/ 4210050 h 4210050"/>
+              <a:gd name="connsiteX1" fmla="*/ 0 w 3571875"/>
+              <a:gd name="connsiteY1" fmla="*/ 0 h 4210050"/>
+              <a:gd name="connsiteX2" fmla="*/ 2028825 w 3571875"/>
+              <a:gd name="connsiteY2" fmla="*/ 2393157 h 4210050"/>
+              <a:gd name="connsiteX3" fmla="*/ 3571875 w 3571875"/>
+              <a:gd name="connsiteY3" fmla="*/ 4210050 h 4210050"/>
+              <a:gd name="connsiteX4" fmla="*/ 0 w 3571875"/>
+              <a:gd name="connsiteY4" fmla="*/ 4210050 h 4210050"/>
+              <a:gd name="connsiteX0" fmla="*/ 0 w 3571875"/>
+              <a:gd name="connsiteY0" fmla="*/ 4210050 h 4210050"/>
+              <a:gd name="connsiteX1" fmla="*/ 0 w 3571875"/>
+              <a:gd name="connsiteY1" fmla="*/ 0 h 4210050"/>
+              <a:gd name="connsiteX2" fmla="*/ 2028825 w 3571875"/>
+              <a:gd name="connsiteY2" fmla="*/ 2281238 h 4210050"/>
+              <a:gd name="connsiteX3" fmla="*/ 3571875 w 3571875"/>
+              <a:gd name="connsiteY3" fmla="*/ 4210050 h 4210050"/>
+              <a:gd name="connsiteX4" fmla="*/ 0 w 3571875"/>
+              <a:gd name="connsiteY4" fmla="*/ 4210050 h 4210050"/>
+              <a:gd name="connsiteX0" fmla="*/ 0 w 3571875"/>
+              <a:gd name="connsiteY0" fmla="*/ 4210050 h 4210050"/>
+              <a:gd name="connsiteX1" fmla="*/ 0 w 3571875"/>
+              <a:gd name="connsiteY1" fmla="*/ 0 h 4210050"/>
+              <a:gd name="connsiteX2" fmla="*/ 2028825 w 3571875"/>
+              <a:gd name="connsiteY2" fmla="*/ 2393157 h 4210050"/>
+              <a:gd name="connsiteX3" fmla="*/ 3571875 w 3571875"/>
+              <a:gd name="connsiteY3" fmla="*/ 4210050 h 4210050"/>
+              <a:gd name="connsiteX4" fmla="*/ 0 w 3571875"/>
+              <a:gd name="connsiteY4" fmla="*/ 4210050 h 4210050"/>
+              <a:gd name="connsiteX0" fmla="*/ 0 w 3571875"/>
+              <a:gd name="connsiteY0" fmla="*/ 4210050 h 4210050"/>
+              <a:gd name="connsiteX1" fmla="*/ 0 w 3571875"/>
+              <a:gd name="connsiteY1" fmla="*/ 0 h 4210050"/>
+              <a:gd name="connsiteX2" fmla="*/ 2028825 w 3571875"/>
+              <a:gd name="connsiteY2" fmla="*/ 2393157 h 4210050"/>
+              <a:gd name="connsiteX3" fmla="*/ 3571875 w 3571875"/>
+              <a:gd name="connsiteY3" fmla="*/ 4210050 h 4210050"/>
+              <a:gd name="connsiteX4" fmla="*/ 0 w 3571875"/>
+              <a:gd name="connsiteY4" fmla="*/ 4210050 h 4210050"/>
+              <a:gd name="connsiteX0" fmla="*/ 0 w 3571875"/>
+              <a:gd name="connsiteY0" fmla="*/ 4210050 h 4210050"/>
+              <a:gd name="connsiteX1" fmla="*/ 0 w 3571875"/>
+              <a:gd name="connsiteY1" fmla="*/ 0 h 4210050"/>
+              <a:gd name="connsiteX2" fmla="*/ 2076450 w 3571875"/>
+              <a:gd name="connsiteY2" fmla="*/ 2274094 h 4210050"/>
+              <a:gd name="connsiteX3" fmla="*/ 3571875 w 3571875"/>
+              <a:gd name="connsiteY3" fmla="*/ 4210050 h 4210050"/>
+              <a:gd name="connsiteX4" fmla="*/ 0 w 3571875"/>
+              <a:gd name="connsiteY4" fmla="*/ 4210050 h 4210050"/>
+              <a:gd name="connsiteX0" fmla="*/ 0 w 3571875"/>
+              <a:gd name="connsiteY0" fmla="*/ 4210050 h 4210050"/>
+              <a:gd name="connsiteX1" fmla="*/ 0 w 3571875"/>
+              <a:gd name="connsiteY1" fmla="*/ 0 h 4210050"/>
+              <a:gd name="connsiteX2" fmla="*/ 2245519 w 3571875"/>
+              <a:gd name="connsiteY2" fmla="*/ 2405063 h 4210050"/>
+              <a:gd name="connsiteX3" fmla="*/ 3571875 w 3571875"/>
+              <a:gd name="connsiteY3" fmla="*/ 4210050 h 4210050"/>
+              <a:gd name="connsiteX4" fmla="*/ 0 w 3571875"/>
+              <a:gd name="connsiteY4" fmla="*/ 4210050 h 4210050"/>
+              <a:gd name="connsiteX0" fmla="*/ 0 w 3571875"/>
+              <a:gd name="connsiteY0" fmla="*/ 4210050 h 4210050"/>
+              <a:gd name="connsiteX1" fmla="*/ 0 w 3571875"/>
+              <a:gd name="connsiteY1" fmla="*/ 0 h 4210050"/>
+              <a:gd name="connsiteX2" fmla="*/ 2038350 w 3571875"/>
+              <a:gd name="connsiteY2" fmla="*/ 2405063 h 4210050"/>
+              <a:gd name="connsiteX3" fmla="*/ 3571875 w 3571875"/>
+              <a:gd name="connsiteY3" fmla="*/ 4210050 h 4210050"/>
+              <a:gd name="connsiteX4" fmla="*/ 0 w 3571875"/>
+              <a:gd name="connsiteY4" fmla="*/ 4210050 h 4210050"/>
+              <a:gd name="connsiteX0" fmla="*/ 0 w 3571875"/>
+              <a:gd name="connsiteY0" fmla="*/ 2433637 h 2433637"/>
+              <a:gd name="connsiteX1" fmla="*/ 257175 w 3571875"/>
+              <a:gd name="connsiteY1" fmla="*/ 0 h 2433637"/>
+              <a:gd name="connsiteX2" fmla="*/ 2038350 w 3571875"/>
+              <a:gd name="connsiteY2" fmla="*/ 628650 h 2433637"/>
+              <a:gd name="connsiteX3" fmla="*/ 3571875 w 3571875"/>
+              <a:gd name="connsiteY3" fmla="*/ 2433637 h 2433637"/>
+              <a:gd name="connsiteX4" fmla="*/ 0 w 3571875"/>
+              <a:gd name="connsiteY4" fmla="*/ 2433637 h 2433637"/>
+              <a:gd name="connsiteX0" fmla="*/ 2382 w 3574257"/>
+              <a:gd name="connsiteY0" fmla="*/ 1807368 h 1807368"/>
+              <a:gd name="connsiteX1" fmla="*/ 0 w 3574257"/>
+              <a:gd name="connsiteY1" fmla="*/ 0 h 1807368"/>
+              <a:gd name="connsiteX2" fmla="*/ 2040732 w 3574257"/>
+              <a:gd name="connsiteY2" fmla="*/ 2381 h 1807368"/>
+              <a:gd name="connsiteX3" fmla="*/ 3574257 w 3574257"/>
+              <a:gd name="connsiteY3" fmla="*/ 1807368 h 1807368"/>
+              <a:gd name="connsiteX4" fmla="*/ 2382 w 3574257"/>
+              <a:gd name="connsiteY4" fmla="*/ 1807368 h 1807368"/>
+              <a:gd name="connsiteX0" fmla="*/ 2382 w 3574257"/>
+              <a:gd name="connsiteY0" fmla="*/ 1807368 h 1807368"/>
+              <a:gd name="connsiteX1" fmla="*/ 0 w 3574257"/>
+              <a:gd name="connsiteY1" fmla="*/ 0 h 1807368"/>
+              <a:gd name="connsiteX2" fmla="*/ 1924051 w 3574257"/>
+              <a:gd name="connsiteY2" fmla="*/ 307181 h 1807368"/>
+              <a:gd name="connsiteX3" fmla="*/ 3574257 w 3574257"/>
+              <a:gd name="connsiteY3" fmla="*/ 1807368 h 1807368"/>
+              <a:gd name="connsiteX4" fmla="*/ 2382 w 3574257"/>
+              <a:gd name="connsiteY4" fmla="*/ 1807368 h 1807368"/>
+              <a:gd name="connsiteX0" fmla="*/ 2382 w 3574257"/>
+              <a:gd name="connsiteY0" fmla="*/ 1809749 h 1809749"/>
+              <a:gd name="connsiteX1" fmla="*/ 0 w 3574257"/>
+              <a:gd name="connsiteY1" fmla="*/ 2381 h 1809749"/>
+              <a:gd name="connsiteX2" fmla="*/ 2038351 w 3574257"/>
+              <a:gd name="connsiteY2" fmla="*/ 0 h 1809749"/>
+              <a:gd name="connsiteX3" fmla="*/ 3574257 w 3574257"/>
+              <a:gd name="connsiteY3" fmla="*/ 1809749 h 1809749"/>
+              <a:gd name="connsiteX4" fmla="*/ 2382 w 3574257"/>
+              <a:gd name="connsiteY4" fmla="*/ 1809749 h 1809749"/>
+              <a:gd name="connsiteX0" fmla="*/ 2382 w 3574257"/>
+              <a:gd name="connsiteY0" fmla="*/ 1807368 h 1807368"/>
+              <a:gd name="connsiteX1" fmla="*/ 0 w 3574257"/>
+              <a:gd name="connsiteY1" fmla="*/ 0 h 1807368"/>
+              <a:gd name="connsiteX2" fmla="*/ 1640682 w 3574257"/>
+              <a:gd name="connsiteY2" fmla="*/ 450057 h 1807368"/>
+              <a:gd name="connsiteX3" fmla="*/ 3574257 w 3574257"/>
+              <a:gd name="connsiteY3" fmla="*/ 1807368 h 1807368"/>
+              <a:gd name="connsiteX4" fmla="*/ 2382 w 3574257"/>
+              <a:gd name="connsiteY4" fmla="*/ 1807368 h 1807368"/>
+              <a:gd name="connsiteX0" fmla="*/ 2382 w 3574257"/>
+              <a:gd name="connsiteY0" fmla="*/ 1809749 h 1809749"/>
+              <a:gd name="connsiteX1" fmla="*/ 0 w 3574257"/>
+              <a:gd name="connsiteY1" fmla="*/ 2381 h 1809749"/>
+              <a:gd name="connsiteX2" fmla="*/ 2038351 w 3574257"/>
+              <a:gd name="connsiteY2" fmla="*/ 0 h 1809749"/>
+              <a:gd name="connsiteX3" fmla="*/ 3574257 w 3574257"/>
+              <a:gd name="connsiteY3" fmla="*/ 1809749 h 1809749"/>
+              <a:gd name="connsiteX4" fmla="*/ 2382 w 3574257"/>
+              <a:gd name="connsiteY4" fmla="*/ 1809749 h 1809749"/>
+              <a:gd name="connsiteX0" fmla="*/ 2382 w 3574257"/>
+              <a:gd name="connsiteY0" fmla="*/ 1807368 h 1807368"/>
+              <a:gd name="connsiteX1" fmla="*/ 0 w 3574257"/>
+              <a:gd name="connsiteY1" fmla="*/ 0 h 1807368"/>
+              <a:gd name="connsiteX2" fmla="*/ 1657351 w 3574257"/>
+              <a:gd name="connsiteY2" fmla="*/ 230982 h 1807368"/>
+              <a:gd name="connsiteX3" fmla="*/ 3574257 w 3574257"/>
+              <a:gd name="connsiteY3" fmla="*/ 1807368 h 1807368"/>
+              <a:gd name="connsiteX4" fmla="*/ 2382 w 3574257"/>
+              <a:gd name="connsiteY4" fmla="*/ 1807368 h 1807368"/>
+              <a:gd name="connsiteX0" fmla="*/ 2382 w 3574257"/>
+              <a:gd name="connsiteY0" fmla="*/ 1807368 h 1807368"/>
+              <a:gd name="connsiteX1" fmla="*/ 0 w 3574257"/>
+              <a:gd name="connsiteY1" fmla="*/ 0 h 1807368"/>
+              <a:gd name="connsiteX2" fmla="*/ 2040732 w 3574257"/>
+              <a:gd name="connsiteY2" fmla="*/ 2382 h 1807368"/>
+              <a:gd name="connsiteX3" fmla="*/ 3574257 w 3574257"/>
+              <a:gd name="connsiteY3" fmla="*/ 1807368 h 1807368"/>
+              <a:gd name="connsiteX4" fmla="*/ 2382 w 3574257"/>
+              <a:gd name="connsiteY4" fmla="*/ 1807368 h 1807368"/>
+              <a:gd name="connsiteX0" fmla="*/ 2382 w 3574257"/>
+              <a:gd name="connsiteY0" fmla="*/ 1807368 h 1807368"/>
+              <a:gd name="connsiteX1" fmla="*/ 0 w 3574257"/>
+              <a:gd name="connsiteY1" fmla="*/ 0 h 1807368"/>
+              <a:gd name="connsiteX2" fmla="*/ 1774032 w 3574257"/>
+              <a:gd name="connsiteY2" fmla="*/ 161925 h 1807368"/>
+              <a:gd name="connsiteX3" fmla="*/ 3574257 w 3574257"/>
+              <a:gd name="connsiteY3" fmla="*/ 1807368 h 1807368"/>
+              <a:gd name="connsiteX4" fmla="*/ 2382 w 3574257"/>
+              <a:gd name="connsiteY4" fmla="*/ 1807368 h 1807368"/>
+              <a:gd name="connsiteX0" fmla="*/ 2382 w 3574257"/>
+              <a:gd name="connsiteY0" fmla="*/ 1807368 h 1807368"/>
+              <a:gd name="connsiteX1" fmla="*/ 0 w 3574257"/>
+              <a:gd name="connsiteY1" fmla="*/ 0 h 1807368"/>
+              <a:gd name="connsiteX2" fmla="*/ 1969294 w 3574257"/>
+              <a:gd name="connsiteY2" fmla="*/ 21432 h 1807368"/>
+              <a:gd name="connsiteX3" fmla="*/ 3574257 w 3574257"/>
+              <a:gd name="connsiteY3" fmla="*/ 1807368 h 1807368"/>
+              <a:gd name="connsiteX4" fmla="*/ 2382 w 3574257"/>
+              <a:gd name="connsiteY4" fmla="*/ 1807368 h 1807368"/>
+              <a:gd name="connsiteX0" fmla="*/ 2382 w 3574257"/>
+              <a:gd name="connsiteY0" fmla="*/ 1807368 h 1807368"/>
+              <a:gd name="connsiteX1" fmla="*/ 0 w 3574257"/>
+              <a:gd name="connsiteY1" fmla="*/ 0 h 1807368"/>
+              <a:gd name="connsiteX2" fmla="*/ 1819275 w 3574257"/>
+              <a:gd name="connsiteY2" fmla="*/ 200026 h 1807368"/>
+              <a:gd name="connsiteX3" fmla="*/ 3574257 w 3574257"/>
+              <a:gd name="connsiteY3" fmla="*/ 1807368 h 1807368"/>
+              <a:gd name="connsiteX4" fmla="*/ 2382 w 3574257"/>
+              <a:gd name="connsiteY4" fmla="*/ 1807368 h 1807368"/>
+              <a:gd name="connsiteX0" fmla="*/ 2382 w 3574257"/>
+              <a:gd name="connsiteY0" fmla="*/ 1807368 h 1807368"/>
+              <a:gd name="connsiteX1" fmla="*/ 0 w 3574257"/>
+              <a:gd name="connsiteY1" fmla="*/ 0 h 1807368"/>
+              <a:gd name="connsiteX2" fmla="*/ 2045494 w 3574257"/>
+              <a:gd name="connsiteY2" fmla="*/ 1 h 1807368"/>
+              <a:gd name="connsiteX3" fmla="*/ 3574257 w 3574257"/>
+              <a:gd name="connsiteY3" fmla="*/ 1807368 h 1807368"/>
+              <a:gd name="connsiteX4" fmla="*/ 2382 w 3574257"/>
+              <a:gd name="connsiteY4" fmla="*/ 1807368 h 1807368"/>
+            </a:gdLst>
+            <a:ahLst/>
+            <a:cxnLst>
+              <a:cxn ang="0">
+                <a:pos x="connsiteX0" y="connsiteY0"/>
+              </a:cxn>
+              <a:cxn ang="0">
+                <a:pos x="connsiteX1" y="connsiteY1"/>
+              </a:cxn>
+              <a:cxn ang="0">
+                <a:pos x="connsiteX2" y="connsiteY2"/>
+              </a:cxn>
+              <a:cxn ang="0">
+                <a:pos x="connsiteX3" y="connsiteY3"/>
+              </a:cxn>
+              <a:cxn ang="0">
+                <a:pos x="connsiteX4" y="connsiteY4"/>
+              </a:cxn>
+            </a:cxnLst>
+            <a:rect l="l" t="t" r="r" b="b"/>
+            <a:pathLst>
+              <a:path w="3574257" h="1807368">
+                <a:moveTo>
+                  <a:pt x="2382" y="1807368"/>
+                </a:moveTo>
+                <a:lnTo>
+                  <a:pt x="0" y="0"/>
+                </a:lnTo>
+                <a:lnTo>
+                  <a:pt x="2045494" y="1"/>
+                </a:lnTo>
+                <a:lnTo>
+                  <a:pt x="3574257" y="1807368"/>
+                </a:lnTo>
+                <a:lnTo>
+                  <a:pt x="2382" y="1807368"/>
+                </a:lnTo>
+                <a:close/>
+              </a:path>
+            </a:pathLst>
+          </a:custGeom>
+          <a:solidFill>
+            <a:schemeClr val="accent2"/>
+          </a:solidFill>
+          <a:ln>
+            <a:noFill/>
+          </a:ln>
+        </p:spPr>
+        <p:style>
+          <a:lnRef idx="2">
+            <a:schemeClr val="accent1">
+              <a:shade val="50000"/>
+            </a:schemeClr>
+          </a:lnRef>
+          <a:fillRef idx="1">
+            <a:schemeClr val="accent1"/>
+          </a:fillRef>
+          <a:effectRef idx="0">
+            <a:schemeClr val="accent1"/>
+          </a:effectRef>
+          <a:fontRef idx="minor">
+            <a:schemeClr val="lt1"/>
+          </a:fontRef>
+        </p:style>
+        <p:txBody>
+          <a:bodyPr rtlCol="0" anchor="ctr"/>
+          <a:lstStyle/>
+          <a:p>
+            <a:pPr algn="ctr"/>
+            <a:endParaRPr lang="en-US"/>
+          </a:p>
+        </p:txBody>
+      </p:sp>
+      <p:sp>
+        <p:nvSpPr>
+          <p:cNvPr id="8" name="Freeform 7"/>
+          <p:cNvSpPr/>
+          <p:nvPr/>
+        </p:nvSpPr>
+        <p:spPr>
+          <a:xfrm>
+            <a:off x="-2380" y="5051292"/>
+            <a:ext cx="9146380" cy="1806709"/>
+          </a:xfrm>
+          <a:custGeom>
+            <a:avLst/>
+            <a:gdLst>
+              <a:gd name="connsiteX0" fmla="*/ 0 w 3350419"/>
+              <a:gd name="connsiteY0" fmla="*/ 2081213 h 2083594"/>
+              <a:gd name="connsiteX1" fmla="*/ 3031331 w 3350419"/>
+              <a:gd name="connsiteY1" fmla="*/ 0 h 2083594"/>
+              <a:gd name="connsiteX2" fmla="*/ 3350419 w 3350419"/>
+              <a:gd name="connsiteY2" fmla="*/ 80963 h 2083594"/>
+              <a:gd name="connsiteX3" fmla="*/ 3350419 w 3350419"/>
+              <a:gd name="connsiteY3" fmla="*/ 2083594 h 2083594"/>
+              <a:gd name="connsiteX4" fmla="*/ 0 w 3350419"/>
+              <a:gd name="connsiteY4" fmla="*/ 2081213 h 2083594"/>
+              <a:gd name="connsiteX0" fmla="*/ 0 w 3112294"/>
+              <a:gd name="connsiteY0" fmla="*/ 2019301 h 2083594"/>
+              <a:gd name="connsiteX1" fmla="*/ 2793206 w 3112294"/>
+              <a:gd name="connsiteY1" fmla="*/ 0 h 2083594"/>
+              <a:gd name="connsiteX2" fmla="*/ 3112294 w 3112294"/>
+              <a:gd name="connsiteY2" fmla="*/ 80963 h 2083594"/>
+              <a:gd name="connsiteX3" fmla="*/ 3112294 w 3112294"/>
+              <a:gd name="connsiteY3" fmla="*/ 2083594 h 2083594"/>
+              <a:gd name="connsiteX4" fmla="*/ 0 w 3112294"/>
+              <a:gd name="connsiteY4" fmla="*/ 2019301 h 2083594"/>
+              <a:gd name="connsiteX0" fmla="*/ 0 w 3345656"/>
+              <a:gd name="connsiteY0" fmla="*/ 2097882 h 2097882"/>
+              <a:gd name="connsiteX1" fmla="*/ 3026568 w 3345656"/>
+              <a:gd name="connsiteY1" fmla="*/ 0 h 2097882"/>
+              <a:gd name="connsiteX2" fmla="*/ 3345656 w 3345656"/>
+              <a:gd name="connsiteY2" fmla="*/ 80963 h 2097882"/>
+              <a:gd name="connsiteX3" fmla="*/ 3345656 w 3345656"/>
+              <a:gd name="connsiteY3" fmla="*/ 2083594 h 2097882"/>
+              <a:gd name="connsiteX4" fmla="*/ 0 w 3345656"/>
+              <a:gd name="connsiteY4" fmla="*/ 2097882 h 2097882"/>
+              <a:gd name="connsiteX0" fmla="*/ 0 w 2800350"/>
+              <a:gd name="connsiteY0" fmla="*/ 1935957 h 2083594"/>
+              <a:gd name="connsiteX1" fmla="*/ 2481262 w 2800350"/>
+              <a:gd name="connsiteY1" fmla="*/ 0 h 2083594"/>
+              <a:gd name="connsiteX2" fmla="*/ 2800350 w 2800350"/>
+              <a:gd name="connsiteY2" fmla="*/ 80963 h 2083594"/>
+              <a:gd name="connsiteX3" fmla="*/ 2800350 w 2800350"/>
+              <a:gd name="connsiteY3" fmla="*/ 2083594 h 2083594"/>
+              <a:gd name="connsiteX4" fmla="*/ 0 w 2800350"/>
+              <a:gd name="connsiteY4" fmla="*/ 1935957 h 2083594"/>
+              <a:gd name="connsiteX0" fmla="*/ 0 w 3352800"/>
+              <a:gd name="connsiteY0" fmla="*/ 2083594 h 2083594"/>
+              <a:gd name="connsiteX1" fmla="*/ 3033712 w 3352800"/>
+              <a:gd name="connsiteY1" fmla="*/ 0 h 2083594"/>
+              <a:gd name="connsiteX2" fmla="*/ 3352800 w 3352800"/>
+              <a:gd name="connsiteY2" fmla="*/ 80963 h 2083594"/>
+              <a:gd name="connsiteX3" fmla="*/ 3352800 w 3352800"/>
+              <a:gd name="connsiteY3" fmla="*/ 2083594 h 2083594"/>
+              <a:gd name="connsiteX4" fmla="*/ 0 w 3352800"/>
+              <a:gd name="connsiteY4" fmla="*/ 2083594 h 2083594"/>
+              <a:gd name="connsiteX0" fmla="*/ 0 w 3352800"/>
+              <a:gd name="connsiteY0" fmla="*/ 2002631 h 2002631"/>
+              <a:gd name="connsiteX1" fmla="*/ 3033712 w 3352800"/>
+              <a:gd name="connsiteY1" fmla="*/ 157162 h 2002631"/>
+              <a:gd name="connsiteX2" fmla="*/ 3352800 w 3352800"/>
+              <a:gd name="connsiteY2" fmla="*/ 0 h 2002631"/>
+              <a:gd name="connsiteX3" fmla="*/ 3352800 w 3352800"/>
+              <a:gd name="connsiteY3" fmla="*/ 2002631 h 2002631"/>
+              <a:gd name="connsiteX4" fmla="*/ 0 w 3352800"/>
+              <a:gd name="connsiteY4" fmla="*/ 2002631 h 2002631"/>
+              <a:gd name="connsiteX0" fmla="*/ 0 w 3352800"/>
+              <a:gd name="connsiteY0" fmla="*/ 2002631 h 2002631"/>
+              <a:gd name="connsiteX1" fmla="*/ 2988469 w 3352800"/>
+              <a:gd name="connsiteY1" fmla="*/ 59530 h 2002631"/>
+              <a:gd name="connsiteX2" fmla="*/ 3352800 w 3352800"/>
+              <a:gd name="connsiteY2" fmla="*/ 0 h 2002631"/>
+              <a:gd name="connsiteX3" fmla="*/ 3352800 w 3352800"/>
+              <a:gd name="connsiteY3" fmla="*/ 2002631 h 2002631"/>
+              <a:gd name="connsiteX4" fmla="*/ 0 w 3352800"/>
+              <a:gd name="connsiteY4" fmla="*/ 2002631 h 2002631"/>
+              <a:gd name="connsiteX0" fmla="*/ 0 w 3352800"/>
+              <a:gd name="connsiteY0" fmla="*/ 2002631 h 2002631"/>
+              <a:gd name="connsiteX1" fmla="*/ 2833966 w 3352800"/>
+              <a:gd name="connsiteY1" fmla="*/ 425 h 2002631"/>
+              <a:gd name="connsiteX2" fmla="*/ 3352800 w 3352800"/>
+              <a:gd name="connsiteY2" fmla="*/ 0 h 2002631"/>
+              <a:gd name="connsiteX3" fmla="*/ 3352800 w 3352800"/>
+              <a:gd name="connsiteY3" fmla="*/ 2002631 h 2002631"/>
+              <a:gd name="connsiteX4" fmla="*/ 0 w 3352800"/>
+              <a:gd name="connsiteY4" fmla="*/ 2002631 h 2002631"/>
+              <a:gd name="connsiteX0" fmla="*/ 0 w 3352800"/>
+              <a:gd name="connsiteY0" fmla="*/ 2002631 h 2002631"/>
+              <a:gd name="connsiteX1" fmla="*/ 2845314 w 3352800"/>
+              <a:gd name="connsiteY1" fmla="*/ 12246 h 2002631"/>
+              <a:gd name="connsiteX2" fmla="*/ 3352800 w 3352800"/>
+              <a:gd name="connsiteY2" fmla="*/ 0 h 2002631"/>
+              <a:gd name="connsiteX3" fmla="*/ 3352800 w 3352800"/>
+              <a:gd name="connsiteY3" fmla="*/ 2002631 h 2002631"/>
+              <a:gd name="connsiteX4" fmla="*/ 0 w 3352800"/>
+              <a:gd name="connsiteY4" fmla="*/ 2002631 h 2002631"/>
+              <a:gd name="connsiteX0" fmla="*/ 0 w 3352800"/>
+              <a:gd name="connsiteY0" fmla="*/ 2002631 h 2002631"/>
+              <a:gd name="connsiteX1" fmla="*/ 2834839 w 3352800"/>
+              <a:gd name="connsiteY1" fmla="*/ 425 h 2002631"/>
+              <a:gd name="connsiteX2" fmla="*/ 3352800 w 3352800"/>
+              <a:gd name="connsiteY2" fmla="*/ 0 h 2002631"/>
+              <a:gd name="connsiteX3" fmla="*/ 3352800 w 3352800"/>
+              <a:gd name="connsiteY3" fmla="*/ 2002631 h 2002631"/>
+              <a:gd name="connsiteX4" fmla="*/ 0 w 3352800"/>
+              <a:gd name="connsiteY4" fmla="*/ 2002631 h 2002631"/>
+              <a:gd name="connsiteX0" fmla="*/ 0 w 3352800"/>
+              <a:gd name="connsiteY0" fmla="*/ 2002631 h 2002631"/>
+              <a:gd name="connsiteX1" fmla="*/ 2875865 w 3352800"/>
+              <a:gd name="connsiteY1" fmla="*/ 81782 h 2002631"/>
+              <a:gd name="connsiteX2" fmla="*/ 3352800 w 3352800"/>
+              <a:gd name="connsiteY2" fmla="*/ 0 h 2002631"/>
+              <a:gd name="connsiteX3" fmla="*/ 3352800 w 3352800"/>
+              <a:gd name="connsiteY3" fmla="*/ 2002631 h 2002631"/>
+              <a:gd name="connsiteX4" fmla="*/ 0 w 3352800"/>
+              <a:gd name="connsiteY4" fmla="*/ 2002631 h 2002631"/>
+              <a:gd name="connsiteX0" fmla="*/ 0 w 3352800"/>
+              <a:gd name="connsiteY0" fmla="*/ 2002901 h 2002901"/>
+              <a:gd name="connsiteX1" fmla="*/ 2836585 w 3352800"/>
+              <a:gd name="connsiteY1" fmla="*/ 0 h 2002901"/>
+              <a:gd name="connsiteX2" fmla="*/ 3352800 w 3352800"/>
+              <a:gd name="connsiteY2" fmla="*/ 270 h 2002901"/>
+              <a:gd name="connsiteX3" fmla="*/ 3352800 w 3352800"/>
+              <a:gd name="connsiteY3" fmla="*/ 2002901 h 2002901"/>
+              <a:gd name="connsiteX4" fmla="*/ 0 w 3352800"/>
+              <a:gd name="connsiteY4" fmla="*/ 2002901 h 2002901"/>
+              <a:gd name="connsiteX0" fmla="*/ 0 w 3352800"/>
+              <a:gd name="connsiteY0" fmla="*/ 2002631 h 2002631"/>
+              <a:gd name="connsiteX1" fmla="*/ 754045 w 3352800"/>
+              <a:gd name="connsiteY1" fmla="*/ 1468326 h 2002631"/>
+              <a:gd name="connsiteX2" fmla="*/ 3352800 w 3352800"/>
+              <a:gd name="connsiteY2" fmla="*/ 0 h 2002631"/>
+              <a:gd name="connsiteX3" fmla="*/ 3352800 w 3352800"/>
+              <a:gd name="connsiteY3" fmla="*/ 2002631 h 2002631"/>
+              <a:gd name="connsiteX4" fmla="*/ 0 w 3352800"/>
+              <a:gd name="connsiteY4" fmla="*/ 2002631 h 2002631"/>
+              <a:gd name="connsiteX0" fmla="*/ 0 w 3352800"/>
+              <a:gd name="connsiteY0" fmla="*/ 534305 h 534305"/>
+              <a:gd name="connsiteX1" fmla="*/ 754045 w 3352800"/>
+              <a:gd name="connsiteY1" fmla="*/ 0 h 534305"/>
+              <a:gd name="connsiteX2" fmla="*/ 3352800 w 3352800"/>
+              <a:gd name="connsiteY2" fmla="*/ 7687 h 534305"/>
+              <a:gd name="connsiteX3" fmla="*/ 3352800 w 3352800"/>
+              <a:gd name="connsiteY3" fmla="*/ 534305 h 534305"/>
+              <a:gd name="connsiteX4" fmla="*/ 0 w 3352800"/>
+              <a:gd name="connsiteY4" fmla="*/ 534305 h 534305"/>
+              <a:gd name="connsiteX0" fmla="*/ 0 w 3352800"/>
+              <a:gd name="connsiteY0" fmla="*/ 534305 h 534305"/>
+              <a:gd name="connsiteX1" fmla="*/ 754045 w 3352800"/>
+              <a:gd name="connsiteY1" fmla="*/ 0 h 534305"/>
+              <a:gd name="connsiteX2" fmla="*/ 3352800 w 3352800"/>
+              <a:gd name="connsiteY2" fmla="*/ 7687 h 534305"/>
+              <a:gd name="connsiteX3" fmla="*/ 3352800 w 3352800"/>
+              <a:gd name="connsiteY3" fmla="*/ 534305 h 534305"/>
+              <a:gd name="connsiteX4" fmla="*/ 0 w 3352800"/>
+              <a:gd name="connsiteY4" fmla="*/ 534305 h 534305"/>
+              <a:gd name="connsiteX0" fmla="*/ 0 w 3352800"/>
+              <a:gd name="connsiteY0" fmla="*/ 526618 h 526618"/>
+              <a:gd name="connsiteX1" fmla="*/ 980611 w 3352800"/>
+              <a:gd name="connsiteY1" fmla="*/ 93681 h 526618"/>
+              <a:gd name="connsiteX2" fmla="*/ 3352800 w 3352800"/>
+              <a:gd name="connsiteY2" fmla="*/ 0 h 526618"/>
+              <a:gd name="connsiteX3" fmla="*/ 3352800 w 3352800"/>
+              <a:gd name="connsiteY3" fmla="*/ 526618 h 526618"/>
+              <a:gd name="connsiteX4" fmla="*/ 0 w 3352800"/>
+              <a:gd name="connsiteY4" fmla="*/ 526618 h 526618"/>
+              <a:gd name="connsiteX0" fmla="*/ 0 w 3352800"/>
+              <a:gd name="connsiteY0" fmla="*/ 526888 h 526888"/>
+              <a:gd name="connsiteX1" fmla="*/ 744735 w 3352800"/>
+              <a:gd name="connsiteY1" fmla="*/ 0 h 526888"/>
+              <a:gd name="connsiteX2" fmla="*/ 3352800 w 3352800"/>
+              <a:gd name="connsiteY2" fmla="*/ 270 h 526888"/>
+              <a:gd name="connsiteX3" fmla="*/ 3352800 w 3352800"/>
+              <a:gd name="connsiteY3" fmla="*/ 526888 h 526888"/>
+              <a:gd name="connsiteX4" fmla="*/ 0 w 3352800"/>
+              <a:gd name="connsiteY4" fmla="*/ 526888 h 526888"/>
+              <a:gd name="connsiteX0" fmla="*/ 0 w 3352800"/>
+              <a:gd name="connsiteY0" fmla="*/ 526618 h 526618"/>
+              <a:gd name="connsiteX1" fmla="*/ 811948 w 3352800"/>
+              <a:gd name="connsiteY1" fmla="*/ 60921 h 526618"/>
+              <a:gd name="connsiteX2" fmla="*/ 3352800 w 3352800"/>
+              <a:gd name="connsiteY2" fmla="*/ 0 h 526618"/>
+              <a:gd name="connsiteX3" fmla="*/ 3352800 w 3352800"/>
+              <a:gd name="connsiteY3" fmla="*/ 526618 h 526618"/>
+              <a:gd name="connsiteX4" fmla="*/ 0 w 3352800"/>
+              <a:gd name="connsiteY4" fmla="*/ 526618 h 526618"/>
+              <a:gd name="connsiteX0" fmla="*/ 0 w 3352800"/>
+              <a:gd name="connsiteY0" fmla="*/ 527584 h 527584"/>
+              <a:gd name="connsiteX1" fmla="*/ 751718 w 3352800"/>
+              <a:gd name="connsiteY1" fmla="*/ 0 h 527584"/>
+              <a:gd name="connsiteX2" fmla="*/ 3352800 w 3352800"/>
+              <a:gd name="connsiteY2" fmla="*/ 966 h 527584"/>
+              <a:gd name="connsiteX3" fmla="*/ 3352800 w 3352800"/>
+              <a:gd name="connsiteY3" fmla="*/ 527584 h 527584"/>
+              <a:gd name="connsiteX4" fmla="*/ 0 w 3352800"/>
+              <a:gd name="connsiteY4" fmla="*/ 527584 h 527584"/>
+              <a:gd name="connsiteX0" fmla="*/ 0 w 3352800"/>
+              <a:gd name="connsiteY0" fmla="*/ 527584 h 527584"/>
+              <a:gd name="connsiteX1" fmla="*/ 751718 w 3352800"/>
+              <a:gd name="connsiteY1" fmla="*/ 0 h 527584"/>
+              <a:gd name="connsiteX2" fmla="*/ 3241069 w 3352800"/>
+              <a:gd name="connsiteY2" fmla="*/ 94144 h 527584"/>
+              <a:gd name="connsiteX3" fmla="*/ 3352800 w 3352800"/>
+              <a:gd name="connsiteY3" fmla="*/ 527584 h 527584"/>
+              <a:gd name="connsiteX4" fmla="*/ 0 w 3352800"/>
+              <a:gd name="connsiteY4" fmla="*/ 527584 h 527584"/>
+              <a:gd name="connsiteX0" fmla="*/ 0 w 3352800"/>
+              <a:gd name="connsiteY0" fmla="*/ 527584 h 527584"/>
+              <a:gd name="connsiteX1" fmla="*/ 751718 w 3352800"/>
+              <a:gd name="connsiteY1" fmla="*/ 0 h 527584"/>
+              <a:gd name="connsiteX2" fmla="*/ 3352800 w 3352800"/>
+              <a:gd name="connsiteY2" fmla="*/ 271 h 527584"/>
+              <a:gd name="connsiteX3" fmla="*/ 3352800 w 3352800"/>
+              <a:gd name="connsiteY3" fmla="*/ 527584 h 527584"/>
+              <a:gd name="connsiteX4" fmla="*/ 0 w 3352800"/>
+              <a:gd name="connsiteY4" fmla="*/ 527584 h 527584"/>
+              <a:gd name="connsiteX0" fmla="*/ 0 w 3352800"/>
+              <a:gd name="connsiteY0" fmla="*/ 527313 h 527313"/>
+              <a:gd name="connsiteX1" fmla="*/ 900984 w 3352800"/>
+              <a:gd name="connsiteY1" fmla="*/ 97774 h 527313"/>
+              <a:gd name="connsiteX2" fmla="*/ 3352800 w 3352800"/>
+              <a:gd name="connsiteY2" fmla="*/ 0 h 527313"/>
+              <a:gd name="connsiteX3" fmla="*/ 3352800 w 3352800"/>
+              <a:gd name="connsiteY3" fmla="*/ 527313 h 527313"/>
+              <a:gd name="connsiteX4" fmla="*/ 0 w 3352800"/>
+              <a:gd name="connsiteY4" fmla="*/ 527313 h 527313"/>
+              <a:gd name="connsiteX0" fmla="*/ 0 w 3352800"/>
+              <a:gd name="connsiteY0" fmla="*/ 527584 h 527584"/>
+              <a:gd name="connsiteX1" fmla="*/ 748227 w 3352800"/>
+              <a:gd name="connsiteY1" fmla="*/ 0 h 527584"/>
+              <a:gd name="connsiteX2" fmla="*/ 3352800 w 3352800"/>
+              <a:gd name="connsiteY2" fmla="*/ 271 h 527584"/>
+              <a:gd name="connsiteX3" fmla="*/ 3352800 w 3352800"/>
+              <a:gd name="connsiteY3" fmla="*/ 527584 h 527584"/>
+              <a:gd name="connsiteX4" fmla="*/ 0 w 3352800"/>
+              <a:gd name="connsiteY4" fmla="*/ 527584 h 527584"/>
+            </a:gdLst>
+            <a:ahLst/>
+            <a:cxnLst>
+              <a:cxn ang="0">
+                <a:pos x="connsiteX0" y="connsiteY0"/>
+              </a:cxn>
+              <a:cxn ang="0">
+                <a:pos x="connsiteX1" y="connsiteY1"/>
+              </a:cxn>
+              <a:cxn ang="0">
+                <a:pos x="connsiteX2" y="connsiteY2"/>
+              </a:cxn>
+              <a:cxn ang="0">
+                <a:pos x="connsiteX3" y="connsiteY3"/>
+              </a:cxn>
+              <a:cxn ang="0">
+                <a:pos x="connsiteX4" y="connsiteY4"/>
+              </a:cxn>
+            </a:cxnLst>
+            <a:rect l="l" t="t" r="r" b="b"/>
+            <a:pathLst>
+              <a:path w="3352800" h="527584">
+                <a:moveTo>
+                  <a:pt x="0" y="527584"/>
+                </a:moveTo>
+                <a:lnTo>
+                  <a:pt x="748227" y="0"/>
+                </a:lnTo>
+                <a:lnTo>
+                  <a:pt x="3352800" y="271"/>
+                </a:lnTo>
+                <a:lnTo>
+                  <a:pt x="3352800" y="527584"/>
+                </a:lnTo>
+                <a:lnTo>
+                  <a:pt x="0" y="527584"/>
+                </a:lnTo>
+                <a:close/>
+              </a:path>
+            </a:pathLst>
+          </a:custGeom>
+          <a:solidFill>
+            <a:schemeClr val="accent3">
+              <a:alpha val="80000"/>
+            </a:schemeClr>
+          </a:solidFill>
+          <a:ln>
+            <a:noFill/>
+          </a:ln>
+        </p:spPr>
+        <p:style>
+          <a:lnRef idx="2">
+            <a:schemeClr val="accent1">
+              <a:shade val="50000"/>
+            </a:schemeClr>
+          </a:lnRef>
+          <a:fillRef idx="1">
+            <a:schemeClr val="accent1"/>
+          </a:fillRef>
+          <a:effectRef idx="0">
+            <a:schemeClr val="accent1"/>
+          </a:effectRef>
+          <a:fontRef idx="minor">
+            <a:schemeClr val="lt1"/>
+          </a:fontRef>
+        </p:style>
+        <p:txBody>
+          <a:bodyPr rtlCol="0" anchor="ctr"/>
+          <a:lstStyle/>
+          <a:p>
+            <a:pPr algn="ctr"/>
+            <a:endParaRPr lang="en-US"/>
+          </a:p>
+        </p:txBody>
+      </p:sp>
+      <p:sp>
+        <p:nvSpPr>
+          <p:cNvPr id="2" name="Title Placeholder 1"/>
+          <p:cNvSpPr>
+            <a:spLocks noGrp="1"/>
+          </p:cNvSpPr>
+          <p:nvPr>
+            <p:ph type="title"/>
+          </p:nvPr>
+        </p:nvSpPr>
+        <p:spPr>
+          <a:xfrm>
+            <a:off x="822960" y="365760"/>
+            <a:ext cx="7520940" cy="548640"/>
           </a:xfrm>
           <a:prstGeom prst="rect">
             <a:avLst/>
@@ -2621,21 +4296,21 @@
         </p:spPr>
         <p:txBody>
           <a:bodyPr vert="horz" lIns="91440" tIns="45720" rIns="91440" bIns="45720" rtlCol="0" anchor="ctr">
-            <a:normAutofit/>
+            <a:noAutofit/>
           </a:bodyPr>
           <a:lstStyle/>
           <a:p>
             <a:r>
-              <a:rPr kumimoji="1" lang="zh-CN" altLang="en-US" smtClean="0"/>
+              <a:rPr lang="zh-CN" altLang="en-US" smtClean="0"/>
               <a:t>单击此处编辑母版标题样式</a:t>
             </a:r>
-            <a:endParaRPr kumimoji="1" lang="zh-CN" altLang="en-US"/>
-          </a:p>
-        </p:txBody>
-      </p:sp>
-      <p:sp>
-        <p:nvSpPr>
-          <p:cNvPr id="3" name="文本占位符 2"/>
+            <a:endParaRPr lang="en-US" dirty="0"/>
+          </a:p>
+        </p:txBody>
+      </p:sp>
+      <p:sp>
+        <p:nvSpPr>
+          <p:cNvPr id="3" name="Text Placeholder 2"/>
           <p:cNvSpPr>
             <a:spLocks noGrp="1"/>
           </p:cNvSpPr>
@@ -2645,8 +4320,8 @@
         </p:nvSpPr>
         <p:spPr>
           <a:xfrm>
-            <a:off x="457200" y="1600200"/>
-            <a:ext cx="8229600" cy="4525963"/>
+            <a:off x="822960" y="1100628"/>
+            <a:ext cx="7520940" cy="3579849"/>
           </a:xfrm>
           <a:prstGeom prst="rect">
             <a:avLst/>
@@ -2660,44 +4335,44 @@
           <a:p>
             <a:pPr lvl="0"/>
             <a:r>
-              <a:rPr kumimoji="1" lang="zh-CN" altLang="en-US" smtClean="0"/>
+              <a:rPr lang="zh-CN" altLang="en-US" smtClean="0"/>
               <a:t>单击此处编辑母版文本样式</a:t>
             </a:r>
           </a:p>
           <a:p>
             <a:pPr lvl="1"/>
             <a:r>
-              <a:rPr kumimoji="1" lang="zh-CN" altLang="en-US" smtClean="0"/>
+              <a:rPr lang="zh-CN" altLang="en-US" smtClean="0"/>
               <a:t>二级</a:t>
             </a:r>
           </a:p>
           <a:p>
             <a:pPr lvl="2"/>
             <a:r>
-              <a:rPr kumimoji="1" lang="zh-CN" altLang="en-US" smtClean="0"/>
+              <a:rPr lang="zh-CN" altLang="en-US" smtClean="0"/>
               <a:t>三级</a:t>
             </a:r>
           </a:p>
           <a:p>
             <a:pPr lvl="3"/>
             <a:r>
-              <a:rPr kumimoji="1" lang="zh-CN" altLang="en-US" smtClean="0"/>
+              <a:rPr lang="zh-CN" altLang="en-US" smtClean="0"/>
               <a:t>四级</a:t>
             </a:r>
           </a:p>
           <a:p>
             <a:pPr lvl="4"/>
             <a:r>
-              <a:rPr kumimoji="1" lang="zh-CN" altLang="en-US" smtClean="0"/>
+              <a:rPr lang="zh-CN" altLang="en-US" smtClean="0"/>
               <a:t>五级</a:t>
             </a:r>
-            <a:endParaRPr kumimoji="1" lang="zh-CN" altLang="en-US"/>
-          </a:p>
-        </p:txBody>
-      </p:sp>
-      <p:sp>
-        <p:nvSpPr>
-          <p:cNvPr id="4" name="日期占位符 3"/>
+            <a:endParaRPr lang="en-US" dirty="0"/>
+          </a:p>
+        </p:txBody>
+      </p:sp>
+      <p:sp>
+        <p:nvSpPr>
+          <p:cNvPr id="4" name="Date Placeholder 3"/>
           <p:cNvSpPr>
             <a:spLocks noGrp="1"/>
           </p:cNvSpPr>
@@ -2706,9 +4381,9 @@
           </p:nvPr>
         </p:nvSpPr>
         <p:spPr>
-          <a:xfrm>
-            <a:off x="457200" y="6356350"/>
-            <a:ext cx="2133600" cy="365125"/>
+          <a:xfrm rot="19140000">
+            <a:off x="201168" y="5870448"/>
+            <a:ext cx="2176272" cy="201168"/>
           </a:xfrm>
           <a:prstGeom prst="rect">
             <a:avLst/>
@@ -2720,9 +4395,7 @@
             <a:lvl1pPr algn="l">
               <a:defRPr sz="1200">
                 <a:solidFill>
-                  <a:schemeClr val="tx1">
-                    <a:tint val="75000"/>
-                  </a:schemeClr>
+                  <a:srgbClr val="FFFFFF"/>
                 </a:solidFill>
               </a:defRPr>
             </a:lvl1pPr>
@@ -2730,7 +4403,7 @@
           <a:p>
             <a:fld id="{DEC4F04F-B178-5440-A5CE-39A350E1E3DD}" type="datetimeFigureOut">
               <a:rPr kumimoji="1" lang="zh-CN" altLang="en-US" smtClean="0"/>
-              <a:t>15/12/15</a:t>
+              <a:t>15/12/16</a:t>
             </a:fld>
             <a:endParaRPr kumimoji="1" lang="zh-CN" altLang="en-US"/>
           </a:p>
@@ -2738,7 +4411,7 @@
       </p:sp>
       <p:sp>
         <p:nvSpPr>
-          <p:cNvPr id="5" name="页脚占位符 4"/>
+          <p:cNvPr id="5" name="Footer Placeholder 4"/>
           <p:cNvSpPr>
             <a:spLocks noGrp="1"/>
           </p:cNvSpPr>
@@ -2748,8 +4421,8 @@
         </p:nvSpPr>
         <p:spPr>
           <a:xfrm>
-            <a:off x="3124200" y="6356350"/>
-            <a:ext cx="2895600" cy="365125"/>
+            <a:off x="3517514" y="6285122"/>
+            <a:ext cx="4724400" cy="274320"/>
           </a:xfrm>
           <a:prstGeom prst="rect">
             <a:avLst/>
@@ -2758,12 +4431,10 @@
         <p:txBody>
           <a:bodyPr vert="horz" lIns="91440" tIns="45720" rIns="91440" bIns="45720" rtlCol="0" anchor="ctr"/>
           <a:lstStyle>
-            <a:lvl1pPr algn="ctr">
-              <a:defRPr sz="1200">
+            <a:lvl1pPr algn="r">
+              <a:defRPr sz="1000" cap="all" spc="200" baseline="0">
                 <a:solidFill>
-                  <a:schemeClr val="tx1">
-                    <a:tint val="75000"/>
-                  </a:schemeClr>
+                  <a:srgbClr val="FFFFFF"/>
                 </a:solidFill>
               </a:defRPr>
             </a:lvl1pPr>
@@ -2775,7 +4446,7 @@
       </p:sp>
       <p:sp>
         <p:nvSpPr>
-          <p:cNvPr id="6" name="幻灯片编号占位符 5"/>
+          <p:cNvPr id="6" name="Slide Number Placeholder 5"/>
           <p:cNvSpPr>
             <a:spLocks noGrp="1"/>
           </p:cNvSpPr>
@@ -2785,22 +4456,27 @@
         </p:nvSpPr>
         <p:spPr>
           <a:xfrm>
-            <a:off x="6553200" y="6356350"/>
-            <a:ext cx="2133600" cy="365125"/>
+            <a:off x="8401038" y="6170822"/>
+            <a:ext cx="502920" cy="502920"/>
           </a:xfrm>
-          <a:prstGeom prst="rect">
+          <a:prstGeom prst="ellipse">
             <a:avLst/>
           </a:prstGeom>
+          <a:ln w="19050">
+            <a:solidFill>
+              <a:srgbClr val="FFFFFF"/>
+            </a:solidFill>
+          </a:ln>
         </p:spPr>
         <p:txBody>
-          <a:bodyPr vert="horz" lIns="91440" tIns="45720" rIns="91440" bIns="45720" rtlCol="0" anchor="ctr"/>
+          <a:bodyPr vert="horz" lIns="9144" tIns="9144" rIns="9144" bIns="9144" rtlCol="0" anchor="ctr">
+            <a:normAutofit/>
+          </a:bodyPr>
           <a:lstStyle>
-            <a:lvl1pPr algn="r">
-              <a:defRPr sz="1200">
+            <a:lvl1pPr algn="ctr">
+              <a:defRPr sz="1650">
                 <a:solidFill>
-                  <a:schemeClr val="tx1">
-                    <a:tint val="75000"/>
-                  </a:schemeClr>
+                  <a:srgbClr val="FFFFFF"/>
                 </a:solidFill>
               </a:defRPr>
             </a:lvl1pPr>
@@ -2815,34 +4491,29 @@
         </p:txBody>
       </p:sp>
     </p:spTree>
-    <p:extLst>
-      <p:ext uri="{BB962C8B-B14F-4D97-AF65-F5344CB8AC3E}">
-        <p14:creationId xmlns:p14="http://schemas.microsoft.com/office/powerpoint/2010/main" val="170981948"/>
-      </p:ext>
-    </p:extLst>
   </p:cSld>
   <p:clrMap bg1="lt1" tx1="dk1" bg2="lt2" tx2="dk2" accent1="accent1" accent2="accent2" accent3="accent3" accent4="accent4" accent5="accent5" accent6="accent6" hlink="hlink" folHlink="folHlink"/>
   <p:sldLayoutIdLst>
-    <p:sldLayoutId id="2147483649" r:id="rId1"/>
-    <p:sldLayoutId id="2147483650" r:id="rId2"/>
-    <p:sldLayoutId id="2147483651" r:id="rId3"/>
-    <p:sldLayoutId id="2147483652" r:id="rId4"/>
-    <p:sldLayoutId id="2147483653" r:id="rId5"/>
-    <p:sldLayoutId id="2147483654" r:id="rId6"/>
-    <p:sldLayoutId id="2147483655" r:id="rId7"/>
-    <p:sldLayoutId id="2147483656" r:id="rId8"/>
-    <p:sldLayoutId id="2147483657" r:id="rId9"/>
-    <p:sldLayoutId id="2147483658" r:id="rId10"/>
-    <p:sldLayoutId id="2147483659" r:id="rId11"/>
+    <p:sldLayoutId id="2147483766" r:id="rId1"/>
+    <p:sldLayoutId id="2147483767" r:id="rId2"/>
+    <p:sldLayoutId id="2147483768" r:id="rId3"/>
+    <p:sldLayoutId id="2147483769" r:id="rId4"/>
+    <p:sldLayoutId id="2147483770" r:id="rId5"/>
+    <p:sldLayoutId id="2147483771" r:id="rId6"/>
+    <p:sldLayoutId id="2147483772" r:id="rId7"/>
+    <p:sldLayoutId id="2147483773" r:id="rId8"/>
+    <p:sldLayoutId id="2147483774" r:id="rId9"/>
+    <p:sldLayoutId id="2147483775" r:id="rId10"/>
+    <p:sldLayoutId id="2147483776" r:id="rId11"/>
   </p:sldLayoutIdLst>
   <p:txStyles>
     <p:titleStyle>
-      <a:lvl1pPr algn="ctr" defTabSz="457200" rtl="0" eaLnBrk="1" latinLnBrk="0" hangingPunct="1">
+      <a:lvl1pPr algn="l" defTabSz="914400" rtl="0" eaLnBrk="1" latinLnBrk="0" hangingPunct="1">
         <a:spcBef>
           <a:spcPct val="0"/>
         </a:spcBef>
         <a:buNone/>
-        <a:defRPr sz="4400" kern="1200">
+        <a:defRPr sz="2800" kern="1200" cap="all" baseline="0">
           <a:solidFill>
             <a:schemeClr val="tx1"/>
           </a:solidFill>
@@ -2853,13 +4524,13 @@
       </a:lvl1pPr>
     </p:titleStyle>
     <p:bodyStyle>
-      <a:lvl1pPr marL="342900" indent="-342900" algn="l" defTabSz="457200" rtl="0" eaLnBrk="1" latinLnBrk="0" hangingPunct="1">
+      <a:lvl1pPr marL="342900" indent="-342900" algn="l" defTabSz="914400" rtl="0" eaLnBrk="1" latinLnBrk="0" hangingPunct="1">
         <a:spcBef>
-          <a:spcPct val="20000"/>
+          <a:spcPts val="800"/>
         </a:spcBef>
-        <a:buFont typeface="Arial"/>
-        <a:buChar char="•"/>
-        <a:defRPr sz="3200" kern="1200">
+        <a:buFont typeface="Arial" pitchFamily="34" charset="0"/>
+        <a:buNone/>
+        <a:defRPr sz="1600" b="1" kern="1200">
           <a:solidFill>
             <a:schemeClr val="tx1"/>
           </a:solidFill>
@@ -2868,13 +4539,16 @@
           <a:cs typeface="+mn-cs"/>
         </a:defRPr>
       </a:lvl1pPr>
-      <a:lvl2pPr marL="742950" indent="-285750" algn="l" defTabSz="457200" rtl="0" eaLnBrk="1" latinLnBrk="0" hangingPunct="1">
+      <a:lvl2pPr marL="173736" indent="-173736" algn="l" defTabSz="914400" rtl="0" eaLnBrk="1" latinLnBrk="0" hangingPunct="1">
         <a:spcBef>
-          <a:spcPct val="20000"/>
+          <a:spcPts val="300"/>
         </a:spcBef>
-        <a:buFont typeface="Arial"/>
-        <a:buChar char="–"/>
-        <a:defRPr sz="2800" kern="1200">
+        <a:buClr>
+          <a:schemeClr val="accent2"/>
+        </a:buClr>
+        <a:buFont typeface="Wingdings" pitchFamily="2" charset="2"/>
+        <a:buChar char="§"/>
+        <a:defRPr sz="1600" kern="1200">
           <a:solidFill>
             <a:schemeClr val="tx1"/>
           </a:solidFill>
@@ -2883,13 +4557,16 @@
           <a:cs typeface="+mn-cs"/>
         </a:defRPr>
       </a:lvl2pPr>
-      <a:lvl3pPr marL="1143000" indent="-228600" algn="l" defTabSz="457200" rtl="0" eaLnBrk="1" latinLnBrk="0" hangingPunct="1">
+      <a:lvl3pPr marL="402336" indent="-164592" algn="l" defTabSz="914400" rtl="0" eaLnBrk="1" latinLnBrk="0" hangingPunct="1">
         <a:spcBef>
-          <a:spcPct val="20000"/>
+          <a:spcPts val="300"/>
         </a:spcBef>
-        <a:buFont typeface="Arial"/>
-        <a:buChar char="•"/>
-        <a:defRPr sz="2400" kern="1200">
+        <a:buClr>
+          <a:schemeClr val="accent2"/>
+        </a:buClr>
+        <a:buFont typeface="Wingdings" pitchFamily="2" charset="2"/>
+        <a:buChar char="§"/>
+        <a:defRPr sz="1600" kern="1200">
           <a:solidFill>
             <a:schemeClr val="tx1"/>
           </a:solidFill>
@@ -2898,13 +4575,16 @@
           <a:cs typeface="+mn-cs"/>
         </a:defRPr>
       </a:lvl3pPr>
-      <a:lvl4pPr marL="1600200" indent="-228600" algn="l" defTabSz="457200" rtl="0" eaLnBrk="1" latinLnBrk="0" hangingPunct="1">
+      <a:lvl4pPr marL="630936" indent="-164592" algn="l" defTabSz="914400" rtl="0" eaLnBrk="1" latinLnBrk="0" hangingPunct="1">
         <a:spcBef>
-          <a:spcPct val="20000"/>
+          <a:spcPts val="300"/>
         </a:spcBef>
-        <a:buFont typeface="Arial"/>
-        <a:buChar char="–"/>
-        <a:defRPr sz="2000" kern="1200">
+        <a:buClr>
+          <a:schemeClr val="accent2"/>
+        </a:buClr>
+        <a:buFont typeface="Wingdings" pitchFamily="2" charset="2"/>
+        <a:buChar char="§"/>
+        <a:defRPr sz="1600" kern="1200">
           <a:solidFill>
             <a:schemeClr val="tx1"/>
           </a:solidFill>
@@ -2913,13 +4593,16 @@
           <a:cs typeface="+mn-cs"/>
         </a:defRPr>
       </a:lvl4pPr>
-      <a:lvl5pPr marL="2057400" indent="-228600" algn="l" defTabSz="457200" rtl="0" eaLnBrk="1" latinLnBrk="0" hangingPunct="1">
+      <a:lvl5pPr marL="859536" indent="-173736" algn="l" defTabSz="914400" rtl="0" eaLnBrk="1" latinLnBrk="0" hangingPunct="1">
         <a:spcBef>
-          <a:spcPct val="20000"/>
+          <a:spcPts val="300"/>
         </a:spcBef>
-        <a:buFont typeface="Arial"/>
-        <a:buChar char="»"/>
-        <a:defRPr sz="2000" kern="1200">
+        <a:buClr>
+          <a:schemeClr val="accent2"/>
+        </a:buClr>
+        <a:buFont typeface="Wingdings" pitchFamily="2" charset="2"/>
+        <a:buChar char="§"/>
+        <a:defRPr sz="1600" kern="1200">
           <a:solidFill>
             <a:schemeClr val="tx1"/>
           </a:solidFill>
@@ -2928,13 +4611,16 @@
           <a:cs typeface="+mn-cs"/>
         </a:defRPr>
       </a:lvl5pPr>
-      <a:lvl6pPr marL="2514600" indent="-228600" algn="l" defTabSz="457200" rtl="0" eaLnBrk="1" latinLnBrk="0" hangingPunct="1">
+      <a:lvl6pPr marL="1097280" indent="-173736" algn="l" defTabSz="914400" rtl="0" eaLnBrk="1" latinLnBrk="0" hangingPunct="1">
         <a:spcBef>
-          <a:spcPct val="20000"/>
+          <a:spcPts val="300"/>
         </a:spcBef>
-        <a:buFont typeface="Arial"/>
-        <a:buChar char="•"/>
-        <a:defRPr sz="2000" kern="1200">
+        <a:buClr>
+          <a:schemeClr val="accent2"/>
+        </a:buClr>
+        <a:buFont typeface="Wingdings" pitchFamily="2" charset="2"/>
+        <a:buChar char="§"/>
+        <a:defRPr sz="1400" kern="1200">
           <a:solidFill>
             <a:schemeClr val="tx1"/>
           </a:solidFill>
@@ -2943,13 +4629,16 @@
           <a:cs typeface="+mn-cs"/>
         </a:defRPr>
       </a:lvl6pPr>
-      <a:lvl7pPr marL="2971800" indent="-228600" algn="l" defTabSz="457200" rtl="0" eaLnBrk="1" latinLnBrk="0" hangingPunct="1">
+      <a:lvl7pPr marL="1353312" indent="-164592" algn="l" defTabSz="914400" rtl="0" eaLnBrk="1" latinLnBrk="0" hangingPunct="1">
         <a:spcBef>
-          <a:spcPct val="20000"/>
+          <a:spcPts val="300"/>
         </a:spcBef>
-        <a:buFont typeface="Arial"/>
-        <a:buChar char="•"/>
-        <a:defRPr sz="2000" kern="1200">
+        <a:buClr>
+          <a:schemeClr val="accent2"/>
+        </a:buClr>
+        <a:buFont typeface="Wingdings" pitchFamily="2" charset="2"/>
+        <a:buChar char="§"/>
+        <a:defRPr sz="1400" kern="1200">
           <a:solidFill>
             <a:schemeClr val="tx1"/>
           </a:solidFill>
@@ -2958,13 +4647,16 @@
           <a:cs typeface="+mn-cs"/>
         </a:defRPr>
       </a:lvl7pPr>
-      <a:lvl8pPr marL="3429000" indent="-228600" algn="l" defTabSz="457200" rtl="0" eaLnBrk="1" latinLnBrk="0" hangingPunct="1">
+      <a:lvl8pPr marL="1581912" indent="-164592" algn="l" defTabSz="914400" rtl="0" eaLnBrk="1" latinLnBrk="0" hangingPunct="1">
         <a:spcBef>
-          <a:spcPct val="20000"/>
+          <a:spcPts val="300"/>
         </a:spcBef>
-        <a:buFont typeface="Arial"/>
-        <a:buChar char="•"/>
-        <a:defRPr sz="2000" kern="1200">
+        <a:buClr>
+          <a:schemeClr val="accent2"/>
+        </a:buClr>
+        <a:buFont typeface="Wingdings" pitchFamily="2" charset="2"/>
+        <a:buChar char="§"/>
+        <a:defRPr sz="1400" kern="1200">
           <a:solidFill>
             <a:schemeClr val="tx1"/>
           </a:solidFill>
@@ -2973,13 +4665,16 @@
           <a:cs typeface="+mn-cs"/>
         </a:defRPr>
       </a:lvl8pPr>
-      <a:lvl9pPr marL="3886200" indent="-228600" algn="l" defTabSz="457200" rtl="0" eaLnBrk="1" latinLnBrk="0" hangingPunct="1">
+      <a:lvl9pPr marL="1792224" indent="-164592" algn="l" defTabSz="914400" rtl="0" eaLnBrk="1" latinLnBrk="0" hangingPunct="1">
         <a:spcBef>
-          <a:spcPct val="20000"/>
+          <a:spcPts val="300"/>
         </a:spcBef>
-        <a:buFont typeface="Arial"/>
-        <a:buChar char="•"/>
-        <a:defRPr sz="2000" kern="1200">
+        <a:buClr>
+          <a:schemeClr val="accent2"/>
+        </a:buClr>
+        <a:buFont typeface="Wingdings" pitchFamily="2" charset="2"/>
+        <a:buChar char="§"/>
+        <a:defRPr sz="1400" kern="1200">
           <a:solidFill>
             <a:schemeClr val="tx1"/>
           </a:solidFill>
@@ -2991,9 +4686,9 @@
     </p:bodyStyle>
     <p:otherStyle>
       <a:defPPr>
-        <a:defRPr lang="zh-CN"/>
+        <a:defRPr lang="en-US"/>
       </a:defPPr>
-      <a:lvl1pPr marL="0" algn="l" defTabSz="457200" rtl="0" eaLnBrk="1" latinLnBrk="0" hangingPunct="1">
+      <a:lvl1pPr marL="0" algn="l" defTabSz="914400" rtl="0" eaLnBrk="1" latinLnBrk="0" hangingPunct="1">
         <a:defRPr sz="1800" kern="1200">
           <a:solidFill>
             <a:schemeClr val="tx1"/>
@@ -3003,7 +4698,7 @@
           <a:cs typeface="+mn-cs"/>
         </a:defRPr>
       </a:lvl1pPr>
-      <a:lvl2pPr marL="457200" algn="l" defTabSz="457200" rtl="0" eaLnBrk="1" latinLnBrk="0" hangingPunct="1">
+      <a:lvl2pPr marL="457200" algn="l" defTabSz="914400" rtl="0" eaLnBrk="1" latinLnBrk="0" hangingPunct="1">
         <a:defRPr sz="1800" kern="1200">
           <a:solidFill>
             <a:schemeClr val="tx1"/>
@@ -3013,7 +4708,7 @@
           <a:cs typeface="+mn-cs"/>
         </a:defRPr>
       </a:lvl2pPr>
-      <a:lvl3pPr marL="914400" algn="l" defTabSz="457200" rtl="0" eaLnBrk="1" latinLnBrk="0" hangingPunct="1">
+      <a:lvl3pPr marL="914400" algn="l" defTabSz="914400" rtl="0" eaLnBrk="1" latinLnBrk="0" hangingPunct="1">
         <a:defRPr sz="1800" kern="1200">
           <a:solidFill>
             <a:schemeClr val="tx1"/>
@@ -3023,7 +4718,7 @@
           <a:cs typeface="+mn-cs"/>
         </a:defRPr>
       </a:lvl3pPr>
-      <a:lvl4pPr marL="1371600" algn="l" defTabSz="457200" rtl="0" eaLnBrk="1" latinLnBrk="0" hangingPunct="1">
+      <a:lvl4pPr marL="1371600" algn="l" defTabSz="914400" rtl="0" eaLnBrk="1" latinLnBrk="0" hangingPunct="1">
         <a:defRPr sz="1800" kern="1200">
           <a:solidFill>
             <a:schemeClr val="tx1"/>
@@ -3033,7 +4728,7 @@
           <a:cs typeface="+mn-cs"/>
         </a:defRPr>
       </a:lvl4pPr>
-      <a:lvl5pPr marL="1828800" algn="l" defTabSz="457200" rtl="0" eaLnBrk="1" latinLnBrk="0" hangingPunct="1">
+      <a:lvl5pPr marL="1828800" algn="l" defTabSz="914400" rtl="0" eaLnBrk="1" latinLnBrk="0" hangingPunct="1">
         <a:defRPr sz="1800" kern="1200">
           <a:solidFill>
             <a:schemeClr val="tx1"/>
@@ -3043,7 +4738,7 @@
           <a:cs typeface="+mn-cs"/>
         </a:defRPr>
       </a:lvl5pPr>
-      <a:lvl6pPr marL="2286000" algn="l" defTabSz="457200" rtl="0" eaLnBrk="1" latinLnBrk="0" hangingPunct="1">
+      <a:lvl6pPr marL="2286000" algn="l" defTabSz="914400" rtl="0" eaLnBrk="1" latinLnBrk="0" hangingPunct="1">
         <a:defRPr sz="1800" kern="1200">
           <a:solidFill>
             <a:schemeClr val="tx1"/>
@@ -3053,7 +4748,7 @@
           <a:cs typeface="+mn-cs"/>
         </a:defRPr>
       </a:lvl6pPr>
-      <a:lvl7pPr marL="2743200" algn="l" defTabSz="457200" rtl="0" eaLnBrk="1" latinLnBrk="0" hangingPunct="1">
+      <a:lvl7pPr marL="2743200" algn="l" defTabSz="914400" rtl="0" eaLnBrk="1" latinLnBrk="0" hangingPunct="1">
         <a:defRPr sz="1800" kern="1200">
           <a:solidFill>
             <a:schemeClr val="tx1"/>
@@ -3063,7 +4758,7 @@
           <a:cs typeface="+mn-cs"/>
         </a:defRPr>
       </a:lvl7pPr>
-      <a:lvl8pPr marL="3200400" algn="l" defTabSz="457200" rtl="0" eaLnBrk="1" latinLnBrk="0" hangingPunct="1">
+      <a:lvl8pPr marL="3200400" algn="l" defTabSz="914400" rtl="0" eaLnBrk="1" latinLnBrk="0" hangingPunct="1">
         <a:defRPr sz="1800" kern="1200">
           <a:solidFill>
             <a:schemeClr val="tx1"/>
@@ -3073,7 +4768,7 @@
           <a:cs typeface="+mn-cs"/>
         </a:defRPr>
       </a:lvl8pPr>
-      <a:lvl9pPr marL="3657600" algn="l" defTabSz="457200" rtl="0" eaLnBrk="1" latinLnBrk="0" hangingPunct="1">
+      <a:lvl9pPr marL="3657600" algn="l" defTabSz="914400" rtl="0" eaLnBrk="1" latinLnBrk="0" hangingPunct="1">
         <a:defRPr sz="1800" kern="1200">
           <a:solidFill>
             <a:schemeClr val="tx1"/>
@@ -3105,40 +4800,37 @@
           <a:chExt cx="0" cy="0"/>
         </a:xfrm>
       </p:grpSpPr>
-      <p:pic>
-        <p:nvPicPr>
-          <p:cNvPr id="2" name="图片 1" descr="android-ios.jpg"/>
-          <p:cNvPicPr>
-            <a:picLocks noChangeAspect="1"/>
-          </p:cNvPicPr>
-          <p:nvPr/>
-        </p:nvPicPr>
-        <p:blipFill>
-          <a:blip r:embed="rId2">
-            <a:extLst>
-              <a:ext uri="{28A0092B-C50C-407E-A947-70E740481C1C}">
-                <a14:useLocalDpi xmlns:a14="http://schemas.microsoft.com/office/drawing/2010/main" val="0"/>
-              </a:ext>
-            </a:extLst>
-          </a:blip>
-          <a:stretch>
-            <a:fillRect/>
-          </a:stretch>
-        </p:blipFill>
-        <p:spPr>
-          <a:xfrm>
-            <a:off x="0" y="928858"/>
-            <a:ext cx="9144000" cy="5143500"/>
-          </a:xfrm>
-          <a:prstGeom prst="rect">
-            <a:avLst/>
-          </a:prstGeom>
-        </p:spPr>
-      </p:pic>
+      <p:sp>
+        <p:nvSpPr>
+          <p:cNvPr id="2" name="标题 1"/>
+          <p:cNvSpPr>
+            <a:spLocks noGrp="1"/>
+          </p:cNvSpPr>
+          <p:nvPr>
+            <p:ph type="ctrTitle"/>
+          </p:nvPr>
+        </p:nvSpPr>
+        <p:spPr/>
+        <p:txBody>
+          <a:bodyPr/>
+          <a:lstStyle/>
+          <a:p>
+            <a:r>
+              <a:rPr kumimoji="1" lang="en-US" altLang="zh-CN" dirty="0" smtClean="0"/>
+              <a:t>Android</a:t>
+            </a:r>
+            <a:r>
+              <a:rPr kumimoji="1" lang="zh-CN" altLang="en-US" dirty="0" smtClean="0"/>
+              <a:t>开发分享</a:t>
+            </a:r>
+            <a:endParaRPr kumimoji="1" lang="zh-CN" altLang="en-US" dirty="0"/>
+          </a:p>
+        </p:txBody>
+      </p:sp>
     </p:spTree>
     <p:extLst>
       <p:ext uri="{BB962C8B-B14F-4D97-AF65-F5344CB8AC3E}">
-        <p14:creationId xmlns:p14="http://schemas.microsoft.com/office/powerpoint/2010/main" val="167508797"/>
+        <p14:creationId xmlns:p14="http://schemas.microsoft.com/office/powerpoint/2010/main" val="801598442"/>
       </p:ext>
     </p:extLst>
   </p:cSld>
@@ -3149,498 +4841,6 @@
 </file>
 
 <file path=ppt/slides/slide10.xml><?xml version="1.0" encoding="utf-8"?>
-<p:sld xmlns:a="http://schemas.openxmlformats.org/drawingml/2006/main" xmlns:r="http://schemas.openxmlformats.org/officeDocument/2006/relationships" xmlns:p="http://schemas.openxmlformats.org/presentationml/2006/main">
-  <p:cSld>
-    <p:spTree>
-      <p:nvGrpSpPr>
-        <p:cNvPr id="1" name=""/>
-        <p:cNvGrpSpPr/>
-        <p:nvPr/>
-      </p:nvGrpSpPr>
-      <p:grpSpPr>
-        <a:xfrm>
-          <a:off x="0" y="0"/>
-          <a:ext cx="0" cy="0"/>
-          <a:chOff x="0" y="0"/>
-          <a:chExt cx="0" cy="0"/>
-        </a:xfrm>
-      </p:grpSpPr>
-      <p:sp>
-        <p:nvSpPr>
-          <p:cNvPr id="3" name="内容占位符 2"/>
-          <p:cNvSpPr>
-            <a:spLocks noGrp="1"/>
-          </p:cNvSpPr>
-          <p:nvPr>
-            <p:ph idx="1"/>
-          </p:nvPr>
-        </p:nvSpPr>
-        <p:spPr>
-          <a:xfrm>
-            <a:off x="457200" y="497574"/>
-            <a:ext cx="8229600" cy="5145954"/>
-          </a:xfrm>
-        </p:spPr>
-        <p:txBody>
-          <a:bodyPr/>
-          <a:lstStyle/>
-          <a:p>
-            <a:pPr marL="0" indent="0">
-              <a:buNone/>
-            </a:pPr>
-            <a:r>
-              <a:rPr kumimoji="1" lang="en-US" altLang="zh-CN" dirty="0" smtClean="0"/>
-              <a:t>Android</a:t>
-            </a:r>
-            <a:r>
-              <a:rPr kumimoji="1" lang="zh-CN" altLang="en-US" dirty="0" smtClean="0"/>
-              <a:t>开发环境搭建</a:t>
-            </a:r>
-            <a:endParaRPr kumimoji="1" lang="en-US" altLang="zh-CN" dirty="0" smtClean="0"/>
-          </a:p>
-          <a:p>
-            <a:pPr marL="0" indent="0">
-              <a:buNone/>
-            </a:pPr>
-            <a:r>
-              <a:rPr kumimoji="1" lang="zh-CN" altLang="en-US" dirty="0" smtClean="0"/>
-              <a:t>安装</a:t>
-            </a:r>
-            <a:r>
-              <a:rPr kumimoji="1" lang="en-US" altLang="zh-CN" dirty="0"/>
-              <a:t>J</a:t>
-            </a:r>
-            <a:r>
-              <a:rPr kumimoji="1" lang="en-US" altLang="zh-CN" dirty="0" smtClean="0"/>
-              <a:t>DK1.7</a:t>
-            </a:r>
-            <a:r>
-              <a:rPr kumimoji="1" lang="zh-CN" altLang="en-US" dirty="0" smtClean="0"/>
-              <a:t> </a:t>
-            </a:r>
-            <a:endParaRPr kumimoji="1" lang="en-US" altLang="zh-CN" dirty="0" smtClean="0"/>
-          </a:p>
-          <a:p>
-            <a:pPr marL="0" indent="0">
-              <a:buNone/>
-            </a:pPr>
-            <a:r>
-              <a:rPr kumimoji="1" lang="zh-CN" altLang="en-US" dirty="0" smtClean="0"/>
-              <a:t>安装</a:t>
-            </a:r>
-            <a:r>
-              <a:rPr kumimoji="1" lang="en-US" altLang="zh-CN" dirty="0" smtClean="0"/>
-              <a:t>Android</a:t>
-            </a:r>
-            <a:r>
-              <a:rPr kumimoji="1" lang="zh-CN" altLang="en-US" dirty="0" smtClean="0"/>
-              <a:t> </a:t>
-            </a:r>
-            <a:r>
-              <a:rPr kumimoji="1" lang="en-US" altLang="zh-CN" dirty="0" smtClean="0"/>
-              <a:t>SDK</a:t>
-            </a:r>
-          </a:p>
-          <a:p>
-            <a:pPr marL="0" indent="0">
-              <a:buNone/>
-            </a:pPr>
-            <a:r>
-              <a:rPr kumimoji="1" lang="zh-CN" altLang="en-US" dirty="0" smtClean="0"/>
-              <a:t>安装</a:t>
-            </a:r>
-            <a:r>
-              <a:rPr kumimoji="1" lang="en-US" altLang="zh-CN" dirty="0" smtClean="0"/>
-              <a:t>Android Studio</a:t>
-            </a:r>
-          </a:p>
-          <a:p>
-            <a:pPr marL="0" indent="0">
-              <a:buNone/>
-            </a:pPr>
-            <a:endParaRPr kumimoji="1" lang="en-US" altLang="zh-CN" dirty="0" smtClean="0"/>
-          </a:p>
-          <a:p>
-            <a:pPr marL="0" indent="0">
-              <a:buNone/>
-            </a:pPr>
-            <a:r>
-              <a:rPr kumimoji="1" lang="zh-CN" altLang="en-US" dirty="0" smtClean="0"/>
-              <a:t>更多可见：</a:t>
-            </a:r>
-            <a:endParaRPr kumimoji="1" lang="en-US" altLang="zh-CN" dirty="0" smtClean="0"/>
-          </a:p>
-          <a:p>
-            <a:pPr marL="0" indent="0">
-              <a:buNone/>
-            </a:pPr>
-            <a:r>
-              <a:rPr kumimoji="1" lang="en-US" altLang="zh-CN" dirty="0" smtClean="0">
-                <a:hlinkClick r:id="rId2"/>
-              </a:rPr>
-              <a:t>http://</a:t>
-            </a:r>
-            <a:r>
-              <a:rPr kumimoji="1" lang="en-US" altLang="zh-CN" dirty="0" err="1" smtClean="0">
-                <a:hlinkClick r:id="rId2"/>
-              </a:rPr>
-              <a:t>developer.android.com</a:t>
-            </a:r>
-            <a:r>
-              <a:rPr kumimoji="1" lang="en-US" altLang="zh-CN" dirty="0" smtClean="0">
-                <a:hlinkClick r:id="rId2"/>
-              </a:rPr>
-              <a:t>/</a:t>
-            </a:r>
-            <a:r>
-              <a:rPr kumimoji="1" lang="en-US" altLang="zh-CN" dirty="0" err="1" smtClean="0">
-                <a:hlinkClick r:id="rId2"/>
-              </a:rPr>
-              <a:t>sdk</a:t>
-            </a:r>
-            <a:r>
-              <a:rPr kumimoji="1" lang="en-US" altLang="zh-CN" dirty="0" smtClean="0">
-                <a:hlinkClick r:id="rId2"/>
-              </a:rPr>
-              <a:t>/</a:t>
-            </a:r>
-            <a:r>
-              <a:rPr kumimoji="1" lang="en-US" altLang="zh-CN" dirty="0" err="1" smtClean="0">
-                <a:hlinkClick r:id="rId2"/>
-              </a:rPr>
-              <a:t>index.html</a:t>
-            </a:r>
-            <a:endParaRPr kumimoji="1" lang="en-US" altLang="zh-CN" dirty="0"/>
-          </a:p>
-          <a:p>
-            <a:pPr marL="0" indent="0">
-              <a:buNone/>
-            </a:pPr>
-            <a:endParaRPr kumimoji="1" lang="zh-CN" altLang="en-US" dirty="0"/>
-          </a:p>
-        </p:txBody>
-      </p:sp>
-    </p:spTree>
-    <p:extLst>
-      <p:ext uri="{BB962C8B-B14F-4D97-AF65-F5344CB8AC3E}">
-        <p14:creationId xmlns:p14="http://schemas.microsoft.com/office/powerpoint/2010/main" val="4187089169"/>
-      </p:ext>
-    </p:extLst>
-  </p:cSld>
-  <p:clrMapOvr>
-    <a:masterClrMapping/>
-  </p:clrMapOvr>
-</p:sld>
-</file>
-
-<file path=ppt/slides/slide11.xml><?xml version="1.0" encoding="utf-8"?>
-<p:sld xmlns:a="http://schemas.openxmlformats.org/drawingml/2006/main" xmlns:r="http://schemas.openxmlformats.org/officeDocument/2006/relationships" xmlns:p="http://schemas.openxmlformats.org/presentationml/2006/main">
-  <p:cSld>
-    <p:spTree>
-      <p:nvGrpSpPr>
-        <p:cNvPr id="1" name=""/>
-        <p:cNvGrpSpPr/>
-        <p:nvPr/>
-      </p:nvGrpSpPr>
-      <p:grpSpPr>
-        <a:xfrm>
-          <a:off x="0" y="0"/>
-          <a:ext cx="0" cy="0"/>
-          <a:chOff x="0" y="0"/>
-          <a:chExt cx="0" cy="0"/>
-        </a:xfrm>
-      </p:grpSpPr>
-      <p:sp>
-        <p:nvSpPr>
-          <p:cNvPr id="2" name="标题 1"/>
-          <p:cNvSpPr>
-            <a:spLocks noGrp="1"/>
-          </p:cNvSpPr>
-          <p:nvPr>
-            <p:ph type="title"/>
-          </p:nvPr>
-        </p:nvSpPr>
-        <p:spPr/>
-        <p:txBody>
-          <a:bodyPr/>
-          <a:lstStyle/>
-          <a:p>
-            <a:r>
-              <a:rPr kumimoji="1" lang="en-US" altLang="zh-CN" dirty="0" smtClean="0"/>
-              <a:t>Android</a:t>
-            </a:r>
-            <a:r>
-              <a:rPr kumimoji="1" lang="zh-CN" altLang="en-US" dirty="0" smtClean="0"/>
-              <a:t>开发实例之微信首页</a:t>
-            </a:r>
-            <a:endParaRPr kumimoji="1" lang="zh-CN" altLang="en-US" dirty="0"/>
-          </a:p>
-        </p:txBody>
-      </p:sp>
-    </p:spTree>
-    <p:extLst>
-      <p:ext uri="{BB962C8B-B14F-4D97-AF65-F5344CB8AC3E}">
-        <p14:creationId xmlns:p14="http://schemas.microsoft.com/office/powerpoint/2010/main" val="1841342746"/>
-      </p:ext>
-    </p:extLst>
-  </p:cSld>
-  <p:clrMapOvr>
-    <a:masterClrMapping/>
-  </p:clrMapOvr>
-</p:sld>
-</file>
-
-<file path=ppt/slides/slide2.xml><?xml version="1.0" encoding="utf-8"?>
-<p:sld xmlns:a="http://schemas.openxmlformats.org/drawingml/2006/main" xmlns:r="http://schemas.openxmlformats.org/officeDocument/2006/relationships" xmlns:p="http://schemas.openxmlformats.org/presentationml/2006/main">
-  <p:cSld>
-    <p:spTree>
-      <p:nvGrpSpPr>
-        <p:cNvPr id="1" name=""/>
-        <p:cNvGrpSpPr/>
-        <p:nvPr/>
-      </p:nvGrpSpPr>
-      <p:grpSpPr>
-        <a:xfrm>
-          <a:off x="0" y="0"/>
-          <a:ext cx="0" cy="0"/>
-          <a:chOff x="0" y="0"/>
-          <a:chExt cx="0" cy="0"/>
-        </a:xfrm>
-      </p:grpSpPr>
-      <p:sp>
-        <p:nvSpPr>
-          <p:cNvPr id="2" name="标题 1"/>
-          <p:cNvSpPr>
-            <a:spLocks noGrp="1"/>
-          </p:cNvSpPr>
-          <p:nvPr>
-            <p:ph type="title"/>
-          </p:nvPr>
-        </p:nvSpPr>
-        <p:spPr>
-          <a:xfrm>
-            <a:off x="457200" y="0"/>
-            <a:ext cx="8229600" cy="1143000"/>
-          </a:xfrm>
-        </p:spPr>
-        <p:txBody>
-          <a:bodyPr/>
-          <a:lstStyle/>
-          <a:p>
-            <a:r>
-              <a:rPr kumimoji="1" lang="en-US" altLang="zh-CN" dirty="0" smtClean="0"/>
-              <a:t>Android</a:t>
-            </a:r>
-            <a:r>
-              <a:rPr kumimoji="1" lang="zh-CN" altLang="en-US" dirty="0" smtClean="0"/>
-              <a:t>简介</a:t>
-            </a:r>
-            <a:endParaRPr kumimoji="1" lang="zh-CN" altLang="en-US" dirty="0"/>
-          </a:p>
-        </p:txBody>
-      </p:sp>
-      <p:pic>
-        <p:nvPicPr>
-          <p:cNvPr id="3" name="图片 2" descr="android-vs-ios.jpg"/>
-          <p:cNvPicPr>
-            <a:picLocks noChangeAspect="1"/>
-          </p:cNvPicPr>
-          <p:nvPr/>
-        </p:nvPicPr>
-        <p:blipFill>
-          <a:blip r:embed="rId2">
-            <a:extLst>
-              <a:ext uri="{28A0092B-C50C-407E-A947-70E740481C1C}">
-                <a14:useLocalDpi xmlns:a14="http://schemas.microsoft.com/office/drawing/2010/main" val="0"/>
-              </a:ext>
-            </a:extLst>
-          </a:blip>
-          <a:stretch>
-            <a:fillRect/>
-          </a:stretch>
-        </p:blipFill>
-        <p:spPr>
-          <a:xfrm>
-            <a:off x="0" y="1143000"/>
-            <a:ext cx="9144000" cy="5715000"/>
-          </a:xfrm>
-          <a:prstGeom prst="rect">
-            <a:avLst/>
-          </a:prstGeom>
-        </p:spPr>
-      </p:pic>
-    </p:spTree>
-    <p:extLst>
-      <p:ext uri="{BB962C8B-B14F-4D97-AF65-F5344CB8AC3E}">
-        <p14:creationId xmlns:p14="http://schemas.microsoft.com/office/powerpoint/2010/main" val="3896176279"/>
-      </p:ext>
-    </p:extLst>
-  </p:cSld>
-  <p:clrMapOvr>
-    <a:masterClrMapping/>
-  </p:clrMapOvr>
-</p:sld>
-</file>
-
-<file path=ppt/slides/slide3.xml><?xml version="1.0" encoding="utf-8"?>
-<p:sld xmlns:a="http://schemas.openxmlformats.org/drawingml/2006/main" xmlns:r="http://schemas.openxmlformats.org/officeDocument/2006/relationships" xmlns:p="http://schemas.openxmlformats.org/presentationml/2006/main">
-  <p:cSld>
-    <p:spTree>
-      <p:nvGrpSpPr>
-        <p:cNvPr id="1" name=""/>
-        <p:cNvGrpSpPr/>
-        <p:nvPr/>
-      </p:nvGrpSpPr>
-      <p:grpSpPr>
-        <a:xfrm>
-          <a:off x="0" y="0"/>
-          <a:ext cx="0" cy="0"/>
-          <a:chOff x="0" y="0"/>
-          <a:chExt cx="0" cy="0"/>
-        </a:xfrm>
-      </p:grpSpPr>
-      <p:pic>
-        <p:nvPicPr>
-          <p:cNvPr id="2" name="图片 1" descr="乔布斯1.jpg"/>
-          <p:cNvPicPr>
-            <a:picLocks noChangeAspect="1"/>
-          </p:cNvPicPr>
-          <p:nvPr/>
-        </p:nvPicPr>
-        <p:blipFill>
-          <a:blip r:embed="rId2">
-            <a:extLst>
-              <a:ext uri="{28A0092B-C50C-407E-A947-70E740481C1C}">
-                <a14:useLocalDpi xmlns:a14="http://schemas.microsoft.com/office/drawing/2010/main" val="0"/>
-              </a:ext>
-            </a:extLst>
-          </a:blip>
-          <a:stretch>
-            <a:fillRect/>
-          </a:stretch>
-        </p:blipFill>
-        <p:spPr>
-          <a:xfrm>
-            <a:off x="0" y="857250"/>
-            <a:ext cx="9144000" cy="5143500"/>
-          </a:xfrm>
-          <a:prstGeom prst="rect">
-            <a:avLst/>
-          </a:prstGeom>
-        </p:spPr>
-      </p:pic>
-    </p:spTree>
-    <p:extLst>
-      <p:ext uri="{BB962C8B-B14F-4D97-AF65-F5344CB8AC3E}">
-        <p14:creationId xmlns:p14="http://schemas.microsoft.com/office/powerpoint/2010/main" val="2535184019"/>
-      </p:ext>
-    </p:extLst>
-  </p:cSld>
-  <p:clrMapOvr>
-    <a:masterClrMapping/>
-  </p:clrMapOvr>
-</p:sld>
-</file>
-
-<file path=ppt/slides/slide4.xml><?xml version="1.0" encoding="utf-8"?>
-<p:sld xmlns:a="http://schemas.openxmlformats.org/drawingml/2006/main" xmlns:r="http://schemas.openxmlformats.org/officeDocument/2006/relationships" xmlns:p="http://schemas.openxmlformats.org/presentationml/2006/main">
-  <p:cSld>
-    <p:spTree>
-      <p:nvGrpSpPr>
-        <p:cNvPr id="1" name=""/>
-        <p:cNvGrpSpPr/>
-        <p:nvPr/>
-      </p:nvGrpSpPr>
-      <p:grpSpPr>
-        <a:xfrm>
-          <a:off x="0" y="0"/>
-          <a:ext cx="0" cy="0"/>
-          <a:chOff x="0" y="0"/>
-          <a:chExt cx="0" cy="0"/>
-        </a:xfrm>
-      </p:grpSpPr>
-      <p:pic>
-        <p:nvPicPr>
-          <p:cNvPr id="2" name="图片 1" descr="安迪鲁宾1.jpg"/>
-          <p:cNvPicPr>
-            <a:picLocks noChangeAspect="1"/>
-          </p:cNvPicPr>
-          <p:nvPr/>
-        </p:nvPicPr>
-        <p:blipFill>
-          <a:blip r:embed="rId2">
-            <a:extLst>
-              <a:ext uri="{28A0092B-C50C-407E-A947-70E740481C1C}">
-                <a14:useLocalDpi xmlns:a14="http://schemas.microsoft.com/office/drawing/2010/main" val="0"/>
-              </a:ext>
-            </a:extLst>
-          </a:blip>
-          <a:stretch>
-            <a:fillRect/>
-          </a:stretch>
-        </p:blipFill>
-        <p:spPr>
-          <a:xfrm>
-            <a:off x="0" y="1249680"/>
-            <a:ext cx="9144000" cy="5608320"/>
-          </a:xfrm>
-          <a:prstGeom prst="rect">
-            <a:avLst/>
-          </a:prstGeom>
-        </p:spPr>
-      </p:pic>
-      <p:sp>
-        <p:nvSpPr>
-          <p:cNvPr id="5" name="文本框 4"/>
-          <p:cNvSpPr txBox="1"/>
-          <p:nvPr/>
-        </p:nvSpPr>
-        <p:spPr>
-          <a:xfrm>
-            <a:off x="759409" y="327351"/>
-            <a:ext cx="4700477" cy="369332"/>
-          </a:xfrm>
-          <a:prstGeom prst="rect">
-            <a:avLst/>
-          </a:prstGeom>
-          <a:noFill/>
-        </p:spPr>
-        <p:txBody>
-          <a:bodyPr wrap="square" rtlCol="0">
-            <a:spAutoFit/>
-          </a:bodyPr>
-          <a:lstStyle/>
-          <a:p>
-            <a:r>
-              <a:rPr kumimoji="1" lang="en-US" altLang="zh-CN" dirty="0" smtClean="0"/>
-              <a:t>Android</a:t>
-            </a:r>
-            <a:r>
-              <a:rPr kumimoji="1" lang="zh-CN" altLang="en-US" dirty="0" smtClean="0"/>
-              <a:t>创始人</a:t>
-            </a:r>
-            <a:r>
-              <a:rPr kumimoji="1" lang="en-US" altLang="zh-CN" dirty="0" smtClean="0"/>
-              <a:t>Andy Rubin</a:t>
-            </a:r>
-            <a:endParaRPr kumimoji="1" lang="zh-CN" altLang="en-US" dirty="0"/>
-          </a:p>
-        </p:txBody>
-      </p:sp>
-    </p:spTree>
-    <p:extLst>
-      <p:ext uri="{BB962C8B-B14F-4D97-AF65-F5344CB8AC3E}">
-        <p14:creationId xmlns:p14="http://schemas.microsoft.com/office/powerpoint/2010/main" val="573158232"/>
-      </p:ext>
-    </p:extLst>
-  </p:cSld>
-  <p:clrMapOvr>
-    <a:masterClrMapping/>
-  </p:clrMapOvr>
-</p:sld>
-</file>
-
-<file path=ppt/slides/slide5.xml><?xml version="1.0" encoding="utf-8"?>
 <p:sld xmlns:a="http://schemas.openxmlformats.org/drawingml/2006/main" xmlns:r="http://schemas.openxmlformats.org/officeDocument/2006/relationships" xmlns:p="http://schemas.openxmlformats.org/presentationml/2006/main">
   <p:cSld>
     <p:spTree>
@@ -3790,7 +4990,7 @@
 </p:sld>
 </file>
 
-<file path=ppt/slides/slide6.xml><?xml version="1.0" encoding="utf-8"?>
+<file path=ppt/slides/slide11.xml><?xml version="1.0" encoding="utf-8"?>
 <p:sld xmlns:a="http://schemas.openxmlformats.org/drawingml/2006/main" xmlns:r="http://schemas.openxmlformats.org/officeDocument/2006/relationships" xmlns:p="http://schemas.openxmlformats.org/presentationml/2006/main">
   <p:cSld>
     <p:spTree>
@@ -3861,11 +5061,7 @@
           <a:p>
             <a:r>
               <a:rPr kumimoji="1" lang="en-US" altLang="zh-CN" dirty="0" smtClean="0"/>
-              <a:t> </a:t>
-            </a:r>
-            <a:r>
-              <a:rPr kumimoji="1" lang="en-US" altLang="zh-CN" dirty="0" smtClean="0"/>
-              <a:t>Android</a:t>
+              <a:t> Android</a:t>
             </a:r>
             <a:r>
               <a:rPr kumimoji="1" lang="zh-CN" altLang="en-US" dirty="0" smtClean="0"/>
@@ -3995,7 +5191,7 @@
 </p:sld>
 </file>
 
-<file path=ppt/slides/slide7.xml><?xml version="1.0" encoding="utf-8"?>
+<file path=ppt/slides/slide12.xml><?xml version="1.0" encoding="utf-8"?>
 <p:sld xmlns:a="http://schemas.openxmlformats.org/drawingml/2006/main" xmlns:r="http://schemas.openxmlformats.org/officeDocument/2006/relationships" xmlns:p="http://schemas.openxmlformats.org/presentationml/2006/main">
   <p:cSld>
     <p:spTree>
@@ -4236,7 +5432,7 @@
 </p:sld>
 </file>
 
-<file path=ppt/slides/slide8.xml><?xml version="1.0" encoding="utf-8"?>
+<file path=ppt/slides/slide13.xml><?xml version="1.0" encoding="utf-8"?>
 <p:sld xmlns:a="http://schemas.openxmlformats.org/drawingml/2006/main" xmlns:r="http://schemas.openxmlformats.org/officeDocument/2006/relationships" xmlns:p="http://schemas.openxmlformats.org/presentationml/2006/main">
   <p:cSld>
     <p:spTree>
@@ -4328,7 +5524,7 @@
 </p:sld>
 </file>
 
-<file path=ppt/slides/slide9.xml><?xml version="1.0" encoding="utf-8"?>
+<file path=ppt/slides/slide14.xml><?xml version="1.0" encoding="utf-8"?>
 <p:sld xmlns:a="http://schemas.openxmlformats.org/drawingml/2006/main" xmlns:r="http://schemas.openxmlformats.org/officeDocument/2006/relationships" xmlns:p="http://schemas.openxmlformats.org/presentationml/2006/main">
   <p:cSld>
     <p:spTree>
@@ -4388,94 +5584,856 @@
 </p:sld>
 </file>
 
+<file path=ppt/slides/slide15.xml><?xml version="1.0" encoding="utf-8"?>
+<p:sld xmlns:a="http://schemas.openxmlformats.org/drawingml/2006/main" xmlns:r="http://schemas.openxmlformats.org/officeDocument/2006/relationships" xmlns:p="http://schemas.openxmlformats.org/presentationml/2006/main">
+  <p:cSld>
+    <p:spTree>
+      <p:nvGrpSpPr>
+        <p:cNvPr id="1" name=""/>
+        <p:cNvGrpSpPr/>
+        <p:nvPr/>
+      </p:nvGrpSpPr>
+      <p:grpSpPr>
+        <a:xfrm>
+          <a:off x="0" y="0"/>
+          <a:ext cx="0" cy="0"/>
+          <a:chOff x="0" y="0"/>
+          <a:chExt cx="0" cy="0"/>
+        </a:xfrm>
+      </p:grpSpPr>
+      <p:sp>
+        <p:nvSpPr>
+          <p:cNvPr id="3" name="内容占位符 2"/>
+          <p:cNvSpPr>
+            <a:spLocks noGrp="1"/>
+          </p:cNvSpPr>
+          <p:nvPr>
+            <p:ph idx="1"/>
+          </p:nvPr>
+        </p:nvSpPr>
+        <p:spPr>
+          <a:xfrm>
+            <a:off x="457200" y="497574"/>
+            <a:ext cx="8229600" cy="5145954"/>
+          </a:xfrm>
+        </p:spPr>
+        <p:txBody>
+          <a:bodyPr/>
+          <a:lstStyle/>
+          <a:p>
+            <a:pPr marL="0" indent="0">
+              <a:buNone/>
+            </a:pPr>
+            <a:r>
+              <a:rPr kumimoji="1" lang="en-US" altLang="zh-CN" dirty="0" smtClean="0"/>
+              <a:t>Android</a:t>
+            </a:r>
+            <a:r>
+              <a:rPr kumimoji="1" lang="zh-CN" altLang="en-US" dirty="0" smtClean="0"/>
+              <a:t>开发环境搭建</a:t>
+            </a:r>
+            <a:endParaRPr kumimoji="1" lang="en-US" altLang="zh-CN" dirty="0" smtClean="0"/>
+          </a:p>
+          <a:p>
+            <a:pPr marL="0" indent="0">
+              <a:buNone/>
+            </a:pPr>
+            <a:r>
+              <a:rPr kumimoji="1" lang="zh-CN" altLang="en-US" dirty="0" smtClean="0"/>
+              <a:t>安装</a:t>
+            </a:r>
+            <a:r>
+              <a:rPr kumimoji="1" lang="en-US" altLang="zh-CN" dirty="0"/>
+              <a:t>J</a:t>
+            </a:r>
+            <a:r>
+              <a:rPr kumimoji="1" lang="en-US" altLang="zh-CN" dirty="0" smtClean="0"/>
+              <a:t>DK1.7</a:t>
+            </a:r>
+            <a:r>
+              <a:rPr kumimoji="1" lang="zh-CN" altLang="en-US" dirty="0" smtClean="0"/>
+              <a:t> </a:t>
+            </a:r>
+            <a:endParaRPr kumimoji="1" lang="en-US" altLang="zh-CN" dirty="0" smtClean="0"/>
+          </a:p>
+          <a:p>
+            <a:pPr marL="0" indent="0">
+              <a:buNone/>
+            </a:pPr>
+            <a:r>
+              <a:rPr kumimoji="1" lang="zh-CN" altLang="en-US" dirty="0" smtClean="0"/>
+              <a:t>安装</a:t>
+            </a:r>
+            <a:r>
+              <a:rPr kumimoji="1" lang="en-US" altLang="zh-CN" dirty="0" smtClean="0"/>
+              <a:t>Android</a:t>
+            </a:r>
+            <a:r>
+              <a:rPr kumimoji="1" lang="zh-CN" altLang="en-US" dirty="0" smtClean="0"/>
+              <a:t> </a:t>
+            </a:r>
+            <a:r>
+              <a:rPr kumimoji="1" lang="en-US" altLang="zh-CN" dirty="0" smtClean="0"/>
+              <a:t>SDK</a:t>
+            </a:r>
+          </a:p>
+          <a:p>
+            <a:pPr marL="0" indent="0">
+              <a:buNone/>
+            </a:pPr>
+            <a:r>
+              <a:rPr kumimoji="1" lang="zh-CN" altLang="en-US" dirty="0" smtClean="0"/>
+              <a:t>安装</a:t>
+            </a:r>
+            <a:r>
+              <a:rPr kumimoji="1" lang="en-US" altLang="zh-CN" dirty="0" smtClean="0"/>
+              <a:t>Android Studio</a:t>
+            </a:r>
+          </a:p>
+          <a:p>
+            <a:pPr marL="0" indent="0">
+              <a:buNone/>
+            </a:pPr>
+            <a:endParaRPr kumimoji="1" lang="en-US" altLang="zh-CN" dirty="0" smtClean="0"/>
+          </a:p>
+          <a:p>
+            <a:pPr marL="0" indent="0">
+              <a:buNone/>
+            </a:pPr>
+            <a:r>
+              <a:rPr kumimoji="1" lang="zh-CN" altLang="en-US" dirty="0" smtClean="0"/>
+              <a:t>更多可见：</a:t>
+            </a:r>
+            <a:endParaRPr kumimoji="1" lang="en-US" altLang="zh-CN" dirty="0" smtClean="0"/>
+          </a:p>
+          <a:p>
+            <a:pPr marL="0" indent="0">
+              <a:buNone/>
+            </a:pPr>
+            <a:r>
+              <a:rPr kumimoji="1" lang="en-US" altLang="zh-CN" dirty="0" smtClean="0">
+                <a:hlinkClick r:id="rId2"/>
+              </a:rPr>
+              <a:t>http://</a:t>
+            </a:r>
+            <a:r>
+              <a:rPr kumimoji="1" lang="en-US" altLang="zh-CN" dirty="0" err="1" smtClean="0">
+                <a:hlinkClick r:id="rId2"/>
+              </a:rPr>
+              <a:t>developer.android.com</a:t>
+            </a:r>
+            <a:r>
+              <a:rPr kumimoji="1" lang="en-US" altLang="zh-CN" dirty="0" smtClean="0">
+                <a:hlinkClick r:id="rId2"/>
+              </a:rPr>
+              <a:t>/</a:t>
+            </a:r>
+            <a:r>
+              <a:rPr kumimoji="1" lang="en-US" altLang="zh-CN" dirty="0" err="1" smtClean="0">
+                <a:hlinkClick r:id="rId2"/>
+              </a:rPr>
+              <a:t>sdk</a:t>
+            </a:r>
+            <a:r>
+              <a:rPr kumimoji="1" lang="en-US" altLang="zh-CN" dirty="0" smtClean="0">
+                <a:hlinkClick r:id="rId2"/>
+              </a:rPr>
+              <a:t>/</a:t>
+            </a:r>
+            <a:r>
+              <a:rPr kumimoji="1" lang="en-US" altLang="zh-CN" dirty="0" err="1" smtClean="0">
+                <a:hlinkClick r:id="rId2"/>
+              </a:rPr>
+              <a:t>index.html</a:t>
+            </a:r>
+            <a:endParaRPr kumimoji="1" lang="en-US" altLang="zh-CN" dirty="0"/>
+          </a:p>
+          <a:p>
+            <a:pPr marL="0" indent="0">
+              <a:buNone/>
+            </a:pPr>
+            <a:endParaRPr kumimoji="1" lang="zh-CN" altLang="en-US" dirty="0"/>
+          </a:p>
+        </p:txBody>
+      </p:sp>
+    </p:spTree>
+    <p:extLst>
+      <p:ext uri="{BB962C8B-B14F-4D97-AF65-F5344CB8AC3E}">
+        <p14:creationId xmlns:p14="http://schemas.microsoft.com/office/powerpoint/2010/main" val="4187089169"/>
+      </p:ext>
+    </p:extLst>
+  </p:cSld>
+  <p:clrMapOvr>
+    <a:masterClrMapping/>
+  </p:clrMapOvr>
+</p:sld>
+</file>
+
+<file path=ppt/slides/slide16.xml><?xml version="1.0" encoding="utf-8"?>
+<p:sld xmlns:a="http://schemas.openxmlformats.org/drawingml/2006/main" xmlns:r="http://schemas.openxmlformats.org/officeDocument/2006/relationships" xmlns:p="http://schemas.openxmlformats.org/presentationml/2006/main">
+  <p:cSld>
+    <p:spTree>
+      <p:nvGrpSpPr>
+        <p:cNvPr id="1" name=""/>
+        <p:cNvGrpSpPr/>
+        <p:nvPr/>
+      </p:nvGrpSpPr>
+      <p:grpSpPr>
+        <a:xfrm>
+          <a:off x="0" y="0"/>
+          <a:ext cx="0" cy="0"/>
+          <a:chOff x="0" y="0"/>
+          <a:chExt cx="0" cy="0"/>
+        </a:xfrm>
+      </p:grpSpPr>
+      <p:sp>
+        <p:nvSpPr>
+          <p:cNvPr id="2" name="标题 1"/>
+          <p:cNvSpPr>
+            <a:spLocks noGrp="1"/>
+          </p:cNvSpPr>
+          <p:nvPr>
+            <p:ph type="title"/>
+          </p:nvPr>
+        </p:nvSpPr>
+        <p:spPr/>
+        <p:txBody>
+          <a:bodyPr/>
+          <a:lstStyle/>
+          <a:p>
+            <a:r>
+              <a:rPr kumimoji="1" lang="en-US" altLang="zh-CN" dirty="0" smtClean="0"/>
+              <a:t>Android</a:t>
+            </a:r>
+            <a:r>
+              <a:rPr kumimoji="1" lang="zh-CN" altLang="en-US" dirty="0" smtClean="0"/>
+              <a:t>开发实例之微信首页</a:t>
+            </a:r>
+            <a:endParaRPr kumimoji="1" lang="zh-CN" altLang="en-US" dirty="0"/>
+          </a:p>
+        </p:txBody>
+      </p:sp>
+    </p:spTree>
+    <p:extLst>
+      <p:ext uri="{BB962C8B-B14F-4D97-AF65-F5344CB8AC3E}">
+        <p14:creationId xmlns:p14="http://schemas.microsoft.com/office/powerpoint/2010/main" val="1841342746"/>
+      </p:ext>
+    </p:extLst>
+  </p:cSld>
+  <p:clrMapOvr>
+    <a:masterClrMapping/>
+  </p:clrMapOvr>
+</p:sld>
+</file>
+
+<file path=ppt/slides/slide2.xml><?xml version="1.0" encoding="utf-8"?>
+<p:sld xmlns:a="http://schemas.openxmlformats.org/drawingml/2006/main" xmlns:r="http://schemas.openxmlformats.org/officeDocument/2006/relationships" xmlns:p="http://schemas.openxmlformats.org/presentationml/2006/main">
+  <p:cSld>
+    <p:spTree>
+      <p:nvGrpSpPr>
+        <p:cNvPr id="1" name=""/>
+        <p:cNvGrpSpPr/>
+        <p:nvPr/>
+      </p:nvGrpSpPr>
+      <p:grpSpPr>
+        <a:xfrm>
+          <a:off x="0" y="0"/>
+          <a:ext cx="0" cy="0"/>
+          <a:chOff x="0" y="0"/>
+          <a:chExt cx="0" cy="0"/>
+        </a:xfrm>
+      </p:grpSpPr>
+      <p:sp>
+        <p:nvSpPr>
+          <p:cNvPr id="2" name="标题 1"/>
+          <p:cNvSpPr>
+            <a:spLocks noGrp="1"/>
+          </p:cNvSpPr>
+          <p:nvPr>
+            <p:ph type="title"/>
+          </p:nvPr>
+        </p:nvSpPr>
+        <p:spPr/>
+        <p:txBody>
+          <a:bodyPr/>
+          <a:lstStyle/>
+          <a:p>
+            <a:endParaRPr kumimoji="1" lang="zh-CN" altLang="en-US"/>
+          </a:p>
+        </p:txBody>
+      </p:sp>
+      <p:sp>
+        <p:nvSpPr>
+          <p:cNvPr id="3" name="内容占位符 2"/>
+          <p:cNvSpPr>
+            <a:spLocks noGrp="1"/>
+          </p:cNvSpPr>
+          <p:nvPr>
+            <p:ph idx="1"/>
+          </p:nvPr>
+        </p:nvSpPr>
+        <p:spPr/>
+        <p:txBody>
+          <a:bodyPr/>
+          <a:lstStyle/>
+          <a:p>
+            <a:endParaRPr kumimoji="1" lang="zh-CN" altLang="en-US"/>
+          </a:p>
+        </p:txBody>
+      </p:sp>
+    </p:spTree>
+    <p:extLst>
+      <p:ext uri="{BB962C8B-B14F-4D97-AF65-F5344CB8AC3E}">
+        <p14:creationId xmlns:p14="http://schemas.microsoft.com/office/powerpoint/2010/main" val="1307591792"/>
+      </p:ext>
+    </p:extLst>
+  </p:cSld>
+  <p:clrMapOvr>
+    <a:masterClrMapping/>
+  </p:clrMapOvr>
+</p:sld>
+</file>
+
+<file path=ppt/slides/slide3.xml><?xml version="1.0" encoding="utf-8"?>
+<p:sld xmlns:a="http://schemas.openxmlformats.org/drawingml/2006/main" xmlns:r="http://schemas.openxmlformats.org/officeDocument/2006/relationships" xmlns:p="http://schemas.openxmlformats.org/presentationml/2006/main">
+  <p:cSld>
+    <p:spTree>
+      <p:nvGrpSpPr>
+        <p:cNvPr id="1" name=""/>
+        <p:cNvGrpSpPr/>
+        <p:nvPr/>
+      </p:nvGrpSpPr>
+      <p:grpSpPr>
+        <a:xfrm>
+          <a:off x="0" y="0"/>
+          <a:ext cx="0" cy="0"/>
+          <a:chOff x="0" y="0"/>
+          <a:chExt cx="0" cy="0"/>
+        </a:xfrm>
+      </p:grpSpPr>
+      <p:sp>
+        <p:nvSpPr>
+          <p:cNvPr id="2" name="标题 1"/>
+          <p:cNvSpPr>
+            <a:spLocks noGrp="1"/>
+          </p:cNvSpPr>
+          <p:nvPr>
+            <p:ph type="title"/>
+          </p:nvPr>
+        </p:nvSpPr>
+        <p:spPr/>
+        <p:txBody>
+          <a:bodyPr/>
+          <a:lstStyle/>
+          <a:p>
+            <a:endParaRPr kumimoji="1" lang="zh-CN" altLang="en-US"/>
+          </a:p>
+        </p:txBody>
+      </p:sp>
+    </p:spTree>
+    <p:extLst>
+      <p:ext uri="{BB962C8B-B14F-4D97-AF65-F5344CB8AC3E}">
+        <p14:creationId xmlns:p14="http://schemas.microsoft.com/office/powerpoint/2010/main" val="1549065778"/>
+      </p:ext>
+    </p:extLst>
+  </p:cSld>
+  <p:clrMapOvr>
+    <a:masterClrMapping/>
+  </p:clrMapOvr>
+</p:sld>
+</file>
+
+<file path=ppt/slides/slide4.xml><?xml version="1.0" encoding="utf-8"?>
+<p:sld xmlns:a="http://schemas.openxmlformats.org/drawingml/2006/main" xmlns:r="http://schemas.openxmlformats.org/officeDocument/2006/relationships" xmlns:p="http://schemas.openxmlformats.org/presentationml/2006/main">
+  <p:cSld>
+    <p:spTree>
+      <p:nvGrpSpPr>
+        <p:cNvPr id="1" name=""/>
+        <p:cNvGrpSpPr/>
+        <p:nvPr/>
+      </p:nvGrpSpPr>
+      <p:grpSpPr>
+        <a:xfrm>
+          <a:off x="0" y="0"/>
+          <a:ext cx="0" cy="0"/>
+          <a:chOff x="0" y="0"/>
+          <a:chExt cx="0" cy="0"/>
+        </a:xfrm>
+      </p:grpSpPr>
+      <p:sp>
+        <p:nvSpPr>
+          <p:cNvPr id="2" name="标题 1"/>
+          <p:cNvSpPr>
+            <a:spLocks noGrp="1"/>
+          </p:cNvSpPr>
+          <p:nvPr>
+            <p:ph type="title"/>
+          </p:nvPr>
+        </p:nvSpPr>
+        <p:spPr/>
+        <p:txBody>
+          <a:bodyPr/>
+          <a:lstStyle/>
+          <a:p>
+            <a:endParaRPr kumimoji="1" lang="zh-CN" altLang="en-US" dirty="0"/>
+          </a:p>
+        </p:txBody>
+      </p:sp>
+    </p:spTree>
+    <p:extLst>
+      <p:ext uri="{BB962C8B-B14F-4D97-AF65-F5344CB8AC3E}">
+        <p14:creationId xmlns:p14="http://schemas.microsoft.com/office/powerpoint/2010/main" val="1297549704"/>
+      </p:ext>
+    </p:extLst>
+  </p:cSld>
+  <p:clrMapOvr>
+    <a:masterClrMapping/>
+  </p:clrMapOvr>
+</p:sld>
+</file>
+
+<file path=ppt/slides/slide5.xml><?xml version="1.0" encoding="utf-8"?>
+<p:sld xmlns:a="http://schemas.openxmlformats.org/drawingml/2006/main" xmlns:r="http://schemas.openxmlformats.org/officeDocument/2006/relationships" xmlns:p="http://schemas.openxmlformats.org/presentationml/2006/main">
+  <p:cSld>
+    <p:spTree>
+      <p:nvGrpSpPr>
+        <p:cNvPr id="1" name=""/>
+        <p:cNvGrpSpPr/>
+        <p:nvPr/>
+      </p:nvGrpSpPr>
+      <p:grpSpPr>
+        <a:xfrm>
+          <a:off x="0" y="0"/>
+          <a:ext cx="0" cy="0"/>
+          <a:chOff x="0" y="0"/>
+          <a:chExt cx="0" cy="0"/>
+        </a:xfrm>
+      </p:grpSpPr>
+      <p:sp>
+        <p:nvSpPr>
+          <p:cNvPr id="2" name="标题 1"/>
+          <p:cNvSpPr>
+            <a:spLocks noGrp="1"/>
+          </p:cNvSpPr>
+          <p:nvPr>
+            <p:ph type="title"/>
+          </p:nvPr>
+        </p:nvSpPr>
+        <p:spPr/>
+        <p:txBody>
+          <a:bodyPr/>
+          <a:lstStyle/>
+          <a:p>
+            <a:endParaRPr kumimoji="1" lang="zh-CN" altLang="en-US" dirty="0"/>
+          </a:p>
+        </p:txBody>
+      </p:sp>
+      <p:pic>
+        <p:nvPicPr>
+          <p:cNvPr id="4" name="图片 3" descr="2.jpg"/>
+          <p:cNvPicPr>
+            <a:picLocks noChangeAspect="1"/>
+          </p:cNvPicPr>
+          <p:nvPr/>
+        </p:nvPicPr>
+        <p:blipFill>
+          <a:blip r:embed="rId2">
+            <a:extLst>
+              <a:ext uri="{28A0092B-C50C-407E-A947-70E740481C1C}">
+                <a14:useLocalDpi xmlns:a14="http://schemas.microsoft.com/office/drawing/2010/main" val="0"/>
+              </a:ext>
+            </a:extLst>
+          </a:blip>
+          <a:stretch>
+            <a:fillRect/>
+          </a:stretch>
+        </p:blipFill>
+        <p:spPr>
+          <a:xfrm>
+            <a:off x="0" y="1714500"/>
+            <a:ext cx="9144000" cy="5143500"/>
+          </a:xfrm>
+          <a:prstGeom prst="rect">
+            <a:avLst/>
+          </a:prstGeom>
+        </p:spPr>
+      </p:pic>
+    </p:spTree>
+    <p:extLst>
+      <p:ext uri="{BB962C8B-B14F-4D97-AF65-F5344CB8AC3E}">
+        <p14:creationId xmlns:p14="http://schemas.microsoft.com/office/powerpoint/2010/main" val="3859336806"/>
+      </p:ext>
+    </p:extLst>
+  </p:cSld>
+  <p:clrMapOvr>
+    <a:masterClrMapping/>
+  </p:clrMapOvr>
+</p:sld>
+</file>
+
+<file path=ppt/slides/slide6.xml><?xml version="1.0" encoding="utf-8"?>
+<p:sld xmlns:a="http://schemas.openxmlformats.org/drawingml/2006/main" xmlns:r="http://schemas.openxmlformats.org/officeDocument/2006/relationships" xmlns:p="http://schemas.openxmlformats.org/presentationml/2006/main">
+  <p:cSld>
+    <p:spTree>
+      <p:nvGrpSpPr>
+        <p:cNvPr id="1" name=""/>
+        <p:cNvGrpSpPr/>
+        <p:nvPr/>
+      </p:nvGrpSpPr>
+      <p:grpSpPr>
+        <a:xfrm>
+          <a:off x="0" y="0"/>
+          <a:ext cx="0" cy="0"/>
+          <a:chOff x="0" y="0"/>
+          <a:chExt cx="0" cy="0"/>
+        </a:xfrm>
+      </p:grpSpPr>
+      <p:pic>
+        <p:nvPicPr>
+          <p:cNvPr id="2" name="图片 1" descr="android-ios.jpg"/>
+          <p:cNvPicPr>
+            <a:picLocks noChangeAspect="1"/>
+          </p:cNvPicPr>
+          <p:nvPr/>
+        </p:nvPicPr>
+        <p:blipFill>
+          <a:blip r:embed="rId2">
+            <a:extLst>
+              <a:ext uri="{28A0092B-C50C-407E-A947-70E740481C1C}">
+                <a14:useLocalDpi xmlns:a14="http://schemas.microsoft.com/office/drawing/2010/main" val="0"/>
+              </a:ext>
+            </a:extLst>
+          </a:blip>
+          <a:stretch>
+            <a:fillRect/>
+          </a:stretch>
+        </p:blipFill>
+        <p:spPr>
+          <a:xfrm>
+            <a:off x="0" y="928858"/>
+            <a:ext cx="9144000" cy="5143500"/>
+          </a:xfrm>
+          <a:prstGeom prst="rect">
+            <a:avLst/>
+          </a:prstGeom>
+        </p:spPr>
+      </p:pic>
+    </p:spTree>
+    <p:extLst>
+      <p:ext uri="{BB962C8B-B14F-4D97-AF65-F5344CB8AC3E}">
+        <p14:creationId xmlns:p14="http://schemas.microsoft.com/office/powerpoint/2010/main" val="167508797"/>
+      </p:ext>
+    </p:extLst>
+  </p:cSld>
+  <p:clrMapOvr>
+    <a:masterClrMapping/>
+  </p:clrMapOvr>
+</p:sld>
+</file>
+
+<file path=ppt/slides/slide7.xml><?xml version="1.0" encoding="utf-8"?>
+<p:sld xmlns:a="http://schemas.openxmlformats.org/drawingml/2006/main" xmlns:r="http://schemas.openxmlformats.org/officeDocument/2006/relationships" xmlns:p="http://schemas.openxmlformats.org/presentationml/2006/main">
+  <p:cSld>
+    <p:spTree>
+      <p:nvGrpSpPr>
+        <p:cNvPr id="1" name=""/>
+        <p:cNvGrpSpPr/>
+        <p:nvPr/>
+      </p:nvGrpSpPr>
+      <p:grpSpPr>
+        <a:xfrm>
+          <a:off x="0" y="0"/>
+          <a:ext cx="0" cy="0"/>
+          <a:chOff x="0" y="0"/>
+          <a:chExt cx="0" cy="0"/>
+        </a:xfrm>
+      </p:grpSpPr>
+      <p:sp>
+        <p:nvSpPr>
+          <p:cNvPr id="2" name="标题 1"/>
+          <p:cNvSpPr>
+            <a:spLocks noGrp="1"/>
+          </p:cNvSpPr>
+          <p:nvPr>
+            <p:ph type="title"/>
+          </p:nvPr>
+        </p:nvSpPr>
+        <p:spPr>
+          <a:xfrm>
+            <a:off x="457200" y="0"/>
+            <a:ext cx="8229600" cy="1143000"/>
+          </a:xfrm>
+        </p:spPr>
+        <p:txBody>
+          <a:bodyPr/>
+          <a:lstStyle/>
+          <a:p>
+            <a:r>
+              <a:rPr kumimoji="1" lang="en-US" altLang="zh-CN" dirty="0" smtClean="0"/>
+              <a:t>Android</a:t>
+            </a:r>
+            <a:r>
+              <a:rPr kumimoji="1" lang="zh-CN" altLang="en-US" dirty="0" smtClean="0"/>
+              <a:t>简介</a:t>
+            </a:r>
+            <a:endParaRPr kumimoji="1" lang="zh-CN" altLang="en-US" dirty="0"/>
+          </a:p>
+        </p:txBody>
+      </p:sp>
+      <p:pic>
+        <p:nvPicPr>
+          <p:cNvPr id="3" name="图片 2" descr="android-vs-ios.jpg"/>
+          <p:cNvPicPr>
+            <a:picLocks noChangeAspect="1"/>
+          </p:cNvPicPr>
+          <p:nvPr/>
+        </p:nvPicPr>
+        <p:blipFill>
+          <a:blip r:embed="rId2">
+            <a:extLst>
+              <a:ext uri="{28A0092B-C50C-407E-A947-70E740481C1C}">
+                <a14:useLocalDpi xmlns:a14="http://schemas.microsoft.com/office/drawing/2010/main" val="0"/>
+              </a:ext>
+            </a:extLst>
+          </a:blip>
+          <a:stretch>
+            <a:fillRect/>
+          </a:stretch>
+        </p:blipFill>
+        <p:spPr>
+          <a:xfrm>
+            <a:off x="0" y="1143000"/>
+            <a:ext cx="9144000" cy="5715000"/>
+          </a:xfrm>
+          <a:prstGeom prst="rect">
+            <a:avLst/>
+          </a:prstGeom>
+        </p:spPr>
+      </p:pic>
+    </p:spTree>
+    <p:extLst>
+      <p:ext uri="{BB962C8B-B14F-4D97-AF65-F5344CB8AC3E}">
+        <p14:creationId xmlns:p14="http://schemas.microsoft.com/office/powerpoint/2010/main" val="3896176279"/>
+      </p:ext>
+    </p:extLst>
+  </p:cSld>
+  <p:clrMapOvr>
+    <a:masterClrMapping/>
+  </p:clrMapOvr>
+</p:sld>
+</file>
+
+<file path=ppt/slides/slide8.xml><?xml version="1.0" encoding="utf-8"?>
+<p:sld xmlns:a="http://schemas.openxmlformats.org/drawingml/2006/main" xmlns:r="http://schemas.openxmlformats.org/officeDocument/2006/relationships" xmlns:p="http://schemas.openxmlformats.org/presentationml/2006/main">
+  <p:cSld>
+    <p:spTree>
+      <p:nvGrpSpPr>
+        <p:cNvPr id="1" name=""/>
+        <p:cNvGrpSpPr/>
+        <p:nvPr/>
+      </p:nvGrpSpPr>
+      <p:grpSpPr>
+        <a:xfrm>
+          <a:off x="0" y="0"/>
+          <a:ext cx="0" cy="0"/>
+          <a:chOff x="0" y="0"/>
+          <a:chExt cx="0" cy="0"/>
+        </a:xfrm>
+      </p:grpSpPr>
+      <p:pic>
+        <p:nvPicPr>
+          <p:cNvPr id="2" name="图片 1" descr="乔布斯1.jpg"/>
+          <p:cNvPicPr>
+            <a:picLocks noChangeAspect="1"/>
+          </p:cNvPicPr>
+          <p:nvPr/>
+        </p:nvPicPr>
+        <p:blipFill>
+          <a:blip r:embed="rId2">
+            <a:extLst>
+              <a:ext uri="{28A0092B-C50C-407E-A947-70E740481C1C}">
+                <a14:useLocalDpi xmlns:a14="http://schemas.microsoft.com/office/drawing/2010/main" val="0"/>
+              </a:ext>
+            </a:extLst>
+          </a:blip>
+          <a:stretch>
+            <a:fillRect/>
+          </a:stretch>
+        </p:blipFill>
+        <p:spPr>
+          <a:xfrm>
+            <a:off x="0" y="857250"/>
+            <a:ext cx="9144000" cy="5143500"/>
+          </a:xfrm>
+          <a:prstGeom prst="rect">
+            <a:avLst/>
+          </a:prstGeom>
+        </p:spPr>
+      </p:pic>
+    </p:spTree>
+    <p:extLst>
+      <p:ext uri="{BB962C8B-B14F-4D97-AF65-F5344CB8AC3E}">
+        <p14:creationId xmlns:p14="http://schemas.microsoft.com/office/powerpoint/2010/main" val="2535184019"/>
+      </p:ext>
+    </p:extLst>
+  </p:cSld>
+  <p:clrMapOvr>
+    <a:masterClrMapping/>
+  </p:clrMapOvr>
+</p:sld>
+</file>
+
+<file path=ppt/slides/slide9.xml><?xml version="1.0" encoding="utf-8"?>
+<p:sld xmlns:a="http://schemas.openxmlformats.org/drawingml/2006/main" xmlns:r="http://schemas.openxmlformats.org/officeDocument/2006/relationships" xmlns:p="http://schemas.openxmlformats.org/presentationml/2006/main">
+  <p:cSld>
+    <p:spTree>
+      <p:nvGrpSpPr>
+        <p:cNvPr id="1" name=""/>
+        <p:cNvGrpSpPr/>
+        <p:nvPr/>
+      </p:nvGrpSpPr>
+      <p:grpSpPr>
+        <a:xfrm>
+          <a:off x="0" y="0"/>
+          <a:ext cx="0" cy="0"/>
+          <a:chOff x="0" y="0"/>
+          <a:chExt cx="0" cy="0"/>
+        </a:xfrm>
+      </p:grpSpPr>
+      <p:pic>
+        <p:nvPicPr>
+          <p:cNvPr id="2" name="图片 1" descr="安迪鲁宾1.jpg"/>
+          <p:cNvPicPr>
+            <a:picLocks noChangeAspect="1"/>
+          </p:cNvPicPr>
+          <p:nvPr/>
+        </p:nvPicPr>
+        <p:blipFill>
+          <a:blip r:embed="rId2">
+            <a:extLst>
+              <a:ext uri="{28A0092B-C50C-407E-A947-70E740481C1C}">
+                <a14:useLocalDpi xmlns:a14="http://schemas.microsoft.com/office/drawing/2010/main" val="0"/>
+              </a:ext>
+            </a:extLst>
+          </a:blip>
+          <a:stretch>
+            <a:fillRect/>
+          </a:stretch>
+        </p:blipFill>
+        <p:spPr>
+          <a:xfrm>
+            <a:off x="0" y="1249680"/>
+            <a:ext cx="9144000" cy="5608320"/>
+          </a:xfrm>
+          <a:prstGeom prst="rect">
+            <a:avLst/>
+          </a:prstGeom>
+        </p:spPr>
+      </p:pic>
+      <p:sp>
+        <p:nvSpPr>
+          <p:cNvPr id="5" name="文本框 4"/>
+          <p:cNvSpPr txBox="1"/>
+          <p:nvPr/>
+        </p:nvSpPr>
+        <p:spPr>
+          <a:xfrm>
+            <a:off x="759409" y="327351"/>
+            <a:ext cx="4700477" cy="369332"/>
+          </a:xfrm>
+          <a:prstGeom prst="rect">
+            <a:avLst/>
+          </a:prstGeom>
+          <a:noFill/>
+        </p:spPr>
+        <p:txBody>
+          <a:bodyPr wrap="square" rtlCol="0">
+            <a:spAutoFit/>
+          </a:bodyPr>
+          <a:lstStyle/>
+          <a:p>
+            <a:r>
+              <a:rPr kumimoji="1" lang="en-US" altLang="zh-CN" dirty="0" smtClean="0"/>
+              <a:t>Android</a:t>
+            </a:r>
+            <a:r>
+              <a:rPr kumimoji="1" lang="zh-CN" altLang="en-US" dirty="0" smtClean="0"/>
+              <a:t>创始人</a:t>
+            </a:r>
+            <a:r>
+              <a:rPr kumimoji="1" lang="en-US" altLang="zh-CN" dirty="0" smtClean="0"/>
+              <a:t>Andy Rubin</a:t>
+            </a:r>
+            <a:endParaRPr kumimoji="1" lang="zh-CN" altLang="en-US" dirty="0"/>
+          </a:p>
+        </p:txBody>
+      </p:sp>
+    </p:spTree>
+    <p:extLst>
+      <p:ext uri="{BB962C8B-B14F-4D97-AF65-F5344CB8AC3E}">
+        <p14:creationId xmlns:p14="http://schemas.microsoft.com/office/powerpoint/2010/main" val="573158232"/>
+      </p:ext>
+    </p:extLst>
+  </p:cSld>
+  <p:clrMapOvr>
+    <a:masterClrMapping/>
+  </p:clrMapOvr>
+</p:sld>
+</file>
+
 <file path=ppt/theme/theme1.xml><?xml version="1.0" encoding="utf-8"?>
-<a:theme xmlns:a="http://schemas.openxmlformats.org/drawingml/2006/main" name="Office 主题">
+<a:theme xmlns:a="http://schemas.openxmlformats.org/drawingml/2006/main" name="角度">
   <a:themeElements>
-    <a:clrScheme name="办公室">
+    <a:clrScheme name="角度">
       <a:dk1>
-        <a:sysClr val="windowText" lastClr="000000"/>
+        <a:srgbClr val="000000"/>
       </a:dk1>
       <a:lt1>
-        <a:sysClr val="window" lastClr="FFFFFF"/>
+        <a:srgbClr val="FFFFFF"/>
       </a:lt1>
       <a:dk2>
-        <a:srgbClr val="1F497D"/>
+        <a:srgbClr val="434342"/>
       </a:dk2>
       <a:lt2>
-        <a:srgbClr val="EEECE1"/>
+        <a:srgbClr val="CDD7D9"/>
       </a:lt2>
       <a:accent1>
-        <a:srgbClr val="4F81BD"/>
+        <a:srgbClr val="797B7E"/>
       </a:accent1>
       <a:accent2>
-        <a:srgbClr val="C0504D"/>
+        <a:srgbClr val="F96A1B"/>
       </a:accent2>
       <a:accent3>
-        <a:srgbClr val="9BBB59"/>
+        <a:srgbClr val="08A1D9"/>
       </a:accent3>
       <a:accent4>
-        <a:srgbClr val="8064A2"/>
+        <a:srgbClr val="7C984A"/>
       </a:accent4>
       <a:accent5>
-        <a:srgbClr val="4BACC6"/>
+        <a:srgbClr val="C2AD8D"/>
       </a:accent5>
       <a:accent6>
-        <a:srgbClr val="F79646"/>
+        <a:srgbClr val="506E94"/>
       </a:accent6>
       <a:hlink>
-        <a:srgbClr val="0000FF"/>
+        <a:srgbClr val="5F5F5F"/>
       </a:hlink>
       <a:folHlink>
-        <a:srgbClr val="800080"/>
+        <a:srgbClr val="969696"/>
       </a:folHlink>
     </a:clrScheme>
-    <a:fontScheme name="办公室">
+    <a:fontScheme name="角度">
       <a:majorFont>
-        <a:latin typeface="Calibri"/>
+        <a:latin typeface="Franklin Gothic Medium"/>
         <a:ea typeface=""/>
         <a:cs typeface=""/>
-        <a:font script="Jpan" typeface="ＭＳ Ｐゴシック"/>
-        <a:font script="Hang" typeface="맑은 고딕"/>
-        <a:font script="Hans" typeface="宋体"/>
-        <a:font script="Hant" typeface="新細明體"/>
-        <a:font script="Arab" typeface="Times New Roman"/>
-        <a:font script="Hebr" typeface="Times New Roman"/>
-        <a:font script="Thai" typeface="Angsana New"/>
-        <a:font script="Ethi" typeface="Nyala"/>
-        <a:font script="Beng" typeface="Vrinda"/>
-        <a:font script="Gujr" typeface="Shruti"/>
-        <a:font script="Khmr" typeface="MoolBoran"/>
-        <a:font script="Knda" typeface="Tunga"/>
-        <a:font script="Guru" typeface="Raavi"/>
-        <a:font script="Cans" typeface="Euphemia"/>
-        <a:font script="Cher" typeface="Plantagenet Cherokee"/>
-        <a:font script="Yiii" typeface="Microsoft Yi Baiti"/>
-        <a:font script="Tibt" typeface="Microsoft Himalaya"/>
-        <a:font script="Thaa" typeface="MV Boli"/>
-        <a:font script="Deva" typeface="Mangal"/>
-        <a:font script="Telu" typeface="Gautami"/>
-        <a:font script="Taml" typeface="Latha"/>
-        <a:font script="Syrc" typeface="Estrangelo Edessa"/>
-        <a:font script="Orya" typeface="Kalinga"/>
-        <a:font script="Mlym" typeface="Kartika"/>
-        <a:font script="Laoo" typeface="DokChampa"/>
-        <a:font script="Sinh" typeface="Iskoola Pota"/>
-        <a:font script="Mong" typeface="Mongolian Baiti"/>
-        <a:font script="Viet" typeface="Times New Roman"/>
-        <a:font script="Uigh" typeface="Microsoft Uighur"/>
-        <a:font script="Geor" typeface="Sylfaen"/>
-      </a:majorFont>
-      <a:minorFont>
-        <a:latin typeface="Calibri"/>
-        <a:ea typeface=""/>
-        <a:cs typeface=""/>
-        <a:font script="Jpan" typeface="ＭＳ Ｐゴシック"/>
-        <a:font script="Hang" typeface="맑은 고딕"/>
-        <a:font script="Hans" typeface="宋体"/>
-        <a:font script="Hant" typeface="新細明體"/>
-        <a:font script="Arab" typeface="Arial"/>
-        <a:font script="Hebr" typeface="Arial"/>
-        <a:font script="Thai" typeface="Cordia New"/>
+        <a:font script="Jpan" typeface="HG創英角ｺﾞｼｯｸUB"/>
+        <a:font script="Hang" typeface="돋움"/>
+        <a:font script="Hans" typeface="微软雅黑"/>
+        <a:font script="Hant" typeface="微軟正黑體"/>
+        <a:font script="Arab" typeface="Tahoma"/>
+        <a:font script="Hebr" typeface="Aharoni"/>
+        <a:font script="Thai" typeface="LilyUPC"/>
         <a:font script="Ethi" typeface="Nyala"/>
         <a:font script="Beng" typeface="Vrinda"/>
         <a:font script="Gujr" typeface="Shruti"/>
@@ -4499,9 +6457,44 @@
         <a:font script="Viet" typeface="Arial"/>
         <a:font script="Uigh" typeface="Microsoft Uighur"/>
         <a:font script="Geor" typeface="Sylfaen"/>
+      </a:majorFont>
+      <a:minorFont>
+        <a:latin typeface="Franklin Gothic Book"/>
+        <a:ea typeface=""/>
+        <a:cs typeface=""/>
+        <a:font script="Jpan" typeface="ＭＳ Ｐゴシック"/>
+        <a:font script="Hang" typeface="맑은 고딕"/>
+        <a:font script="Hans" typeface="华文隶书"/>
+        <a:font script="Hant" typeface="新細明體"/>
+        <a:font script="Arab" typeface="Arial"/>
+        <a:font script="Hebr" typeface="Arial"/>
+        <a:font script="Thai" typeface="Cordia New"/>
+        <a:font script="Ethi" typeface="Nyala"/>
+        <a:font script="Beng" typeface="Vrinda"/>
+        <a:font script="Gujr" typeface="Shruti"/>
+        <a:font script="Khmr" typeface="MoolBoran"/>
+        <a:font script="Knda" typeface="Tunga"/>
+        <a:font script="Guru" typeface="Raavi"/>
+        <a:font script="Cans" typeface="Euphemia"/>
+        <a:font script="Cher" typeface="Plantagenet Cherokee"/>
+        <a:font script="Yiii" typeface="Microsoft Yi Baiti"/>
+        <a:font script="Tibt" typeface="Microsoft Himalaya"/>
+        <a:font script="Thaa" typeface="MV Boli"/>
+        <a:font script="Deva" typeface="Mangal"/>
+        <a:font script="Telu" typeface="Gautami"/>
+        <a:font script="Taml" typeface="Latha"/>
+        <a:font script="Syrc" typeface="Estrangelo Edessa"/>
+        <a:font script="Orya" typeface="Kalinga"/>
+        <a:font script="Mlym" typeface="Kartika"/>
+        <a:font script="Laoo" typeface="DokChampa"/>
+        <a:font script="Sinh" typeface="Iskoola Pota"/>
+        <a:font script="Mong" typeface="Mongolian Baiti"/>
+        <a:font script="Viet" typeface="Arial"/>
+        <a:font script="Uigh" typeface="Microsoft Uighur"/>
+        <a:font script="Geor" typeface="Sylfaen"/>
       </a:minorFont>
     </a:fontScheme>
-    <a:fmtScheme name="办公室">
+    <a:fmtScheme name="角度">
       <a:fillStyleLst>
         <a:solidFill>
           <a:schemeClr val="phClr"/>
@@ -4533,16 +6526,20 @@
           <a:gsLst>
             <a:gs pos="0">
               <a:schemeClr val="phClr">
-                <a:tint val="100000"/>
-                <a:shade val="100000"/>
+                <a:shade val="51000"/>
+                <a:satMod val="130000"/>
+              </a:schemeClr>
+            </a:gs>
+            <a:gs pos="80000">
+              <a:schemeClr val="phClr">
+                <a:shade val="93000"/>
                 <a:satMod val="130000"/>
               </a:schemeClr>
             </a:gs>
             <a:gs pos="100000">
               <a:schemeClr val="phClr">
-                <a:tint val="50000"/>
-                <a:shade val="100000"/>
-                <a:satMod val="350000"/>
+                <a:shade val="94000"/>
+                <a:satMod val="135000"/>
               </a:schemeClr>
             </a:gs>
           </a:gsLst>
@@ -4604,11 +6601,17 @@
               <a:rot lat="0" lon="0" rev="0"/>
             </a:camera>
             <a:lightRig rig="threePt" dir="t">
-              <a:rot lat="0" lon="0" rev="1200000"/>
+              <a:rot lat="0" lon="0" rev="20400000"/>
             </a:lightRig>
           </a:scene3d>
-          <a:sp3d>
-            <a:bevelT w="63500" h="25400"/>
+          <a:sp3d contourW="6350">
+            <a:bevelT w="41275" h="19050" prst="angle"/>
+            <a:contourClr>
+              <a:schemeClr val="phClr">
+                <a:shade val="25000"/>
+                <a:satMod val="150000"/>
+              </a:schemeClr>
+            </a:contourClr>
           </a:sp3d>
         </a:effectStyle>
       </a:effectStyleLst>
@@ -4616,94 +6619,40 @@
         <a:solidFill>
           <a:schemeClr val="phClr"/>
         </a:solidFill>
-        <a:gradFill rotWithShape="1">
-          <a:gsLst>
-            <a:gs pos="0">
+        <a:blipFill rotWithShape="1">
+          <a:blip xmlns:r="http://schemas.openxmlformats.org/officeDocument/2006/relationships" r:embed="rId1">
+            <a:duotone>
               <a:schemeClr val="phClr">
-                <a:tint val="40000"/>
-                <a:satMod val="350000"/>
+                <a:tint val="90000"/>
+                <a:shade val="85000"/>
               </a:schemeClr>
-            </a:gs>
-            <a:gs pos="40000">
               <a:schemeClr val="phClr">
-                <a:tint val="45000"/>
+                <a:tint val="95000"/>
                 <a:shade val="99000"/>
-                <a:satMod val="350000"/>
               </a:schemeClr>
-            </a:gs>
-            <a:gs pos="100000">
+            </a:duotone>
+          </a:blip>
+          <a:tile tx="0" ty="0" sx="100000" sy="100000" flip="none" algn="tl"/>
+        </a:blipFill>
+        <a:blipFill rotWithShape="1">
+          <a:blip xmlns:r="http://schemas.openxmlformats.org/officeDocument/2006/relationships" r:embed="rId2">
+            <a:duotone>
               <a:schemeClr val="phClr">
-                <a:shade val="20000"/>
-                <a:satMod val="255000"/>
+                <a:tint val="93000"/>
+                <a:shade val="85000"/>
               </a:schemeClr>
-            </a:gs>
-          </a:gsLst>
-          <a:path path="circle">
-            <a:fillToRect l="50000" t="-80000" r="50000" b="180000"/>
-          </a:path>
-        </a:gradFill>
-        <a:gradFill rotWithShape="1">
-          <a:gsLst>
-            <a:gs pos="0">
               <a:schemeClr val="phClr">
-                <a:tint val="80000"/>
-                <a:satMod val="300000"/>
+                <a:tint val="96000"/>
+                <a:shade val="99000"/>
               </a:schemeClr>
-            </a:gs>
-            <a:gs pos="100000">
-              <a:schemeClr val="phClr">
-                <a:shade val="30000"/>
-                <a:satMod val="200000"/>
-              </a:schemeClr>
-            </a:gs>
-          </a:gsLst>
-          <a:path path="circle">
-            <a:fillToRect l="50000" t="50000" r="50000" b="50000"/>
-          </a:path>
-        </a:gradFill>
+            </a:duotone>
+          </a:blip>
+          <a:tile tx="0" ty="0" sx="90000" sy="90000" flip="none" algn="tl"/>
+        </a:blipFill>
       </a:bgFillStyleLst>
     </a:fmtScheme>
   </a:themeElements>
-  <a:objectDefaults>
-    <a:spDef>
-      <a:spPr/>
-      <a:bodyPr/>
-      <a:lstStyle/>
-      <a:style>
-        <a:lnRef idx="1">
-          <a:schemeClr val="accent1"/>
-        </a:lnRef>
-        <a:fillRef idx="3">
-          <a:schemeClr val="accent1"/>
-        </a:fillRef>
-        <a:effectRef idx="2">
-          <a:schemeClr val="accent1"/>
-        </a:effectRef>
-        <a:fontRef idx="minor">
-          <a:schemeClr val="lt1"/>
-        </a:fontRef>
-      </a:style>
-    </a:spDef>
-    <a:lnDef>
-      <a:spPr/>
-      <a:bodyPr/>
-      <a:lstStyle/>
-      <a:style>
-        <a:lnRef idx="2">
-          <a:schemeClr val="accent1"/>
-        </a:lnRef>
-        <a:fillRef idx="0">
-          <a:schemeClr val="accent1"/>
-        </a:fillRef>
-        <a:effectRef idx="1">
-          <a:schemeClr val="accent1"/>
-        </a:effectRef>
-        <a:fontRef idx="minor">
-          <a:schemeClr val="tx1"/>
-        </a:fontRef>
-      </a:style>
-    </a:lnDef>
-  </a:objectDefaults>
+  <a:objectDefaults/>
   <a:extraClrSchemeLst/>
 </a:theme>
 </file>